--- a/3MinVideo/3MT.pptx
+++ b/3MinVideo/3MT.pptx
@@ -1,33 +1,40 @@
 
 <file path=ppt/presentation.xml><?xml version="1.0" encoding="utf-8"?>
-<p:presentation xmlns:a="http://schemas.openxmlformats.org/drawingml/2006/main" xmlns:r="http://schemas.openxmlformats.org/officeDocument/2006/relationships" xmlns:mc="http://schemas.openxmlformats.org/markup-compatibility/2006" xmlns:mv="urn:schemas-microsoft-com:mac:vml" xmlns:p="http://schemas.openxmlformats.org/presentationml/2006/main" xmlns:c="http://schemas.openxmlformats.org/drawingml/2006/chart" xmlns:dgm="http://schemas.openxmlformats.org/drawingml/2006/diagram" xmlns:o="urn:schemas-microsoft-com:office:office" xmlns:v="urn:schemas-microsoft-com:vml" xmlns:pvml="urn:schemas-microsoft-com:office:powerpoint" xmlns:com="http://schemas.openxmlformats.org/drawingml/2006/compatibility" xmlns:p14="http://schemas.microsoft.com/office/powerpoint/2010/main" xmlns:p15="http://schemas.microsoft.com/office/powerpoint/2012/main" xmlns:ahyp="http://schemas.microsoft.com/office/drawing/2018/hyperlinkcolor" autoCompressPictures="0" embedTrueTypeFonts="1" strictFirstAndLastChars="0" saveSubsetFonts="1">
+<p:presentation xmlns:a="http://schemas.openxmlformats.org/drawingml/2006/main" xmlns:r="http://schemas.openxmlformats.org/officeDocument/2006/relationships" xmlns:p="http://schemas.openxmlformats.org/presentationml/2006/main" strictFirstAndLastChars="0" embedTrueTypeFonts="1" saveSubsetFonts="1" autoCompressPictures="0">
   <p:sldMasterIdLst>
-    <p:sldMasterId id="2147483659" r:id="rId4"/>
+    <p:sldMasterId id="2147483659" r:id="rId1"/>
   </p:sldMasterIdLst>
   <p:notesMasterIdLst>
-    <p:notesMasterId r:id="rId5"/>
+    <p:notesMasterId r:id="rId8"/>
   </p:notesMasterIdLst>
   <p:sldIdLst>
-    <p:sldId id="256" r:id="rId6"/>
-    <p:sldId id="257" r:id="rId7"/>
-    <p:sldId id="258" r:id="rId8"/>
-    <p:sldId id="259" r:id="rId9"/>
-    <p:sldId id="260" r:id="rId10"/>
-    <p:sldId id="261" r:id="rId11"/>
+    <p:sldId id="256" r:id="rId2"/>
+    <p:sldId id="257" r:id="rId3"/>
+    <p:sldId id="258" r:id="rId4"/>
+    <p:sldId id="259" r:id="rId5"/>
+    <p:sldId id="260" r:id="rId6"/>
+    <p:sldId id="261" r:id="rId7"/>
   </p:sldIdLst>
-  <p:sldSz cy="5143500" cx="9144000"/>
+  <p:sldSz cx="9144000" cy="5143500" type="screen16x9"/>
   <p:notesSz cx="6858000" cy="9144000"/>
   <p:embeddedFontLst>
     <p:embeddedFont>
-      <p:font typeface="Nunito"/>
-      <p:regular r:id="rId12"/>
-      <p:bold r:id="rId13"/>
-      <p:italic r:id="rId14"/>
-      <p:boldItalic r:id="rId15"/>
+      <p:font typeface="Calibri" panose="020F0502020204030204" pitchFamily="34" charset="0"/>
+      <p:regular r:id="rId9"/>
+      <p:bold r:id="rId10"/>
+      <p:italic r:id="rId11"/>
+      <p:boldItalic r:id="rId12"/>
+    </p:embeddedFont>
+    <p:embeddedFont>
+      <p:font typeface="Nunito" pitchFamily="2" charset="0"/>
+      <p:regular r:id="rId13"/>
+      <p:bold r:id="rId14"/>
+      <p:italic r:id="rId15"/>
+      <p:boldItalic r:id="rId16"/>
     </p:embeddedFont>
   </p:embeddedFontLst>
   <p:defaultTextStyle>
-    <a:defPPr lvl="0" marR="0" rtl="0" algn="l">
+    <a:defPPr marR="0" lvl="0" algn="l" rtl="0">
       <a:lnSpc>
         <a:spcPct val="100000"/>
       </a:lnSpc>
@@ -38,7 +45,7 @@
         <a:spcPts val="0"/>
       </a:spcAft>
     </a:defPPr>
-    <a:lvl1pPr lvl="0" marR="0" rtl="0" algn="l">
+    <a:lvl1pPr marR="0" lvl="0" algn="l" rtl="0">
       <a:lnSpc>
         <a:spcPct val="100000"/>
       </a:lnSpc>
@@ -52,7 +59,7 @@
         <a:srgbClr val="000000"/>
       </a:buClr>
       <a:buFont typeface="Arial"/>
-      <a:defRPr b="0" i="0" sz="1400" u="none" cap="none" strike="noStrike">
+      <a:defRPr sz="1400" b="0" i="0" u="none" strike="noStrike" cap="none">
         <a:solidFill>
           <a:srgbClr val="000000"/>
         </a:solidFill>
@@ -62,7 +69,7 @@
         <a:sym typeface="Arial"/>
       </a:defRPr>
     </a:lvl1pPr>
-    <a:lvl2pPr lvl="1" marR="0" rtl="0" algn="l">
+    <a:lvl2pPr marR="0" lvl="1" algn="l" rtl="0">
       <a:lnSpc>
         <a:spcPct val="100000"/>
       </a:lnSpc>
@@ -76,7 +83,7 @@
         <a:srgbClr val="000000"/>
       </a:buClr>
       <a:buFont typeface="Arial"/>
-      <a:defRPr b="0" i="0" sz="1400" u="none" cap="none" strike="noStrike">
+      <a:defRPr sz="1400" b="0" i="0" u="none" strike="noStrike" cap="none">
         <a:solidFill>
           <a:srgbClr val="000000"/>
         </a:solidFill>
@@ -86,7 +93,7 @@
         <a:sym typeface="Arial"/>
       </a:defRPr>
     </a:lvl2pPr>
-    <a:lvl3pPr lvl="2" marR="0" rtl="0" algn="l">
+    <a:lvl3pPr marR="0" lvl="2" algn="l" rtl="0">
       <a:lnSpc>
         <a:spcPct val="100000"/>
       </a:lnSpc>
@@ -100,7 +107,7 @@
         <a:srgbClr val="000000"/>
       </a:buClr>
       <a:buFont typeface="Arial"/>
-      <a:defRPr b="0" i="0" sz="1400" u="none" cap="none" strike="noStrike">
+      <a:defRPr sz="1400" b="0" i="0" u="none" strike="noStrike" cap="none">
         <a:solidFill>
           <a:srgbClr val="000000"/>
         </a:solidFill>
@@ -110,7 +117,7 @@
         <a:sym typeface="Arial"/>
       </a:defRPr>
     </a:lvl3pPr>
-    <a:lvl4pPr lvl="3" marR="0" rtl="0" algn="l">
+    <a:lvl4pPr marR="0" lvl="3" algn="l" rtl="0">
       <a:lnSpc>
         <a:spcPct val="100000"/>
       </a:lnSpc>
@@ -124,7 +131,7 @@
         <a:srgbClr val="000000"/>
       </a:buClr>
       <a:buFont typeface="Arial"/>
-      <a:defRPr b="0" i="0" sz="1400" u="none" cap="none" strike="noStrike">
+      <a:defRPr sz="1400" b="0" i="0" u="none" strike="noStrike" cap="none">
         <a:solidFill>
           <a:srgbClr val="000000"/>
         </a:solidFill>
@@ -134,7 +141,7 @@
         <a:sym typeface="Arial"/>
       </a:defRPr>
     </a:lvl4pPr>
-    <a:lvl5pPr lvl="4" marR="0" rtl="0" algn="l">
+    <a:lvl5pPr marR="0" lvl="4" algn="l" rtl="0">
       <a:lnSpc>
         <a:spcPct val="100000"/>
       </a:lnSpc>
@@ -148,7 +155,7 @@
         <a:srgbClr val="000000"/>
       </a:buClr>
       <a:buFont typeface="Arial"/>
-      <a:defRPr b="0" i="0" sz="1400" u="none" cap="none" strike="noStrike">
+      <a:defRPr sz="1400" b="0" i="0" u="none" strike="noStrike" cap="none">
         <a:solidFill>
           <a:srgbClr val="000000"/>
         </a:solidFill>
@@ -158,7 +165,7 @@
         <a:sym typeface="Arial"/>
       </a:defRPr>
     </a:lvl5pPr>
-    <a:lvl6pPr lvl="5" marR="0" rtl="0" algn="l">
+    <a:lvl6pPr marR="0" lvl="5" algn="l" rtl="0">
       <a:lnSpc>
         <a:spcPct val="100000"/>
       </a:lnSpc>
@@ -172,7 +179,7 @@
         <a:srgbClr val="000000"/>
       </a:buClr>
       <a:buFont typeface="Arial"/>
-      <a:defRPr b="0" i="0" sz="1400" u="none" cap="none" strike="noStrike">
+      <a:defRPr sz="1400" b="0" i="0" u="none" strike="noStrike" cap="none">
         <a:solidFill>
           <a:srgbClr val="000000"/>
         </a:solidFill>
@@ -182,7 +189,7 @@
         <a:sym typeface="Arial"/>
       </a:defRPr>
     </a:lvl6pPr>
-    <a:lvl7pPr lvl="6" marR="0" rtl="0" algn="l">
+    <a:lvl7pPr marR="0" lvl="6" algn="l" rtl="0">
       <a:lnSpc>
         <a:spcPct val="100000"/>
       </a:lnSpc>
@@ -196,7 +203,7 @@
         <a:srgbClr val="000000"/>
       </a:buClr>
       <a:buFont typeface="Arial"/>
-      <a:defRPr b="0" i="0" sz="1400" u="none" cap="none" strike="noStrike">
+      <a:defRPr sz="1400" b="0" i="0" u="none" strike="noStrike" cap="none">
         <a:solidFill>
           <a:srgbClr val="000000"/>
         </a:solidFill>
@@ -206,7 +213,7 @@
         <a:sym typeface="Arial"/>
       </a:defRPr>
     </a:lvl7pPr>
-    <a:lvl8pPr lvl="7" marR="0" rtl="0" algn="l">
+    <a:lvl8pPr marR="0" lvl="7" algn="l" rtl="0">
       <a:lnSpc>
         <a:spcPct val="100000"/>
       </a:lnSpc>
@@ -220,7 +227,7 @@
         <a:srgbClr val="000000"/>
       </a:buClr>
       <a:buFont typeface="Arial"/>
-      <a:defRPr b="0" i="0" sz="1400" u="none" cap="none" strike="noStrike">
+      <a:defRPr sz="1400" b="0" i="0" u="none" strike="noStrike" cap="none">
         <a:solidFill>
           <a:srgbClr val="000000"/>
         </a:solidFill>
@@ -230,7 +237,7 @@
         <a:sym typeface="Arial"/>
       </a:defRPr>
     </a:lvl8pPr>
-    <a:lvl9pPr lvl="8" marR="0" rtl="0" algn="l">
+    <a:lvl9pPr marR="0" lvl="8" algn="l" rtl="0">
       <a:lnSpc>
         <a:spcPct val="100000"/>
       </a:lnSpc>
@@ -244,7 +251,7 @@
         <a:srgbClr val="000000"/>
       </a:buClr>
       <a:buFont typeface="Arial"/>
-      <a:defRPr b="0" i="0" sz="1400" u="none" cap="none" strike="noStrike">
+      <a:defRPr sz="1400" b="0" i="0" u="none" strike="noStrike" cap="none">
         <a:solidFill>
           <a:srgbClr val="000000"/>
         </a:solidFill>
@@ -257,7 +264,7 @@
   </p:defaultTextStyle>
   <p:extLst>
     <p:ext uri="{EFAFB233-063F-42B5-8137-9DF3F51BA10A}">
-      <p15:sldGuideLst>
+      <p15:sldGuideLst xmlns:p15="http://schemas.microsoft.com/office/powerpoint/2012/main">
         <p15:guide id="1" orient="horz" pos="1620">
           <p15:clr>
             <a:srgbClr val="A4A3A4"/>
@@ -275,11 +282,16 @@
 </file>
 
 <file path=ppt/notesMasters/notesMaster1.xml><?xml version="1.0" encoding="utf-8"?>
-<p:notesMaster xmlns:a="http://schemas.openxmlformats.org/drawingml/2006/main" xmlns:r="http://schemas.openxmlformats.org/officeDocument/2006/relationships" xmlns:mc="http://schemas.openxmlformats.org/markup-compatibility/2006" xmlns:mv="urn:schemas-microsoft-com:mac:vml" xmlns:p="http://schemas.openxmlformats.org/presentationml/2006/main" xmlns:c="http://schemas.openxmlformats.org/drawingml/2006/chart" xmlns:dgm="http://schemas.openxmlformats.org/drawingml/2006/diagram" xmlns:o="urn:schemas-microsoft-com:office:office" xmlns:v="urn:schemas-microsoft-com:vml" xmlns:pvml="urn:schemas-microsoft-com:office:powerpoint" xmlns:com="http://schemas.openxmlformats.org/drawingml/2006/compatibility" xmlns:p14="http://schemas.microsoft.com/office/powerpoint/2010/main" xmlns:p15="http://schemas.microsoft.com/office/powerpoint/2012/main" xmlns:ahyp="http://schemas.microsoft.com/office/drawing/2018/hyperlinkcolor">
+<p:notesMaster xmlns:a="http://schemas.openxmlformats.org/drawingml/2006/main" xmlns:r="http://schemas.openxmlformats.org/officeDocument/2006/relationships" xmlns:p="http://schemas.openxmlformats.org/presentationml/2006/main">
   <p:cSld>
+    <p:bg>
+      <p:bgRef idx="1001">
+        <a:schemeClr val="bg1"/>
+      </p:bgRef>
+    </p:bg>
     <p:spTree>
       <p:nvGrpSpPr>
-        <p:cNvPr id="2" name="Shape 2"/>
+        <p:cNvPr id="1" name="Shape 2"/>
         <p:cNvGrpSpPr/>
         <p:nvPr/>
       </p:nvGrpSpPr>
@@ -294,9 +306,11 @@
       <p:sp>
         <p:nvSpPr>
           <p:cNvPr id="3" name="Google Shape;3;n"/>
-          <p:cNvSpPr/>
+          <p:cNvSpPr>
+            <a:spLocks noGrp="1" noRot="1" noChangeAspect="1"/>
+          </p:cNvSpPr>
           <p:nvPr>
-            <p:ph idx="2" type="sldImg"/>
+            <p:ph type="sldImg" idx="2"/>
           </p:nvPr>
         </p:nvSpPr>
         <p:spPr>
@@ -305,9 +319,13 @@
             <a:ext cx="6096075" cy="3429000"/>
           </a:xfrm>
           <a:custGeom>
-            <a:rect b="b" l="l" r="r" t="t"/>
+            <a:avLst/>
+            <a:gdLst/>
+            <a:ahLst/>
+            <a:cxnLst/>
+            <a:rect l="l" t="t" r="r" b="b"/>
             <a:pathLst>
-              <a:path extrusionOk="0" h="120000" w="120000">
+              <a:path w="120000" h="120000" extrusionOk="0">
                 <a:moveTo>
                   <a:pt x="0" y="0"/>
                 </a:moveTo>
@@ -325,23 +343,25 @@
             </a:pathLst>
           </a:custGeom>
           <a:noFill/>
-          <a:ln cap="flat" cmpd="sng" w="9525">
+          <a:ln w="9525" cap="flat" cmpd="sng">
             <a:solidFill>
               <a:srgbClr val="000000"/>
             </a:solidFill>
             <a:prstDash val="solid"/>
             <a:round/>
-            <a:headEnd len="sm" w="sm" type="none"/>
-            <a:tailEnd len="sm" w="sm" type="none"/>
+            <a:headEnd type="none" w="sm" len="sm"/>
+            <a:tailEnd type="none" w="sm" len="sm"/>
           </a:ln>
         </p:spPr>
       </p:sp>
       <p:sp>
         <p:nvSpPr>
           <p:cNvPr id="4" name="Google Shape;4;n"/>
-          <p:cNvSpPr txBox="1"/>
+          <p:cNvSpPr txBox="1">
+            <a:spLocks noGrp="1"/>
+          </p:cNvSpPr>
           <p:nvPr>
-            <p:ph idx="1" type="body"/>
+            <p:ph type="body" idx="1"/>
           </p:nvPr>
         </p:nvSpPr>
         <p:spPr>
@@ -358,11 +378,11 @@
           </a:ln>
         </p:spPr>
         <p:txBody>
-          <a:bodyPr anchorCtr="0" anchor="t" bIns="91425" lIns="91425" spcFirstLastPara="1" rIns="91425" wrap="square" tIns="91425">
+          <a:bodyPr spcFirstLastPara="1" wrap="square" lIns="91425" tIns="91425" rIns="91425" bIns="91425" anchor="t" anchorCtr="0">
             <a:noAutofit/>
           </a:bodyPr>
           <a:lstStyle>
-            <a:lvl1pPr indent="-298450" lvl="0" marL="457200">
+            <a:lvl1pPr marL="457200" lvl="0" indent="-298450">
               <a:spcBef>
                 <a:spcPts val="0"/>
               </a:spcBef>
@@ -373,7 +393,7 @@
               <a:buChar char="●"/>
               <a:defRPr sz="1100"/>
             </a:lvl1pPr>
-            <a:lvl2pPr indent="-298450" lvl="1" marL="914400">
+            <a:lvl2pPr marL="914400" lvl="1" indent="-298450">
               <a:spcBef>
                 <a:spcPts val="0"/>
               </a:spcBef>
@@ -384,7 +404,7 @@
               <a:buChar char="○"/>
               <a:defRPr sz="1100"/>
             </a:lvl2pPr>
-            <a:lvl3pPr indent="-298450" lvl="2" marL="1371600">
+            <a:lvl3pPr marL="1371600" lvl="2" indent="-298450">
               <a:spcBef>
                 <a:spcPts val="0"/>
               </a:spcBef>
@@ -395,7 +415,7 @@
               <a:buChar char="■"/>
               <a:defRPr sz="1100"/>
             </a:lvl3pPr>
-            <a:lvl4pPr indent="-298450" lvl="3" marL="1828800">
+            <a:lvl4pPr marL="1828800" lvl="3" indent="-298450">
               <a:spcBef>
                 <a:spcPts val="0"/>
               </a:spcBef>
@@ -406,7 +426,7 @@
               <a:buChar char="●"/>
               <a:defRPr sz="1100"/>
             </a:lvl4pPr>
-            <a:lvl5pPr indent="-298450" lvl="4" marL="2286000">
+            <a:lvl5pPr marL="2286000" lvl="4" indent="-298450">
               <a:spcBef>
                 <a:spcPts val="0"/>
               </a:spcBef>
@@ -417,7 +437,7 @@
               <a:buChar char="○"/>
               <a:defRPr sz="1100"/>
             </a:lvl5pPr>
-            <a:lvl6pPr indent="-298450" lvl="5" marL="2743200">
+            <a:lvl6pPr marL="2743200" lvl="5" indent="-298450">
               <a:spcBef>
                 <a:spcPts val="0"/>
               </a:spcBef>
@@ -428,7 +448,7 @@
               <a:buChar char="■"/>
               <a:defRPr sz="1100"/>
             </a:lvl6pPr>
-            <a:lvl7pPr indent="-298450" lvl="6" marL="3200400">
+            <a:lvl7pPr marL="3200400" lvl="6" indent="-298450">
               <a:spcBef>
                 <a:spcPts val="0"/>
               </a:spcBef>
@@ -439,7 +459,7 @@
               <a:buChar char="●"/>
               <a:defRPr sz="1100"/>
             </a:lvl7pPr>
-            <a:lvl8pPr indent="-298450" lvl="7" marL="3657600">
+            <a:lvl8pPr marL="3657600" lvl="7" indent="-298450">
               <a:spcBef>
                 <a:spcPts val="0"/>
               </a:spcBef>
@@ -450,7 +470,7 @@
               <a:buChar char="○"/>
               <a:defRPr sz="1100"/>
             </a:lvl8pPr>
-            <a:lvl9pPr indent="-298450" lvl="8" marL="4114800">
+            <a:lvl9pPr marL="4114800" lvl="8" indent="-298450">
               <a:spcBef>
                 <a:spcPts val="0"/>
               </a:spcBef>
@@ -462,14 +482,16 @@
               <a:defRPr sz="1100"/>
             </a:lvl9pPr>
           </a:lstStyle>
-          <a:p/>
+          <a:p>
+            <a:endParaRPr/>
+          </a:p>
         </p:txBody>
       </p:sp>
     </p:spTree>
   </p:cSld>
-  <p:clrMap accent1="accent1" accent2="accent2" accent3="accent3" accent4="accent4" accent5="accent5" accent6="accent6" bg1="lt1" bg2="dk2" tx1="dk1" tx2="lt2" folHlink="folHlink" hlink="hlink"/>
+  <p:clrMap bg1="lt1" tx1="dk1" bg2="dk2" tx2="lt2" accent1="accent1" accent2="accent2" accent3="accent3" accent4="accent4" accent5="accent5" accent6="accent6" hlink="hlink" folHlink="folHlink"/>
   <p:notesStyle>
-    <a:defPPr lvl="0" marR="0" rtl="0" algn="l">
+    <a:defPPr marR="0" lvl="0" algn="l" rtl="0">
       <a:lnSpc>
         <a:spcPct val="100000"/>
       </a:lnSpc>
@@ -480,7 +502,7 @@
         <a:spcPts val="0"/>
       </a:spcAft>
     </a:defPPr>
-    <a:lvl1pPr lvl="0" marR="0" rtl="0" algn="l">
+    <a:lvl1pPr marR="0" lvl="0" algn="l" rtl="0">
       <a:lnSpc>
         <a:spcPct val="100000"/>
       </a:lnSpc>
@@ -494,7 +516,7 @@
         <a:srgbClr val="000000"/>
       </a:buClr>
       <a:buFont typeface="Arial"/>
-      <a:defRPr b="0" i="0" sz="1400" u="none" cap="none" strike="noStrike">
+      <a:defRPr sz="1400" b="0" i="0" u="none" strike="noStrike" cap="none">
         <a:solidFill>
           <a:srgbClr val="000000"/>
         </a:solidFill>
@@ -504,7 +526,7 @@
         <a:sym typeface="Arial"/>
       </a:defRPr>
     </a:lvl1pPr>
-    <a:lvl2pPr lvl="1" marR="0" rtl="0" algn="l">
+    <a:lvl2pPr marR="0" lvl="1" algn="l" rtl="0">
       <a:lnSpc>
         <a:spcPct val="100000"/>
       </a:lnSpc>
@@ -518,7 +540,7 @@
         <a:srgbClr val="000000"/>
       </a:buClr>
       <a:buFont typeface="Arial"/>
-      <a:defRPr b="0" i="0" sz="1400" u="none" cap="none" strike="noStrike">
+      <a:defRPr sz="1400" b="0" i="0" u="none" strike="noStrike" cap="none">
         <a:solidFill>
           <a:srgbClr val="000000"/>
         </a:solidFill>
@@ -528,7 +550,7 @@
         <a:sym typeface="Arial"/>
       </a:defRPr>
     </a:lvl2pPr>
-    <a:lvl3pPr lvl="2" marR="0" rtl="0" algn="l">
+    <a:lvl3pPr marR="0" lvl="2" algn="l" rtl="0">
       <a:lnSpc>
         <a:spcPct val="100000"/>
       </a:lnSpc>
@@ -542,7 +564,7 @@
         <a:srgbClr val="000000"/>
       </a:buClr>
       <a:buFont typeface="Arial"/>
-      <a:defRPr b="0" i="0" sz="1400" u="none" cap="none" strike="noStrike">
+      <a:defRPr sz="1400" b="0" i="0" u="none" strike="noStrike" cap="none">
         <a:solidFill>
           <a:srgbClr val="000000"/>
         </a:solidFill>
@@ -552,7 +574,7 @@
         <a:sym typeface="Arial"/>
       </a:defRPr>
     </a:lvl3pPr>
-    <a:lvl4pPr lvl="3" marR="0" rtl="0" algn="l">
+    <a:lvl4pPr marR="0" lvl="3" algn="l" rtl="0">
       <a:lnSpc>
         <a:spcPct val="100000"/>
       </a:lnSpc>
@@ -566,7 +588,7 @@
         <a:srgbClr val="000000"/>
       </a:buClr>
       <a:buFont typeface="Arial"/>
-      <a:defRPr b="0" i="0" sz="1400" u="none" cap="none" strike="noStrike">
+      <a:defRPr sz="1400" b="0" i="0" u="none" strike="noStrike" cap="none">
         <a:solidFill>
           <a:srgbClr val="000000"/>
         </a:solidFill>
@@ -576,7 +598,7 @@
         <a:sym typeface="Arial"/>
       </a:defRPr>
     </a:lvl4pPr>
-    <a:lvl5pPr lvl="4" marR="0" rtl="0" algn="l">
+    <a:lvl5pPr marR="0" lvl="4" algn="l" rtl="0">
       <a:lnSpc>
         <a:spcPct val="100000"/>
       </a:lnSpc>
@@ -590,7 +612,7 @@
         <a:srgbClr val="000000"/>
       </a:buClr>
       <a:buFont typeface="Arial"/>
-      <a:defRPr b="0" i="0" sz="1400" u="none" cap="none" strike="noStrike">
+      <a:defRPr sz="1400" b="0" i="0" u="none" strike="noStrike" cap="none">
         <a:solidFill>
           <a:srgbClr val="000000"/>
         </a:solidFill>
@@ -600,7 +622,7 @@
         <a:sym typeface="Arial"/>
       </a:defRPr>
     </a:lvl5pPr>
-    <a:lvl6pPr lvl="5" marR="0" rtl="0" algn="l">
+    <a:lvl6pPr marR="0" lvl="5" algn="l" rtl="0">
       <a:lnSpc>
         <a:spcPct val="100000"/>
       </a:lnSpc>
@@ -614,7 +636,7 @@
         <a:srgbClr val="000000"/>
       </a:buClr>
       <a:buFont typeface="Arial"/>
-      <a:defRPr b="0" i="0" sz="1400" u="none" cap="none" strike="noStrike">
+      <a:defRPr sz="1400" b="0" i="0" u="none" strike="noStrike" cap="none">
         <a:solidFill>
           <a:srgbClr val="000000"/>
         </a:solidFill>
@@ -624,7 +646,7 @@
         <a:sym typeface="Arial"/>
       </a:defRPr>
     </a:lvl6pPr>
-    <a:lvl7pPr lvl="6" marR="0" rtl="0" algn="l">
+    <a:lvl7pPr marR="0" lvl="6" algn="l" rtl="0">
       <a:lnSpc>
         <a:spcPct val="100000"/>
       </a:lnSpc>
@@ -638,7 +660,7 @@
         <a:srgbClr val="000000"/>
       </a:buClr>
       <a:buFont typeface="Arial"/>
-      <a:defRPr b="0" i="0" sz="1400" u="none" cap="none" strike="noStrike">
+      <a:defRPr sz="1400" b="0" i="0" u="none" strike="noStrike" cap="none">
         <a:solidFill>
           <a:srgbClr val="000000"/>
         </a:solidFill>
@@ -648,7 +670,7 @@
         <a:sym typeface="Arial"/>
       </a:defRPr>
     </a:lvl7pPr>
-    <a:lvl8pPr lvl="7" marR="0" rtl="0" algn="l">
+    <a:lvl8pPr marR="0" lvl="7" algn="l" rtl="0">
       <a:lnSpc>
         <a:spcPct val="100000"/>
       </a:lnSpc>
@@ -662,7 +684,7 @@
         <a:srgbClr val="000000"/>
       </a:buClr>
       <a:buFont typeface="Arial"/>
-      <a:defRPr b="0" i="0" sz="1400" u="none" cap="none" strike="noStrike">
+      <a:defRPr sz="1400" b="0" i="0" u="none" strike="noStrike" cap="none">
         <a:solidFill>
           <a:srgbClr val="000000"/>
         </a:solidFill>
@@ -672,7 +694,7 @@
         <a:sym typeface="Arial"/>
       </a:defRPr>
     </a:lvl8pPr>
-    <a:lvl9pPr lvl="8" marR="0" rtl="0" algn="l">
+    <a:lvl9pPr marR="0" lvl="8" algn="l" rtl="0">
       <a:lnSpc>
         <a:spcPct val="100000"/>
       </a:lnSpc>
@@ -686,7 +708,7 @@
         <a:srgbClr val="000000"/>
       </a:buClr>
       <a:buFont typeface="Arial"/>
-      <a:defRPr b="0" i="0" sz="1400" u="none" cap="none" strike="noStrike">
+      <a:defRPr sz="1400" b="0" i="0" u="none" strike="noStrike" cap="none">
         <a:solidFill>
           <a:srgbClr val="000000"/>
         </a:solidFill>
@@ -701,11 +723,11 @@
 </file>
 
 <file path=ppt/notesSlides/notesSlide1.xml><?xml version="1.0" encoding="utf-8"?>
-<p:notes xmlns:a="http://schemas.openxmlformats.org/drawingml/2006/main" xmlns:r="http://schemas.openxmlformats.org/officeDocument/2006/relationships" xmlns:mc="http://schemas.openxmlformats.org/markup-compatibility/2006" xmlns:mv="urn:schemas-microsoft-com:mac:vml" xmlns:p="http://schemas.openxmlformats.org/presentationml/2006/main" xmlns:c="http://schemas.openxmlformats.org/drawingml/2006/chart" xmlns:dgm="http://schemas.openxmlformats.org/drawingml/2006/diagram" xmlns:o="urn:schemas-microsoft-com:office:office" xmlns:v="urn:schemas-microsoft-com:vml" xmlns:pvml="urn:schemas-microsoft-com:office:powerpoint" xmlns:com="http://schemas.openxmlformats.org/drawingml/2006/compatibility" xmlns:p14="http://schemas.microsoft.com/office/powerpoint/2010/main" xmlns:p15="http://schemas.microsoft.com/office/powerpoint/2012/main" xmlns:ahyp="http://schemas.microsoft.com/office/drawing/2018/hyperlinkcolor" showMasterPhAnim="0" showMasterSp="0">
+<p:notes xmlns:a="http://schemas.openxmlformats.org/drawingml/2006/main" xmlns:r="http://schemas.openxmlformats.org/officeDocument/2006/relationships" xmlns:p="http://schemas.openxmlformats.org/presentationml/2006/main" showMasterSp="0" showMasterPhAnim="0">
   <p:cSld>
     <p:spTree>
       <p:nvGrpSpPr>
-        <p:cNvPr id="124" name="Shape 124"/>
+        <p:cNvPr id="1" name="Shape 124"/>
         <p:cNvGrpSpPr/>
         <p:nvPr/>
       </p:nvGrpSpPr>
@@ -720,20 +742,26 @@
       <p:sp>
         <p:nvSpPr>
           <p:cNvPr id="125" name="Google Shape;125;g103fe2b83c5_0_119:notes"/>
-          <p:cNvSpPr/>
+          <p:cNvSpPr>
+            <a:spLocks noGrp="1" noRot="1" noChangeAspect="1"/>
+          </p:cNvSpPr>
           <p:nvPr>
-            <p:ph idx="2" type="sldImg"/>
+            <p:ph type="sldImg" idx="2"/>
           </p:nvPr>
         </p:nvSpPr>
         <p:spPr>
           <a:xfrm>
-            <a:off x="381300" y="685800"/>
+            <a:off x="381000" y="685800"/>
             <a:ext cx="6096000" cy="3429000"/>
           </a:xfrm>
           <a:custGeom>
-            <a:rect b="b" l="l" r="r" t="t"/>
+            <a:avLst/>
+            <a:gdLst/>
+            <a:ahLst/>
+            <a:cxnLst/>
+            <a:rect l="l" t="t" r="r" b="b"/>
             <a:pathLst>
-              <a:path extrusionOk="0" h="120000" w="120000">
+              <a:path w="120000" h="120000" extrusionOk="0">
                 <a:moveTo>
                   <a:pt x="0" y="0"/>
                 </a:moveTo>
@@ -755,9 +783,11 @@
       <p:sp>
         <p:nvSpPr>
           <p:cNvPr id="126" name="Google Shape;126;g103fe2b83c5_0_119:notes"/>
-          <p:cNvSpPr txBox="1"/>
+          <p:cNvSpPr txBox="1">
+            <a:spLocks noGrp="1"/>
+          </p:cNvSpPr>
           <p:nvPr>
-            <p:ph idx="1" type="body"/>
+            <p:ph type="body" idx="1"/>
           </p:nvPr>
         </p:nvSpPr>
         <p:spPr>
@@ -770,12 +800,12 @@
           </a:prstGeom>
         </p:spPr>
         <p:txBody>
-          <a:bodyPr anchorCtr="0" anchor="t" bIns="91425" lIns="91425" spcFirstLastPara="1" rIns="91425" wrap="square" tIns="91425">
+          <a:bodyPr spcFirstLastPara="1" wrap="square" lIns="91425" tIns="91425" rIns="91425" bIns="91425" anchor="t" anchorCtr="0">
             <a:noAutofit/>
           </a:bodyPr>
           <a:lstStyle/>
           <a:p>
-            <a:pPr indent="0" lvl="0" marL="0" rtl="0" algn="l">
+            <a:pPr marL="0" lvl="0" indent="0" algn="l" rtl="0">
               <a:spcBef>
                 <a:spcPts val="0"/>
               </a:spcBef>
@@ -784,9 +814,6 @@
               </a:spcAft>
               <a:buNone/>
             </a:pPr>
-            <a:r>
-              <a:t/>
-            </a:r>
             <a:endParaRPr/>
           </a:p>
         </p:txBody>
@@ -800,11 +827,11 @@
 </file>
 
 <file path=ppt/notesSlides/notesSlide2.xml><?xml version="1.0" encoding="utf-8"?>
-<p:notes xmlns:a="http://schemas.openxmlformats.org/drawingml/2006/main" xmlns:r="http://schemas.openxmlformats.org/officeDocument/2006/relationships" xmlns:mc="http://schemas.openxmlformats.org/markup-compatibility/2006" xmlns:mv="urn:schemas-microsoft-com:mac:vml" xmlns:p="http://schemas.openxmlformats.org/presentationml/2006/main" xmlns:c="http://schemas.openxmlformats.org/drawingml/2006/chart" xmlns:dgm="http://schemas.openxmlformats.org/drawingml/2006/diagram" xmlns:o="urn:schemas-microsoft-com:office:office" xmlns:v="urn:schemas-microsoft-com:vml" xmlns:pvml="urn:schemas-microsoft-com:office:powerpoint" xmlns:com="http://schemas.openxmlformats.org/drawingml/2006/compatibility" xmlns:p14="http://schemas.microsoft.com/office/powerpoint/2010/main" xmlns:p15="http://schemas.microsoft.com/office/powerpoint/2012/main" xmlns:ahyp="http://schemas.microsoft.com/office/drawing/2018/hyperlinkcolor" showMasterPhAnim="0" showMasterSp="0">
+<p:notes xmlns:a="http://schemas.openxmlformats.org/drawingml/2006/main" xmlns:r="http://schemas.openxmlformats.org/officeDocument/2006/relationships" xmlns:p="http://schemas.openxmlformats.org/presentationml/2006/main" showMasterSp="0" showMasterPhAnim="0">
   <p:cSld>
     <p:spTree>
       <p:nvGrpSpPr>
-        <p:cNvPr id="130" name="Shape 130"/>
+        <p:cNvPr id="1" name="Shape 130"/>
         <p:cNvGrpSpPr/>
         <p:nvPr/>
       </p:nvGrpSpPr>
@@ -819,9 +846,11 @@
       <p:sp>
         <p:nvSpPr>
           <p:cNvPr id="131" name="Google Shape;131;g103fe2b83c5_0_243:notes"/>
-          <p:cNvSpPr/>
+          <p:cNvSpPr>
+            <a:spLocks noGrp="1" noRot="1" noChangeAspect="1"/>
+          </p:cNvSpPr>
           <p:nvPr>
-            <p:ph idx="2" type="sldImg"/>
+            <p:ph type="sldImg" idx="2"/>
           </p:nvPr>
         </p:nvSpPr>
         <p:spPr>
@@ -830,9 +859,13 @@
             <a:ext cx="6096000" cy="3429000"/>
           </a:xfrm>
           <a:custGeom>
-            <a:rect b="b" l="l" r="r" t="t"/>
+            <a:avLst/>
+            <a:gdLst/>
+            <a:ahLst/>
+            <a:cxnLst/>
+            <a:rect l="l" t="t" r="r" b="b"/>
             <a:pathLst>
-              <a:path extrusionOk="0" h="120000" w="120000">
+              <a:path w="120000" h="120000" extrusionOk="0">
                 <a:moveTo>
                   <a:pt x="0" y="0"/>
                 </a:moveTo>
@@ -854,9 +887,11 @@
       <p:sp>
         <p:nvSpPr>
           <p:cNvPr id="132" name="Google Shape;132;g103fe2b83c5_0_243:notes"/>
-          <p:cNvSpPr txBox="1"/>
+          <p:cNvSpPr txBox="1">
+            <a:spLocks noGrp="1"/>
+          </p:cNvSpPr>
           <p:nvPr>
-            <p:ph idx="1" type="body"/>
+            <p:ph type="body" idx="1"/>
           </p:nvPr>
         </p:nvSpPr>
         <p:spPr>
@@ -869,12 +904,12 @@
           </a:prstGeom>
         </p:spPr>
         <p:txBody>
-          <a:bodyPr anchorCtr="0" anchor="t" bIns="91425" lIns="91425" spcFirstLastPara="1" rIns="91425" wrap="square" tIns="91425">
+          <a:bodyPr spcFirstLastPara="1" wrap="square" lIns="91425" tIns="91425" rIns="91425" bIns="91425" anchor="t" anchorCtr="0">
             <a:noAutofit/>
           </a:bodyPr>
           <a:lstStyle/>
           <a:p>
-            <a:pPr indent="0" lvl="0" marL="0" rtl="0" algn="l">
+            <a:pPr marL="0" lvl="0" indent="0" algn="l" rtl="0">
               <a:spcBef>
                 <a:spcPts val="0"/>
               </a:spcBef>
@@ -883,9 +918,6 @@
               </a:spcAft>
               <a:buNone/>
             </a:pPr>
-            <a:r>
-              <a:t/>
-            </a:r>
             <a:endParaRPr/>
           </a:p>
         </p:txBody>
@@ -899,11 +931,11 @@
 </file>
 
 <file path=ppt/notesSlides/notesSlide3.xml><?xml version="1.0" encoding="utf-8"?>
-<p:notes xmlns:a="http://schemas.openxmlformats.org/drawingml/2006/main" xmlns:r="http://schemas.openxmlformats.org/officeDocument/2006/relationships" xmlns:mc="http://schemas.openxmlformats.org/markup-compatibility/2006" xmlns:mv="urn:schemas-microsoft-com:mac:vml" xmlns:p="http://schemas.openxmlformats.org/presentationml/2006/main" xmlns:c="http://schemas.openxmlformats.org/drawingml/2006/chart" xmlns:dgm="http://schemas.openxmlformats.org/drawingml/2006/diagram" xmlns:o="urn:schemas-microsoft-com:office:office" xmlns:v="urn:schemas-microsoft-com:vml" xmlns:pvml="urn:schemas-microsoft-com:office:powerpoint" xmlns:com="http://schemas.openxmlformats.org/drawingml/2006/compatibility" xmlns:p14="http://schemas.microsoft.com/office/powerpoint/2010/main" xmlns:p15="http://schemas.microsoft.com/office/powerpoint/2012/main" xmlns:ahyp="http://schemas.microsoft.com/office/drawing/2018/hyperlinkcolor" showMasterPhAnim="0" showMasterSp="0">
+<p:notes xmlns:a="http://schemas.openxmlformats.org/drawingml/2006/main" xmlns:r="http://schemas.openxmlformats.org/officeDocument/2006/relationships" xmlns:p="http://schemas.openxmlformats.org/presentationml/2006/main" showMasterSp="0" showMasterPhAnim="0">
   <p:cSld>
     <p:spTree>
       <p:nvGrpSpPr>
-        <p:cNvPr id="137" name="Shape 137"/>
+        <p:cNvPr id="1" name="Shape 137"/>
         <p:cNvGrpSpPr/>
         <p:nvPr/>
       </p:nvGrpSpPr>
@@ -918,9 +950,11 @@
       <p:sp>
         <p:nvSpPr>
           <p:cNvPr id="138" name="Google Shape;138;g103fe2b83c5_0_368:notes"/>
-          <p:cNvSpPr/>
+          <p:cNvSpPr>
+            <a:spLocks noGrp="1" noRot="1" noChangeAspect="1"/>
+          </p:cNvSpPr>
           <p:nvPr>
-            <p:ph idx="2" type="sldImg"/>
+            <p:ph type="sldImg" idx="2"/>
           </p:nvPr>
         </p:nvSpPr>
         <p:spPr>
@@ -929,9 +963,13 @@
             <a:ext cx="6096000" cy="3429000"/>
           </a:xfrm>
           <a:custGeom>
-            <a:rect b="b" l="l" r="r" t="t"/>
+            <a:avLst/>
+            <a:gdLst/>
+            <a:ahLst/>
+            <a:cxnLst/>
+            <a:rect l="l" t="t" r="r" b="b"/>
             <a:pathLst>
-              <a:path extrusionOk="0" h="120000" w="120000">
+              <a:path w="120000" h="120000" extrusionOk="0">
                 <a:moveTo>
                   <a:pt x="0" y="0"/>
                 </a:moveTo>
@@ -953,9 +991,11 @@
       <p:sp>
         <p:nvSpPr>
           <p:cNvPr id="139" name="Google Shape;139;g103fe2b83c5_0_368:notes"/>
-          <p:cNvSpPr txBox="1"/>
+          <p:cNvSpPr txBox="1">
+            <a:spLocks noGrp="1"/>
+          </p:cNvSpPr>
           <p:nvPr>
-            <p:ph idx="1" type="body"/>
+            <p:ph type="body" idx="1"/>
           </p:nvPr>
         </p:nvSpPr>
         <p:spPr>
@@ -968,12 +1008,12 @@
           </a:prstGeom>
         </p:spPr>
         <p:txBody>
-          <a:bodyPr anchorCtr="0" anchor="t" bIns="91425" lIns="91425" spcFirstLastPara="1" rIns="91425" wrap="square" tIns="91425">
+          <a:bodyPr spcFirstLastPara="1" wrap="square" lIns="91425" tIns="91425" rIns="91425" bIns="91425" anchor="t" anchorCtr="0">
             <a:noAutofit/>
           </a:bodyPr>
           <a:lstStyle/>
           <a:p>
-            <a:pPr indent="0" lvl="0" marL="0" rtl="0" algn="l">
+            <a:pPr marL="0" lvl="0" indent="0" algn="l" rtl="0">
               <a:spcBef>
                 <a:spcPts val="0"/>
               </a:spcBef>
@@ -982,9 +1022,6 @@
               </a:spcAft>
               <a:buNone/>
             </a:pPr>
-            <a:r>
-              <a:t/>
-            </a:r>
             <a:endParaRPr/>
           </a:p>
         </p:txBody>
@@ -998,11 +1035,11 @@
 </file>
 
 <file path=ppt/notesSlides/notesSlide4.xml><?xml version="1.0" encoding="utf-8"?>
-<p:notes xmlns:a="http://schemas.openxmlformats.org/drawingml/2006/main" xmlns:r="http://schemas.openxmlformats.org/officeDocument/2006/relationships" xmlns:mc="http://schemas.openxmlformats.org/markup-compatibility/2006" xmlns:mv="urn:schemas-microsoft-com:mac:vml" xmlns:p="http://schemas.openxmlformats.org/presentationml/2006/main" xmlns:c="http://schemas.openxmlformats.org/drawingml/2006/chart" xmlns:dgm="http://schemas.openxmlformats.org/drawingml/2006/diagram" xmlns:o="urn:schemas-microsoft-com:office:office" xmlns:v="urn:schemas-microsoft-com:vml" xmlns:pvml="urn:schemas-microsoft-com:office:powerpoint" xmlns:com="http://schemas.openxmlformats.org/drawingml/2006/compatibility" xmlns:p14="http://schemas.microsoft.com/office/powerpoint/2010/main" xmlns:p15="http://schemas.microsoft.com/office/powerpoint/2012/main" xmlns:ahyp="http://schemas.microsoft.com/office/drawing/2018/hyperlinkcolor" showMasterPhAnim="0" showMasterSp="0">
+<p:notes xmlns:a="http://schemas.openxmlformats.org/drawingml/2006/main" xmlns:r="http://schemas.openxmlformats.org/officeDocument/2006/relationships" xmlns:p="http://schemas.openxmlformats.org/presentationml/2006/main" showMasterSp="0" showMasterPhAnim="0">
   <p:cSld>
     <p:spTree>
       <p:nvGrpSpPr>
-        <p:cNvPr id="144" name="Shape 144"/>
+        <p:cNvPr id="1" name="Shape 144"/>
         <p:cNvGrpSpPr/>
         <p:nvPr/>
       </p:nvGrpSpPr>
@@ -1017,9 +1054,11 @@
       <p:sp>
         <p:nvSpPr>
           <p:cNvPr id="145" name="Google Shape;145;g103fe2b83c5_0_373:notes"/>
-          <p:cNvSpPr/>
+          <p:cNvSpPr>
+            <a:spLocks noGrp="1" noRot="1" noChangeAspect="1"/>
+          </p:cNvSpPr>
           <p:nvPr>
-            <p:ph idx="2" type="sldImg"/>
+            <p:ph type="sldImg" idx="2"/>
           </p:nvPr>
         </p:nvSpPr>
         <p:spPr>
@@ -1028,9 +1067,13 @@
             <a:ext cx="6096000" cy="3429000"/>
           </a:xfrm>
           <a:custGeom>
-            <a:rect b="b" l="l" r="r" t="t"/>
+            <a:avLst/>
+            <a:gdLst/>
+            <a:ahLst/>
+            <a:cxnLst/>
+            <a:rect l="l" t="t" r="r" b="b"/>
             <a:pathLst>
-              <a:path extrusionOk="0" h="120000" w="120000">
+              <a:path w="120000" h="120000" extrusionOk="0">
                 <a:moveTo>
                   <a:pt x="0" y="0"/>
                 </a:moveTo>
@@ -1052,9 +1095,11 @@
       <p:sp>
         <p:nvSpPr>
           <p:cNvPr id="146" name="Google Shape;146;g103fe2b83c5_0_373:notes"/>
-          <p:cNvSpPr txBox="1"/>
+          <p:cNvSpPr txBox="1">
+            <a:spLocks noGrp="1"/>
+          </p:cNvSpPr>
           <p:nvPr>
-            <p:ph idx="1" type="body"/>
+            <p:ph type="body" idx="1"/>
           </p:nvPr>
         </p:nvSpPr>
         <p:spPr>
@@ -1067,12 +1112,12 @@
           </a:prstGeom>
         </p:spPr>
         <p:txBody>
-          <a:bodyPr anchorCtr="0" anchor="t" bIns="91425" lIns="91425" spcFirstLastPara="1" rIns="91425" wrap="square" tIns="91425">
+          <a:bodyPr spcFirstLastPara="1" wrap="square" lIns="91425" tIns="91425" rIns="91425" bIns="91425" anchor="t" anchorCtr="0">
             <a:noAutofit/>
           </a:bodyPr>
           <a:lstStyle/>
           <a:p>
-            <a:pPr indent="0" lvl="0" marL="0" rtl="0" algn="l">
+            <a:pPr marL="0" lvl="0" indent="0" algn="l" rtl="0">
               <a:spcBef>
                 <a:spcPts val="0"/>
               </a:spcBef>
@@ -1098,11 +1143,11 @@
 </file>
 
 <file path=ppt/notesSlides/notesSlide5.xml><?xml version="1.0" encoding="utf-8"?>
-<p:notes xmlns:a="http://schemas.openxmlformats.org/drawingml/2006/main" xmlns:r="http://schemas.openxmlformats.org/officeDocument/2006/relationships" xmlns:mc="http://schemas.openxmlformats.org/markup-compatibility/2006" xmlns:mv="urn:schemas-microsoft-com:mac:vml" xmlns:p="http://schemas.openxmlformats.org/presentationml/2006/main" xmlns:c="http://schemas.openxmlformats.org/drawingml/2006/chart" xmlns:dgm="http://schemas.openxmlformats.org/drawingml/2006/diagram" xmlns:o="urn:schemas-microsoft-com:office:office" xmlns:v="urn:schemas-microsoft-com:vml" xmlns:pvml="urn:schemas-microsoft-com:office:powerpoint" xmlns:com="http://schemas.openxmlformats.org/drawingml/2006/compatibility" xmlns:p14="http://schemas.microsoft.com/office/powerpoint/2010/main" xmlns:p15="http://schemas.microsoft.com/office/powerpoint/2012/main" xmlns:ahyp="http://schemas.microsoft.com/office/drawing/2018/hyperlinkcolor" showMasterPhAnim="0" showMasterSp="0">
+<p:notes xmlns:a="http://schemas.openxmlformats.org/drawingml/2006/main" xmlns:r="http://schemas.openxmlformats.org/officeDocument/2006/relationships" xmlns:p="http://schemas.openxmlformats.org/presentationml/2006/main" showMasterSp="0" showMasterPhAnim="0">
   <p:cSld>
     <p:spTree>
       <p:nvGrpSpPr>
-        <p:cNvPr id="149" name="Shape 149"/>
+        <p:cNvPr id="1" name="Shape 149"/>
         <p:cNvGrpSpPr/>
         <p:nvPr/>
       </p:nvGrpSpPr>
@@ -1117,9 +1162,11 @@
       <p:sp>
         <p:nvSpPr>
           <p:cNvPr id="150" name="Google Shape;150;g103fe2b83c5_0_621:notes"/>
-          <p:cNvSpPr/>
+          <p:cNvSpPr>
+            <a:spLocks noGrp="1" noRot="1" noChangeAspect="1"/>
+          </p:cNvSpPr>
           <p:nvPr>
-            <p:ph idx="2" type="sldImg"/>
+            <p:ph type="sldImg" idx="2"/>
           </p:nvPr>
         </p:nvSpPr>
         <p:spPr>
@@ -1128,9 +1175,13 @@
             <a:ext cx="6096000" cy="3429000"/>
           </a:xfrm>
           <a:custGeom>
-            <a:rect b="b" l="l" r="r" t="t"/>
+            <a:avLst/>
+            <a:gdLst/>
+            <a:ahLst/>
+            <a:cxnLst/>
+            <a:rect l="l" t="t" r="r" b="b"/>
             <a:pathLst>
-              <a:path extrusionOk="0" h="120000" w="120000">
+              <a:path w="120000" h="120000" extrusionOk="0">
                 <a:moveTo>
                   <a:pt x="0" y="0"/>
                 </a:moveTo>
@@ -1152,9 +1203,11 @@
       <p:sp>
         <p:nvSpPr>
           <p:cNvPr id="151" name="Google Shape;151;g103fe2b83c5_0_621:notes"/>
-          <p:cNvSpPr txBox="1"/>
+          <p:cNvSpPr txBox="1">
+            <a:spLocks noGrp="1"/>
+          </p:cNvSpPr>
           <p:nvPr>
-            <p:ph idx="1" type="body"/>
+            <p:ph type="body" idx="1"/>
           </p:nvPr>
         </p:nvSpPr>
         <p:spPr>
@@ -1167,12 +1220,12 @@
           </a:prstGeom>
         </p:spPr>
         <p:txBody>
-          <a:bodyPr anchorCtr="0" anchor="t" bIns="91425" lIns="91425" spcFirstLastPara="1" rIns="91425" wrap="square" tIns="91425">
+          <a:bodyPr spcFirstLastPara="1" wrap="square" lIns="91425" tIns="91425" rIns="91425" bIns="91425" anchor="t" anchorCtr="0">
             <a:noAutofit/>
           </a:bodyPr>
           <a:lstStyle/>
           <a:p>
-            <a:pPr indent="0" lvl="0" marL="0" rtl="0" algn="l">
+            <a:pPr marL="0" lvl="0" indent="0" algn="l" rtl="0">
               <a:spcBef>
                 <a:spcPts val="0"/>
               </a:spcBef>
@@ -1181,9 +1234,6 @@
               </a:spcAft>
               <a:buNone/>
             </a:pPr>
-            <a:r>
-              <a:t/>
-            </a:r>
             <a:endParaRPr/>
           </a:p>
         </p:txBody>
@@ -1197,11 +1247,11 @@
 </file>
 
 <file path=ppt/notesSlides/notesSlide6.xml><?xml version="1.0" encoding="utf-8"?>
-<p:notes xmlns:a="http://schemas.openxmlformats.org/drawingml/2006/main" xmlns:r="http://schemas.openxmlformats.org/officeDocument/2006/relationships" xmlns:mc="http://schemas.openxmlformats.org/markup-compatibility/2006" xmlns:mv="urn:schemas-microsoft-com:mac:vml" xmlns:p="http://schemas.openxmlformats.org/presentationml/2006/main" xmlns:c="http://schemas.openxmlformats.org/drawingml/2006/chart" xmlns:dgm="http://schemas.openxmlformats.org/drawingml/2006/diagram" xmlns:o="urn:schemas-microsoft-com:office:office" xmlns:v="urn:schemas-microsoft-com:vml" xmlns:pvml="urn:schemas-microsoft-com:office:powerpoint" xmlns:com="http://schemas.openxmlformats.org/drawingml/2006/compatibility" xmlns:p14="http://schemas.microsoft.com/office/powerpoint/2010/main" xmlns:p15="http://schemas.microsoft.com/office/powerpoint/2012/main" xmlns:ahyp="http://schemas.microsoft.com/office/drawing/2018/hyperlinkcolor" showMasterPhAnim="0" showMasterSp="0">
+<p:notes xmlns:a="http://schemas.openxmlformats.org/drawingml/2006/main" xmlns:r="http://schemas.openxmlformats.org/officeDocument/2006/relationships" xmlns:p="http://schemas.openxmlformats.org/presentationml/2006/main" showMasterSp="0" showMasterPhAnim="0">
   <p:cSld>
     <p:spTree>
       <p:nvGrpSpPr>
-        <p:cNvPr id="154" name="Shape 154"/>
+        <p:cNvPr id="1" name="Shape 154"/>
         <p:cNvGrpSpPr/>
         <p:nvPr/>
       </p:nvGrpSpPr>
@@ -1216,9 +1266,11 @@
       <p:sp>
         <p:nvSpPr>
           <p:cNvPr id="155" name="Google Shape;155;g103fe2b83c5_0_996:notes"/>
-          <p:cNvSpPr/>
+          <p:cNvSpPr>
+            <a:spLocks noGrp="1" noRot="1" noChangeAspect="1"/>
+          </p:cNvSpPr>
           <p:nvPr>
-            <p:ph idx="2" type="sldImg"/>
+            <p:ph type="sldImg" idx="2"/>
           </p:nvPr>
         </p:nvSpPr>
         <p:spPr>
@@ -1227,9 +1279,13 @@
             <a:ext cx="6096000" cy="3429000"/>
           </a:xfrm>
           <a:custGeom>
-            <a:rect b="b" l="l" r="r" t="t"/>
+            <a:avLst/>
+            <a:gdLst/>
+            <a:ahLst/>
+            <a:cxnLst/>
+            <a:rect l="l" t="t" r="r" b="b"/>
             <a:pathLst>
-              <a:path extrusionOk="0" h="120000" w="120000">
+              <a:path w="120000" h="120000" extrusionOk="0">
                 <a:moveTo>
                   <a:pt x="0" y="0"/>
                 </a:moveTo>
@@ -1251,9 +1307,11 @@
       <p:sp>
         <p:nvSpPr>
           <p:cNvPr id="156" name="Google Shape;156;g103fe2b83c5_0_996:notes"/>
-          <p:cNvSpPr txBox="1"/>
+          <p:cNvSpPr txBox="1">
+            <a:spLocks noGrp="1"/>
+          </p:cNvSpPr>
           <p:nvPr>
-            <p:ph idx="1" type="body"/>
+            <p:ph type="body" idx="1"/>
           </p:nvPr>
         </p:nvSpPr>
         <p:spPr>
@@ -1266,12 +1324,12 @@
           </a:prstGeom>
         </p:spPr>
         <p:txBody>
-          <a:bodyPr anchorCtr="0" anchor="t" bIns="91425" lIns="91425" spcFirstLastPara="1" rIns="91425" wrap="square" tIns="91425">
+          <a:bodyPr spcFirstLastPara="1" wrap="square" lIns="91425" tIns="91425" rIns="91425" bIns="91425" anchor="t" anchorCtr="0">
             <a:noAutofit/>
           </a:bodyPr>
           <a:lstStyle/>
           <a:p>
-            <a:pPr indent="0" lvl="0" marL="0" rtl="0" algn="l">
+            <a:pPr marL="0" lvl="0" indent="0" algn="l" rtl="0">
               <a:spcBef>
                 <a:spcPts val="0"/>
               </a:spcBef>
@@ -1280,9 +1338,6 @@
               </a:spcAft>
               <a:buNone/>
             </a:pPr>
-            <a:r>
-              <a:t/>
-            </a:r>
             <a:endParaRPr/>
           </a:p>
         </p:txBody>
@@ -1296,18 +1351,19 @@
 </file>
 
 <file path=ppt/slideLayouts/slideLayout1.xml><?xml version="1.0" encoding="utf-8"?>
-<p:sldLayout xmlns:a="http://schemas.openxmlformats.org/drawingml/2006/main" xmlns:r="http://schemas.openxmlformats.org/officeDocument/2006/relationships" xmlns:mc="http://schemas.openxmlformats.org/markup-compatibility/2006" xmlns:mv="urn:schemas-microsoft-com:mac:vml" xmlns:p="http://schemas.openxmlformats.org/presentationml/2006/main" xmlns:c="http://schemas.openxmlformats.org/drawingml/2006/chart" xmlns:dgm="http://schemas.openxmlformats.org/drawingml/2006/diagram" xmlns:o="urn:schemas-microsoft-com:office:office" xmlns:v="urn:schemas-microsoft-com:vml" xmlns:pvml="urn:schemas-microsoft-com:office:powerpoint" xmlns:com="http://schemas.openxmlformats.org/drawingml/2006/compatibility" xmlns:p14="http://schemas.microsoft.com/office/powerpoint/2010/main" xmlns:p15="http://schemas.microsoft.com/office/powerpoint/2012/main" xmlns:ahyp="http://schemas.microsoft.com/office/drawing/2018/hyperlinkcolor" matchingName="Title slide" type="title">
+<p:sldLayout xmlns:a="http://schemas.openxmlformats.org/drawingml/2006/main" xmlns:r="http://schemas.openxmlformats.org/officeDocument/2006/relationships" xmlns:p="http://schemas.openxmlformats.org/presentationml/2006/main" matchingName="Title slide" type="title">
   <p:cSld name="TITLE">
     <p:bg>
       <p:bgPr>
         <a:solidFill>
           <a:schemeClr val="accent6"/>
         </a:solidFill>
+        <a:effectLst/>
       </p:bgPr>
     </p:bg>
     <p:spTree>
       <p:nvGrpSpPr>
-        <p:cNvPr id="9" name="Shape 9"/>
+        <p:cNvPr id="1" name="Shape 9"/>
         <p:cNvGrpSpPr/>
         <p:nvPr/>
       </p:nvGrpSpPr>
@@ -1341,12 +1397,12 @@
           </a:ln>
         </p:spPr>
         <p:txBody>
-          <a:bodyPr anchorCtr="0" anchor="ctr" bIns="91425" lIns="91425" spcFirstLastPara="1" rIns="91425" wrap="square" tIns="91425">
+          <a:bodyPr spcFirstLastPara="1" wrap="square" lIns="91425" tIns="91425" rIns="91425" bIns="91425" anchor="ctr" anchorCtr="0">
             <a:noAutofit/>
           </a:bodyPr>
           <a:lstStyle/>
           <a:p>
-            <a:pPr indent="0" lvl="0" marL="0" rtl="0" algn="l">
+            <a:pPr marL="0" lvl="0" indent="0" algn="l" rtl="0">
               <a:spcBef>
                 <a:spcPts val="0"/>
               </a:spcBef>
@@ -1355,9 +1411,6 @@
               </a:spcAft>
               <a:buNone/>
             </a:pPr>
-            <a:r>
-              <a:t/>
-            </a:r>
             <a:endParaRPr/>
           </a:p>
         </p:txBody>
@@ -1384,12 +1437,12 @@
           </a:ln>
         </p:spPr>
         <p:txBody>
-          <a:bodyPr anchorCtr="0" anchor="ctr" bIns="91425" lIns="91425" spcFirstLastPara="1" rIns="91425" wrap="square" tIns="91425">
+          <a:bodyPr spcFirstLastPara="1" wrap="square" lIns="91425" tIns="91425" rIns="91425" bIns="91425" anchor="ctr" anchorCtr="0">
             <a:noAutofit/>
           </a:bodyPr>
           <a:lstStyle/>
           <a:p>
-            <a:pPr indent="0" lvl="0" marL="0" rtl="0" algn="l">
+            <a:pPr marL="0" lvl="0" indent="0" algn="l" rtl="0">
               <a:spcBef>
                 <a:spcPts val="0"/>
               </a:spcBef>
@@ -1398,9 +1451,6 @@
               </a:spcAft>
               <a:buNone/>
             </a:pPr>
-            <a:r>
-              <a:t/>
-            </a:r>
             <a:endParaRPr/>
           </a:p>
         </p:txBody>
@@ -1427,12 +1477,12 @@
           </a:ln>
         </p:spPr>
         <p:txBody>
-          <a:bodyPr anchorCtr="0" anchor="ctr" bIns="91425" lIns="91425" spcFirstLastPara="1" rIns="91425" wrap="square" tIns="91425">
+          <a:bodyPr spcFirstLastPara="1" wrap="square" lIns="91425" tIns="91425" rIns="91425" bIns="91425" anchor="ctr" anchorCtr="0">
             <a:noAutofit/>
           </a:bodyPr>
           <a:lstStyle/>
           <a:p>
-            <a:pPr indent="0" lvl="0" marL="0" rtl="0" algn="l">
+            <a:pPr marL="0" lvl="0" indent="0" algn="l" rtl="0">
               <a:spcBef>
                 <a:spcPts val="0"/>
               </a:spcBef>
@@ -1441,9 +1491,6 @@
               </a:spcAft>
               <a:buNone/>
             </a:pPr>
-            <a:r>
-              <a:t/>
-            </a:r>
             <a:endParaRPr/>
           </a:p>
         </p:txBody>
@@ -1469,7 +1516,7 @@
             <a:noFill/>
           </a:ln>
           <a:effectLst>
-            <a:outerShdw blurRad="228600" sx="101000" rotWithShape="0" algn="ctr" sy="101000">
+            <a:outerShdw blurRad="228600" sx="101000" sy="101000" algn="ctr" rotWithShape="0">
               <a:srgbClr val="000000">
                 <a:alpha val="40000"/>
               </a:srgbClr>
@@ -1477,12 +1524,12 @@
           </a:effectLst>
         </p:spPr>
         <p:txBody>
-          <a:bodyPr anchorCtr="0" anchor="ctr" bIns="91425" lIns="91425" spcFirstLastPara="1" rIns="91425" wrap="square" tIns="91425">
+          <a:bodyPr spcFirstLastPara="1" wrap="square" lIns="91425" tIns="91425" rIns="91425" bIns="91425" anchor="ctr" anchorCtr="0">
             <a:noAutofit/>
           </a:bodyPr>
           <a:lstStyle/>
           <a:p>
-            <a:pPr indent="0" lvl="0" marL="0" rtl="0" algn="l">
+            <a:pPr marL="0" lvl="0" indent="0" algn="l" rtl="0">
               <a:spcBef>
                 <a:spcPts val="0"/>
               </a:spcBef>
@@ -1491,9 +1538,6 @@
               </a:spcAft>
               <a:buNone/>
             </a:pPr>
-            <a:r>
-              <a:t/>
-            </a:r>
             <a:endParaRPr/>
           </a:p>
         </p:txBody>
@@ -1525,7 +1569,7 @@
             </a:xfrm>
             <a:prstGeom prst="parallelogram">
               <a:avLst>
-                <a:gd fmla="val 153193" name="adj"/>
+                <a:gd name="adj" fmla="val 153193"/>
               </a:avLst>
             </a:prstGeom>
             <a:solidFill>
@@ -1536,12 +1580,12 @@
             </a:ln>
           </p:spPr>
           <p:txBody>
-            <a:bodyPr anchorCtr="0" anchor="ctr" bIns="91425" lIns="91425" spcFirstLastPara="1" rIns="91425" wrap="square" tIns="91425">
+            <a:bodyPr spcFirstLastPara="1" wrap="square" lIns="91425" tIns="91425" rIns="91425" bIns="91425" anchor="ctr" anchorCtr="0">
               <a:noAutofit/>
             </a:bodyPr>
             <a:lstStyle/>
             <a:p>
-              <a:pPr indent="0" lvl="0" marL="0" rtl="0" algn="l">
+              <a:pPr marL="0" lvl="0" indent="0" algn="l" rtl="0">
                 <a:spcBef>
                   <a:spcPts val="0"/>
                 </a:spcBef>
@@ -1550,9 +1594,6 @@
                 </a:spcAft>
                 <a:buNone/>
               </a:pPr>
-              <a:r>
-                <a:t/>
-              </a:r>
               <a:endParaRPr/>
             </a:p>
           </p:txBody>
@@ -1570,7 +1611,7 @@
             </a:xfrm>
             <a:prstGeom prst="parallelogram">
               <a:avLst>
-                <a:gd fmla="val 153193" name="adj"/>
+                <a:gd name="adj" fmla="val 153193"/>
               </a:avLst>
             </a:prstGeom>
             <a:solidFill>
@@ -1581,12 +1622,12 @@
             </a:ln>
           </p:spPr>
           <p:txBody>
-            <a:bodyPr anchorCtr="0" anchor="ctr" bIns="91425" lIns="91425" spcFirstLastPara="1" rIns="91425" wrap="square" tIns="91425">
+            <a:bodyPr spcFirstLastPara="1" wrap="square" lIns="91425" tIns="91425" rIns="91425" bIns="91425" anchor="ctr" anchorCtr="0">
               <a:noAutofit/>
             </a:bodyPr>
             <a:lstStyle/>
             <a:p>
-              <a:pPr indent="0" lvl="0" marL="0" rtl="0" algn="l">
+              <a:pPr marL="0" lvl="0" indent="0" algn="l" rtl="0">
                 <a:spcBef>
                   <a:spcPts val="0"/>
                 </a:spcBef>
@@ -1595,9 +1636,6 @@
                 </a:spcAft>
                 <a:buNone/>
               </a:pPr>
-              <a:r>
-                <a:t/>
-              </a:r>
               <a:endParaRPr/>
             </a:p>
           </p:txBody>
@@ -1615,7 +1653,7 @@
             </a:xfrm>
             <a:prstGeom prst="parallelogram">
               <a:avLst>
-                <a:gd fmla="val 153193" name="adj"/>
+                <a:gd name="adj" fmla="val 153193"/>
               </a:avLst>
             </a:prstGeom>
             <a:solidFill>
@@ -1626,12 +1664,12 @@
             </a:ln>
           </p:spPr>
           <p:txBody>
-            <a:bodyPr anchorCtr="0" anchor="ctr" bIns="91425" lIns="91425" spcFirstLastPara="1" rIns="91425" wrap="square" tIns="91425">
+            <a:bodyPr spcFirstLastPara="1" wrap="square" lIns="91425" tIns="91425" rIns="91425" bIns="91425" anchor="ctr" anchorCtr="0">
               <a:noAutofit/>
             </a:bodyPr>
             <a:lstStyle/>
             <a:p>
-              <a:pPr indent="0" lvl="0" marL="0" rtl="0" algn="l">
+              <a:pPr marL="0" lvl="0" indent="0" algn="l" rtl="0">
                 <a:spcBef>
                   <a:spcPts val="0"/>
                 </a:spcBef>
@@ -1640,9 +1678,6 @@
                 </a:spcAft>
                 <a:buNone/>
               </a:pPr>
-              <a:r>
-                <a:t/>
-              </a:r>
               <a:endParaRPr/>
             </a:p>
           </p:txBody>
@@ -1675,7 +1710,7 @@
             </a:xfrm>
             <a:prstGeom prst="parallelogram">
               <a:avLst>
-                <a:gd fmla="val 153193" name="adj"/>
+                <a:gd name="adj" fmla="val 153193"/>
               </a:avLst>
             </a:prstGeom>
             <a:solidFill>
@@ -1686,12 +1721,12 @@
             </a:ln>
           </p:spPr>
           <p:txBody>
-            <a:bodyPr anchorCtr="0" anchor="ctr" bIns="91425" lIns="91425" spcFirstLastPara="1" rIns="91425" wrap="square" tIns="91425">
+            <a:bodyPr spcFirstLastPara="1" wrap="square" lIns="91425" tIns="91425" rIns="91425" bIns="91425" anchor="ctr" anchorCtr="0">
               <a:noAutofit/>
             </a:bodyPr>
             <a:lstStyle/>
             <a:p>
-              <a:pPr indent="0" lvl="0" marL="0" rtl="0" algn="l">
+              <a:pPr marL="0" lvl="0" indent="0" algn="l" rtl="0">
                 <a:spcBef>
                   <a:spcPts val="0"/>
                 </a:spcBef>
@@ -1700,9 +1735,6 @@
                 </a:spcAft>
                 <a:buNone/>
               </a:pPr>
-              <a:r>
-                <a:t/>
-              </a:r>
               <a:endParaRPr/>
             </a:p>
           </p:txBody>
@@ -1720,7 +1752,7 @@
             </a:xfrm>
             <a:prstGeom prst="parallelogram">
               <a:avLst>
-                <a:gd fmla="val 153193" name="adj"/>
+                <a:gd name="adj" fmla="val 153193"/>
               </a:avLst>
             </a:prstGeom>
             <a:solidFill>
@@ -1731,12 +1763,12 @@
             </a:ln>
           </p:spPr>
           <p:txBody>
-            <a:bodyPr anchorCtr="0" anchor="ctr" bIns="91425" lIns="91425" spcFirstLastPara="1" rIns="91425" wrap="square" tIns="91425">
+            <a:bodyPr spcFirstLastPara="1" wrap="square" lIns="91425" tIns="91425" rIns="91425" bIns="91425" anchor="ctr" anchorCtr="0">
               <a:noAutofit/>
             </a:bodyPr>
             <a:lstStyle/>
             <a:p>
-              <a:pPr indent="0" lvl="0" marL="0" rtl="0" algn="l">
+              <a:pPr marL="0" lvl="0" indent="0" algn="l" rtl="0">
                 <a:spcBef>
                   <a:spcPts val="0"/>
                 </a:spcBef>
@@ -1745,9 +1777,6 @@
                 </a:spcAft>
                 <a:buNone/>
               </a:pPr>
-              <a:r>
-                <a:t/>
-              </a:r>
               <a:endParaRPr/>
             </a:p>
           </p:txBody>
@@ -1765,7 +1794,7 @@
             </a:xfrm>
             <a:prstGeom prst="parallelogram">
               <a:avLst>
-                <a:gd fmla="val 153193" name="adj"/>
+                <a:gd name="adj" fmla="val 153193"/>
               </a:avLst>
             </a:prstGeom>
             <a:solidFill>
@@ -1776,12 +1805,12 @@
             </a:ln>
           </p:spPr>
           <p:txBody>
-            <a:bodyPr anchorCtr="0" anchor="ctr" bIns="91425" lIns="91425" spcFirstLastPara="1" rIns="91425" wrap="square" tIns="91425">
+            <a:bodyPr spcFirstLastPara="1" wrap="square" lIns="91425" tIns="91425" rIns="91425" bIns="91425" anchor="ctr" anchorCtr="0">
               <a:noAutofit/>
             </a:bodyPr>
             <a:lstStyle/>
             <a:p>
-              <a:pPr indent="0" lvl="0" marL="0" rtl="0" algn="l">
+              <a:pPr marL="0" lvl="0" indent="0" algn="l" rtl="0">
                 <a:spcBef>
                   <a:spcPts val="0"/>
                 </a:spcBef>
@@ -1790,9 +1819,6 @@
                 </a:spcAft>
                 <a:buNone/>
               </a:pPr>
-              <a:r>
-                <a:t/>
-              </a:r>
               <a:endParaRPr/>
             </a:p>
           </p:txBody>
@@ -1825,7 +1851,7 @@
             </a:xfrm>
             <a:prstGeom prst="parallelogram">
               <a:avLst>
-                <a:gd fmla="val 158024" name="adj"/>
+                <a:gd name="adj" fmla="val 158024"/>
               </a:avLst>
             </a:prstGeom>
             <a:solidFill>
@@ -1836,12 +1862,12 @@
             </a:ln>
           </p:spPr>
           <p:txBody>
-            <a:bodyPr anchorCtr="0" anchor="ctr" bIns="91425" lIns="91425" spcFirstLastPara="1" rIns="91425" wrap="square" tIns="91425">
+            <a:bodyPr spcFirstLastPara="1" wrap="square" lIns="91425" tIns="91425" rIns="91425" bIns="91425" anchor="ctr" anchorCtr="0">
               <a:noAutofit/>
             </a:bodyPr>
             <a:lstStyle/>
             <a:p>
-              <a:pPr indent="0" lvl="0" marL="0" rtl="0" algn="l">
+              <a:pPr marL="0" lvl="0" indent="0" algn="l" rtl="0">
                 <a:spcBef>
                   <a:spcPts val="0"/>
                 </a:spcBef>
@@ -1850,9 +1876,6 @@
                 </a:spcAft>
                 <a:buNone/>
               </a:pPr>
-              <a:r>
-                <a:t/>
-              </a:r>
               <a:endParaRPr/>
             </a:p>
           </p:txBody>
@@ -1870,7 +1893,7 @@
             </a:xfrm>
             <a:prstGeom prst="parallelogram">
               <a:avLst>
-                <a:gd fmla="val 158024" name="adj"/>
+                <a:gd name="adj" fmla="val 158024"/>
               </a:avLst>
             </a:prstGeom>
             <a:solidFill>
@@ -1881,12 +1904,12 @@
             </a:ln>
           </p:spPr>
           <p:txBody>
-            <a:bodyPr anchorCtr="0" anchor="ctr" bIns="91425" lIns="91425" spcFirstLastPara="1" rIns="91425" wrap="square" tIns="91425">
+            <a:bodyPr spcFirstLastPara="1" wrap="square" lIns="91425" tIns="91425" rIns="91425" bIns="91425" anchor="ctr" anchorCtr="0">
               <a:noAutofit/>
             </a:bodyPr>
             <a:lstStyle/>
             <a:p>
-              <a:pPr indent="0" lvl="0" marL="0" rtl="0" algn="l">
+              <a:pPr marL="0" lvl="0" indent="0" algn="l" rtl="0">
                 <a:spcBef>
                   <a:spcPts val="0"/>
                 </a:spcBef>
@@ -1895,9 +1918,6 @@
                 </a:spcAft>
                 <a:buNone/>
               </a:pPr>
-              <a:r>
-                <a:t/>
-              </a:r>
               <a:endParaRPr/>
             </a:p>
           </p:txBody>
@@ -1915,7 +1935,7 @@
             </a:xfrm>
             <a:prstGeom prst="parallelogram">
               <a:avLst>
-                <a:gd fmla="val 158024" name="adj"/>
+                <a:gd name="adj" fmla="val 158024"/>
               </a:avLst>
             </a:prstGeom>
             <a:solidFill>
@@ -1926,12 +1946,12 @@
             </a:ln>
           </p:spPr>
           <p:txBody>
-            <a:bodyPr anchorCtr="0" anchor="ctr" bIns="91425" lIns="91425" spcFirstLastPara="1" rIns="91425" wrap="square" tIns="91425">
+            <a:bodyPr spcFirstLastPara="1" wrap="square" lIns="91425" tIns="91425" rIns="91425" bIns="91425" anchor="ctr" anchorCtr="0">
               <a:noAutofit/>
             </a:bodyPr>
             <a:lstStyle/>
             <a:p>
-              <a:pPr indent="0" lvl="0" marL="0" rtl="0" algn="l">
+              <a:pPr marL="0" lvl="0" indent="0" algn="l" rtl="0">
                 <a:spcBef>
                   <a:spcPts val="0"/>
                 </a:spcBef>
@@ -1940,9 +1960,6 @@
                 </a:spcAft>
                 <a:buNone/>
               </a:pPr>
-              <a:r>
-                <a:t/>
-              </a:r>
               <a:endParaRPr/>
             </a:p>
           </p:txBody>
@@ -1975,7 +1992,7 @@
             </a:xfrm>
             <a:prstGeom prst="parallelogram">
               <a:avLst>
-                <a:gd fmla="val 158024" name="adj"/>
+                <a:gd name="adj" fmla="val 158024"/>
               </a:avLst>
             </a:prstGeom>
             <a:solidFill>
@@ -1986,12 +2003,12 @@
             </a:ln>
           </p:spPr>
           <p:txBody>
-            <a:bodyPr anchorCtr="0" anchor="ctr" bIns="91425" lIns="91425" spcFirstLastPara="1" rIns="91425" wrap="square" tIns="91425">
+            <a:bodyPr spcFirstLastPara="1" wrap="square" lIns="91425" tIns="91425" rIns="91425" bIns="91425" anchor="ctr" anchorCtr="0">
               <a:noAutofit/>
             </a:bodyPr>
             <a:lstStyle/>
             <a:p>
-              <a:pPr indent="0" lvl="0" marL="0" rtl="0" algn="l">
+              <a:pPr marL="0" lvl="0" indent="0" algn="l" rtl="0">
                 <a:spcBef>
                   <a:spcPts val="0"/>
                 </a:spcBef>
@@ -2000,9 +2017,6 @@
                 </a:spcAft>
                 <a:buNone/>
               </a:pPr>
-              <a:r>
-                <a:t/>
-              </a:r>
               <a:endParaRPr/>
             </a:p>
           </p:txBody>
@@ -2020,7 +2034,7 @@
             </a:xfrm>
             <a:prstGeom prst="parallelogram">
               <a:avLst>
-                <a:gd fmla="val 158024" name="adj"/>
+                <a:gd name="adj" fmla="val 158024"/>
               </a:avLst>
             </a:prstGeom>
             <a:solidFill>
@@ -2031,12 +2045,12 @@
             </a:ln>
           </p:spPr>
           <p:txBody>
-            <a:bodyPr anchorCtr="0" anchor="ctr" bIns="91425" lIns="91425" spcFirstLastPara="1" rIns="91425" wrap="square" tIns="91425">
+            <a:bodyPr spcFirstLastPara="1" wrap="square" lIns="91425" tIns="91425" rIns="91425" bIns="91425" anchor="ctr" anchorCtr="0">
               <a:noAutofit/>
             </a:bodyPr>
             <a:lstStyle/>
             <a:p>
-              <a:pPr indent="0" lvl="0" marL="0" rtl="0" algn="l">
+              <a:pPr marL="0" lvl="0" indent="0" algn="l" rtl="0">
                 <a:spcBef>
                   <a:spcPts val="0"/>
                 </a:spcBef>
@@ -2045,9 +2059,6 @@
                 </a:spcAft>
                 <a:buNone/>
               </a:pPr>
-              <a:r>
-                <a:t/>
-              </a:r>
               <a:endParaRPr/>
             </a:p>
           </p:txBody>
@@ -2065,7 +2076,7 @@
             </a:xfrm>
             <a:prstGeom prst="parallelogram">
               <a:avLst>
-                <a:gd fmla="val 158024" name="adj"/>
+                <a:gd name="adj" fmla="val 158024"/>
               </a:avLst>
             </a:prstGeom>
             <a:solidFill>
@@ -2076,12 +2087,12 @@
             </a:ln>
           </p:spPr>
           <p:txBody>
-            <a:bodyPr anchorCtr="0" anchor="ctr" bIns="91425" lIns="91425" spcFirstLastPara="1" rIns="91425" wrap="square" tIns="91425">
+            <a:bodyPr spcFirstLastPara="1" wrap="square" lIns="91425" tIns="91425" rIns="91425" bIns="91425" anchor="ctr" anchorCtr="0">
               <a:noAutofit/>
             </a:bodyPr>
             <a:lstStyle/>
             <a:p>
-              <a:pPr indent="0" lvl="0" marL="0" rtl="0" algn="l">
+              <a:pPr marL="0" lvl="0" indent="0" algn="l" rtl="0">
                 <a:spcBef>
                   <a:spcPts val="0"/>
                 </a:spcBef>
@@ -2090,9 +2101,6 @@
                 </a:spcAft>
                 <a:buNone/>
               </a:pPr>
-              <a:r>
-                <a:t/>
-              </a:r>
               <a:endParaRPr/>
             </a:p>
           </p:txBody>
@@ -2125,7 +2133,7 @@
             </a:xfrm>
             <a:prstGeom prst="parallelogram">
               <a:avLst>
-                <a:gd fmla="val 158024" name="adj"/>
+                <a:gd name="adj" fmla="val 158024"/>
               </a:avLst>
             </a:prstGeom>
             <a:solidFill>
@@ -2136,12 +2144,12 @@
             </a:ln>
           </p:spPr>
           <p:txBody>
-            <a:bodyPr anchorCtr="0" anchor="ctr" bIns="91425" lIns="91425" spcFirstLastPara="1" rIns="91425" wrap="square" tIns="91425">
+            <a:bodyPr spcFirstLastPara="1" wrap="square" lIns="91425" tIns="91425" rIns="91425" bIns="91425" anchor="ctr" anchorCtr="0">
               <a:noAutofit/>
             </a:bodyPr>
             <a:lstStyle/>
             <a:p>
-              <a:pPr indent="0" lvl="0" marL="0" rtl="0" algn="l">
+              <a:pPr marL="0" lvl="0" indent="0" algn="l" rtl="0">
                 <a:spcBef>
                   <a:spcPts val="0"/>
                 </a:spcBef>
@@ -2150,9 +2158,6 @@
                 </a:spcAft>
                 <a:buNone/>
               </a:pPr>
-              <a:r>
-                <a:t/>
-              </a:r>
               <a:endParaRPr/>
             </a:p>
           </p:txBody>
@@ -2170,7 +2175,7 @@
             </a:xfrm>
             <a:prstGeom prst="parallelogram">
               <a:avLst>
-                <a:gd fmla="val 158024" name="adj"/>
+                <a:gd name="adj" fmla="val 158024"/>
               </a:avLst>
             </a:prstGeom>
             <a:solidFill>
@@ -2181,12 +2186,12 @@
             </a:ln>
           </p:spPr>
           <p:txBody>
-            <a:bodyPr anchorCtr="0" anchor="ctr" bIns="91425" lIns="91425" spcFirstLastPara="1" rIns="91425" wrap="square" tIns="91425">
+            <a:bodyPr spcFirstLastPara="1" wrap="square" lIns="91425" tIns="91425" rIns="91425" bIns="91425" anchor="ctr" anchorCtr="0">
               <a:noAutofit/>
             </a:bodyPr>
             <a:lstStyle/>
             <a:p>
-              <a:pPr indent="0" lvl="0" marL="0" rtl="0" algn="l">
+              <a:pPr marL="0" lvl="0" indent="0" algn="l" rtl="0">
                 <a:spcBef>
                   <a:spcPts val="0"/>
                 </a:spcBef>
@@ -2195,9 +2200,6 @@
                 </a:spcAft>
                 <a:buNone/>
               </a:pPr>
-              <a:r>
-                <a:t/>
-              </a:r>
               <a:endParaRPr/>
             </a:p>
           </p:txBody>
@@ -2215,7 +2217,7 @@
             </a:xfrm>
             <a:prstGeom prst="parallelogram">
               <a:avLst>
-                <a:gd fmla="val 158024" name="adj"/>
+                <a:gd name="adj" fmla="val 158024"/>
               </a:avLst>
             </a:prstGeom>
             <a:solidFill>
@@ -2226,12 +2228,12 @@
             </a:ln>
           </p:spPr>
           <p:txBody>
-            <a:bodyPr anchorCtr="0" anchor="ctr" bIns="91425" lIns="91425" spcFirstLastPara="1" rIns="91425" wrap="square" tIns="91425">
+            <a:bodyPr spcFirstLastPara="1" wrap="square" lIns="91425" tIns="91425" rIns="91425" bIns="91425" anchor="ctr" anchorCtr="0">
               <a:noAutofit/>
             </a:bodyPr>
             <a:lstStyle/>
             <a:p>
-              <a:pPr indent="0" lvl="0" marL="0" rtl="0" algn="l">
+              <a:pPr marL="0" lvl="0" indent="0" algn="l" rtl="0">
                 <a:spcBef>
                   <a:spcPts val="0"/>
                 </a:spcBef>
@@ -2240,9 +2242,6 @@
                 </a:spcAft>
                 <a:buNone/>
               </a:pPr>
-              <a:r>
-                <a:t/>
-              </a:r>
               <a:endParaRPr/>
             </a:p>
           </p:txBody>
@@ -2251,7 +2250,9 @@
       <p:sp>
         <p:nvSpPr>
           <p:cNvPr id="34" name="Google Shape;34;p2"/>
-          <p:cNvSpPr txBox="1"/>
+          <p:cNvSpPr txBox="1">
+            <a:spLocks noGrp="1"/>
+          </p:cNvSpPr>
           <p:nvPr>
             <p:ph type="ctrTitle"/>
           </p:nvPr>
@@ -2266,7 +2267,7 @@
           </a:prstGeom>
         </p:spPr>
         <p:txBody>
-          <a:bodyPr anchorCtr="0" anchor="ctr" bIns="91425" lIns="91425" spcFirstLastPara="1" rIns="91425" wrap="square" tIns="91425">
+          <a:bodyPr spcFirstLastPara="1" wrap="square" lIns="91425" tIns="91425" rIns="91425" bIns="91425" anchor="ctr" anchorCtr="0">
             <a:normAutofit/>
           </a:bodyPr>
           <a:lstStyle>
@@ -2370,15 +2371,19 @@
               <a:defRPr sz="3800"/>
             </a:lvl9pPr>
           </a:lstStyle>
-          <a:p/>
+          <a:p>
+            <a:endParaRPr/>
+          </a:p>
         </p:txBody>
       </p:sp>
       <p:sp>
         <p:nvSpPr>
           <p:cNvPr id="35" name="Google Shape;35;p2"/>
-          <p:cNvSpPr txBox="1"/>
+          <p:cNvSpPr txBox="1">
+            <a:spLocks noGrp="1"/>
+          </p:cNvSpPr>
           <p:nvPr>
-            <p:ph idx="1" type="subTitle"/>
+            <p:ph type="subTitle" idx="1"/>
           </p:nvPr>
         </p:nvSpPr>
         <p:spPr>
@@ -2391,7 +2396,7 @@
           </a:prstGeom>
         </p:spPr>
         <p:txBody>
-          <a:bodyPr anchorCtr="0" anchor="t" bIns="91425" lIns="91425" spcFirstLastPara="1" rIns="91425" wrap="square" tIns="91425">
+          <a:bodyPr spcFirstLastPara="1" wrap="square" lIns="91425" tIns="91425" rIns="91425" bIns="91425" anchor="t" anchorCtr="0">
             <a:normAutofit/>
           </a:bodyPr>
           <a:lstStyle>
@@ -2585,15 +2590,19 @@
               </a:defRPr>
             </a:lvl9pPr>
           </a:lstStyle>
-          <a:p/>
+          <a:p>
+            <a:endParaRPr/>
+          </a:p>
         </p:txBody>
       </p:sp>
       <p:sp>
         <p:nvSpPr>
           <p:cNvPr id="36" name="Google Shape;36;p2"/>
-          <p:cNvSpPr txBox="1"/>
+          <p:cNvSpPr txBox="1">
+            <a:spLocks noGrp="1"/>
+          </p:cNvSpPr>
           <p:nvPr>
-            <p:ph idx="12" type="sldNum"/>
+            <p:ph type="sldNum" idx="12"/>
           </p:nvPr>
         </p:nvSpPr>
         <p:spPr>
@@ -2606,7 +2615,7 @@
           </a:prstGeom>
         </p:spPr>
         <p:txBody>
-          <a:bodyPr anchorCtr="0" anchor="ctr" bIns="91425" lIns="91425" spcFirstLastPara="1" rIns="91425" wrap="square" tIns="91425">
+          <a:bodyPr spcFirstLastPara="1" wrap="square" lIns="91425" tIns="91425" rIns="91425" bIns="91425" anchor="ctr" anchorCtr="0">
             <a:normAutofit/>
           </a:bodyPr>
           <a:lstStyle>
@@ -2648,7 +2657,7 @@
             </a:lvl9pPr>
           </a:lstStyle>
           <a:p>
-            <a:pPr indent="0" lvl="0" marL="0" rtl="0" algn="r">
+            <a:pPr marL="0" lvl="0" indent="0" algn="r" rtl="0">
               <a:spcBef>
                 <a:spcPts val="0"/>
               </a:spcBef>
@@ -2674,18 +2683,19 @@
 </file>
 
 <file path=ppt/slideLayouts/slideLayout10.xml><?xml version="1.0" encoding="utf-8"?>
-<p:sldLayout xmlns:a="http://schemas.openxmlformats.org/drawingml/2006/main" xmlns:r="http://schemas.openxmlformats.org/officeDocument/2006/relationships" xmlns:mc="http://schemas.openxmlformats.org/markup-compatibility/2006" xmlns:mv="urn:schemas-microsoft-com:mac:vml" xmlns:p="http://schemas.openxmlformats.org/presentationml/2006/main" xmlns:c="http://schemas.openxmlformats.org/drawingml/2006/chart" xmlns:dgm="http://schemas.openxmlformats.org/drawingml/2006/diagram" xmlns:o="urn:schemas-microsoft-com:office:office" xmlns:v="urn:schemas-microsoft-com:vml" xmlns:pvml="urn:schemas-microsoft-com:office:powerpoint" xmlns:com="http://schemas.openxmlformats.org/drawingml/2006/compatibility" xmlns:p14="http://schemas.microsoft.com/office/powerpoint/2010/main" xmlns:p15="http://schemas.microsoft.com/office/powerpoint/2012/main" xmlns:ahyp="http://schemas.microsoft.com/office/drawing/2018/hyperlinkcolor" matchingName="Big number">
+<p:sldLayout xmlns:a="http://schemas.openxmlformats.org/drawingml/2006/main" xmlns:r="http://schemas.openxmlformats.org/officeDocument/2006/relationships" xmlns:p="http://schemas.openxmlformats.org/presentationml/2006/main" matchingName="Big number">
   <p:cSld name="BIG_NUMBER">
     <p:bg>
       <p:bgPr>
         <a:solidFill>
           <a:schemeClr val="accent3"/>
         </a:solidFill>
+        <a:effectLst/>
       </p:bgPr>
     </p:bg>
     <p:spTree>
       <p:nvGrpSpPr>
-        <p:cNvPr id="109" name="Shape 109"/>
+        <p:cNvPr id="1" name="Shape 109"/>
         <p:cNvGrpSpPr/>
         <p:nvPr/>
       </p:nvGrpSpPr>
@@ -2719,12 +2729,12 @@
           </a:ln>
         </p:spPr>
         <p:txBody>
-          <a:bodyPr anchorCtr="0" anchor="ctr" bIns="91425" lIns="91425" spcFirstLastPara="1" rIns="91425" wrap="square" tIns="91425">
+          <a:bodyPr spcFirstLastPara="1" wrap="square" lIns="91425" tIns="91425" rIns="91425" bIns="91425" anchor="ctr" anchorCtr="0">
             <a:noAutofit/>
           </a:bodyPr>
           <a:lstStyle/>
           <a:p>
-            <a:pPr indent="0" lvl="0" marL="0" rtl="0" algn="l">
+            <a:pPr marL="0" lvl="0" indent="0" algn="l" rtl="0">
               <a:spcBef>
                 <a:spcPts val="0"/>
               </a:spcBef>
@@ -2733,9 +2743,6 @@
               </a:spcAft>
               <a:buNone/>
             </a:pPr>
-            <a:r>
-              <a:t/>
-            </a:r>
             <a:endParaRPr/>
           </a:p>
         </p:txBody>
@@ -2767,7 +2774,7 @@
             </a:xfrm>
             <a:prstGeom prst="parallelogram">
               <a:avLst>
-                <a:gd fmla="val 158024" name="adj"/>
+                <a:gd name="adj" fmla="val 158024"/>
               </a:avLst>
             </a:prstGeom>
             <a:solidFill>
@@ -2778,12 +2785,12 @@
             </a:ln>
           </p:spPr>
           <p:txBody>
-            <a:bodyPr anchorCtr="0" anchor="ctr" bIns="91425" lIns="91425" spcFirstLastPara="1" rIns="91425" wrap="square" tIns="91425">
+            <a:bodyPr spcFirstLastPara="1" wrap="square" lIns="91425" tIns="91425" rIns="91425" bIns="91425" anchor="ctr" anchorCtr="0">
               <a:noAutofit/>
             </a:bodyPr>
             <a:lstStyle/>
             <a:p>
-              <a:pPr indent="0" lvl="0" marL="0" rtl="0" algn="l">
+              <a:pPr marL="0" lvl="0" indent="0" algn="l" rtl="0">
                 <a:spcBef>
                   <a:spcPts val="0"/>
                 </a:spcBef>
@@ -2792,9 +2799,6 @@
                 </a:spcAft>
                 <a:buNone/>
               </a:pPr>
-              <a:r>
-                <a:t/>
-              </a:r>
               <a:endParaRPr/>
             </a:p>
           </p:txBody>
@@ -2812,7 +2816,7 @@
             </a:xfrm>
             <a:prstGeom prst="parallelogram">
               <a:avLst>
-                <a:gd fmla="val 158024" name="adj"/>
+                <a:gd name="adj" fmla="val 158024"/>
               </a:avLst>
             </a:prstGeom>
             <a:solidFill>
@@ -2823,12 +2827,12 @@
             </a:ln>
           </p:spPr>
           <p:txBody>
-            <a:bodyPr anchorCtr="0" anchor="ctr" bIns="91425" lIns="91425" spcFirstLastPara="1" rIns="91425" wrap="square" tIns="91425">
+            <a:bodyPr spcFirstLastPara="1" wrap="square" lIns="91425" tIns="91425" rIns="91425" bIns="91425" anchor="ctr" anchorCtr="0">
               <a:noAutofit/>
             </a:bodyPr>
             <a:lstStyle/>
             <a:p>
-              <a:pPr indent="0" lvl="0" marL="0" rtl="0" algn="l">
+              <a:pPr marL="0" lvl="0" indent="0" algn="l" rtl="0">
                 <a:spcBef>
                   <a:spcPts val="0"/>
                 </a:spcBef>
@@ -2837,9 +2841,6 @@
                 </a:spcAft>
                 <a:buNone/>
               </a:pPr>
-              <a:r>
-                <a:t/>
-              </a:r>
               <a:endParaRPr/>
             </a:p>
           </p:txBody>
@@ -2857,7 +2858,7 @@
             </a:xfrm>
             <a:prstGeom prst="parallelogram">
               <a:avLst>
-                <a:gd fmla="val 158024" name="adj"/>
+                <a:gd name="adj" fmla="val 158024"/>
               </a:avLst>
             </a:prstGeom>
             <a:solidFill>
@@ -2868,12 +2869,12 @@
             </a:ln>
           </p:spPr>
           <p:txBody>
-            <a:bodyPr anchorCtr="0" anchor="ctr" bIns="91425" lIns="91425" spcFirstLastPara="1" rIns="91425" wrap="square" tIns="91425">
+            <a:bodyPr spcFirstLastPara="1" wrap="square" lIns="91425" tIns="91425" rIns="91425" bIns="91425" anchor="ctr" anchorCtr="0">
               <a:noAutofit/>
             </a:bodyPr>
             <a:lstStyle/>
             <a:p>
-              <a:pPr indent="0" lvl="0" marL="0" rtl="0" algn="l">
+              <a:pPr marL="0" lvl="0" indent="0" algn="l" rtl="0">
                 <a:spcBef>
                   <a:spcPts val="0"/>
                 </a:spcBef>
@@ -2882,9 +2883,6 @@
                 </a:spcAft>
                 <a:buNone/>
               </a:pPr>
-              <a:r>
-                <a:t/>
-              </a:r>
               <a:endParaRPr/>
             </a:p>
           </p:txBody>
@@ -2917,7 +2915,7 @@
             </a:xfrm>
             <a:prstGeom prst="parallelogram">
               <a:avLst>
-                <a:gd fmla="val 158024" name="adj"/>
+                <a:gd name="adj" fmla="val 158024"/>
               </a:avLst>
             </a:prstGeom>
             <a:solidFill>
@@ -2928,12 +2926,12 @@
             </a:ln>
           </p:spPr>
           <p:txBody>
-            <a:bodyPr anchorCtr="0" anchor="ctr" bIns="91425" lIns="91425" spcFirstLastPara="1" rIns="91425" wrap="square" tIns="91425">
+            <a:bodyPr spcFirstLastPara="1" wrap="square" lIns="91425" tIns="91425" rIns="91425" bIns="91425" anchor="ctr" anchorCtr="0">
               <a:noAutofit/>
             </a:bodyPr>
             <a:lstStyle/>
             <a:p>
-              <a:pPr indent="0" lvl="0" marL="0" rtl="0" algn="l">
+              <a:pPr marL="0" lvl="0" indent="0" algn="l" rtl="0">
                 <a:spcBef>
                   <a:spcPts val="0"/>
                 </a:spcBef>
@@ -2942,9 +2940,6 @@
                 </a:spcAft>
                 <a:buNone/>
               </a:pPr>
-              <a:r>
-                <a:t/>
-              </a:r>
               <a:endParaRPr/>
             </a:p>
           </p:txBody>
@@ -2962,7 +2957,7 @@
             </a:xfrm>
             <a:prstGeom prst="parallelogram">
               <a:avLst>
-                <a:gd fmla="val 158024" name="adj"/>
+                <a:gd name="adj" fmla="val 158024"/>
               </a:avLst>
             </a:prstGeom>
             <a:solidFill>
@@ -2973,12 +2968,12 @@
             </a:ln>
           </p:spPr>
           <p:txBody>
-            <a:bodyPr anchorCtr="0" anchor="ctr" bIns="91425" lIns="91425" spcFirstLastPara="1" rIns="91425" wrap="square" tIns="91425">
+            <a:bodyPr spcFirstLastPara="1" wrap="square" lIns="91425" tIns="91425" rIns="91425" bIns="91425" anchor="ctr" anchorCtr="0">
               <a:noAutofit/>
             </a:bodyPr>
             <a:lstStyle/>
             <a:p>
-              <a:pPr indent="0" lvl="0" marL="0" rtl="0" algn="l">
+              <a:pPr marL="0" lvl="0" indent="0" algn="l" rtl="0">
                 <a:spcBef>
                   <a:spcPts val="0"/>
                 </a:spcBef>
@@ -2987,9 +2982,6 @@
                 </a:spcAft>
                 <a:buNone/>
               </a:pPr>
-              <a:r>
-                <a:t/>
-              </a:r>
               <a:endParaRPr/>
             </a:p>
           </p:txBody>
@@ -3007,7 +2999,7 @@
             </a:xfrm>
             <a:prstGeom prst="parallelogram">
               <a:avLst>
-                <a:gd fmla="val 158024" name="adj"/>
+                <a:gd name="adj" fmla="val 158024"/>
               </a:avLst>
             </a:prstGeom>
             <a:solidFill>
@@ -3018,12 +3010,12 @@
             </a:ln>
           </p:spPr>
           <p:txBody>
-            <a:bodyPr anchorCtr="0" anchor="ctr" bIns="91425" lIns="91425" spcFirstLastPara="1" rIns="91425" wrap="square" tIns="91425">
+            <a:bodyPr spcFirstLastPara="1" wrap="square" lIns="91425" tIns="91425" rIns="91425" bIns="91425" anchor="ctr" anchorCtr="0">
               <a:noAutofit/>
             </a:bodyPr>
             <a:lstStyle/>
             <a:p>
-              <a:pPr indent="0" lvl="0" marL="0" rtl="0" algn="l">
+              <a:pPr marL="0" lvl="0" indent="0" algn="l" rtl="0">
                 <a:spcBef>
                   <a:spcPts val="0"/>
                 </a:spcBef>
@@ -3032,9 +3024,6 @@
                 </a:spcAft>
                 <a:buNone/>
               </a:pPr>
-              <a:r>
-                <a:t/>
-              </a:r>
               <a:endParaRPr/>
             </a:p>
           </p:txBody>
@@ -3043,9 +3032,11 @@
       <p:sp>
         <p:nvSpPr>
           <p:cNvPr id="119" name="Google Shape;119;p11"/>
-          <p:cNvSpPr txBox="1"/>
+          <p:cNvSpPr txBox="1">
+            <a:spLocks noGrp="1"/>
+          </p:cNvSpPr>
           <p:nvPr>
-            <p:ph hasCustomPrompt="1" type="title"/>
+            <p:ph type="title" hasCustomPrompt="1"/>
           </p:nvPr>
         </p:nvSpPr>
         <p:spPr>
@@ -3058,7 +3049,7 @@
           </a:prstGeom>
         </p:spPr>
         <p:txBody>
-          <a:bodyPr anchorCtr="0" anchor="ctr" bIns="91425" lIns="91425" spcFirstLastPara="1" rIns="91425" wrap="square" tIns="91425">
+          <a:bodyPr spcFirstLastPara="1" wrap="square" lIns="91425" tIns="91425" rIns="91425" bIns="91425" anchor="ctr" anchorCtr="0">
             <a:normAutofit/>
           </a:bodyPr>
           <a:lstStyle>
@@ -3235,9 +3226,11 @@
       <p:sp>
         <p:nvSpPr>
           <p:cNvPr id="120" name="Google Shape;120;p11"/>
-          <p:cNvSpPr txBox="1"/>
+          <p:cNvSpPr txBox="1">
+            <a:spLocks noGrp="1"/>
+          </p:cNvSpPr>
           <p:nvPr>
-            <p:ph idx="1" type="body"/>
+            <p:ph type="body" idx="1"/>
           </p:nvPr>
         </p:nvSpPr>
         <p:spPr>
@@ -3250,11 +3243,11 @@
           </a:prstGeom>
         </p:spPr>
         <p:txBody>
-          <a:bodyPr anchorCtr="0" anchor="t" bIns="91425" lIns="91425" spcFirstLastPara="1" rIns="91425" wrap="square" tIns="91425">
+          <a:bodyPr spcFirstLastPara="1" wrap="square" lIns="91425" tIns="91425" rIns="91425" bIns="91425" anchor="t" anchorCtr="0">
             <a:normAutofit/>
           </a:bodyPr>
           <a:lstStyle>
-            <a:lvl1pPr indent="-311150" lvl="0" marL="457200" algn="ctr">
+            <a:lvl1pPr marL="457200" lvl="0" indent="-311150" algn="ctr">
               <a:spcBef>
                 <a:spcPts val="0"/>
               </a:spcBef>
@@ -3265,7 +3258,7 @@
               <a:buChar char="●"/>
               <a:defRPr/>
             </a:lvl1pPr>
-            <a:lvl2pPr indent="-298450" lvl="1" marL="914400" algn="ctr">
+            <a:lvl2pPr marL="914400" lvl="1" indent="-298450" algn="ctr">
               <a:spcBef>
                 <a:spcPts val="0"/>
               </a:spcBef>
@@ -3276,7 +3269,7 @@
               <a:buChar char="○"/>
               <a:defRPr/>
             </a:lvl2pPr>
-            <a:lvl3pPr indent="-298450" lvl="2" marL="1371600" algn="ctr">
+            <a:lvl3pPr marL="1371600" lvl="2" indent="-298450" algn="ctr">
               <a:spcBef>
                 <a:spcPts val="0"/>
               </a:spcBef>
@@ -3287,7 +3280,7 @@
               <a:buChar char="■"/>
               <a:defRPr/>
             </a:lvl3pPr>
-            <a:lvl4pPr indent="-298450" lvl="3" marL="1828800" algn="ctr">
+            <a:lvl4pPr marL="1828800" lvl="3" indent="-298450" algn="ctr">
               <a:spcBef>
                 <a:spcPts val="0"/>
               </a:spcBef>
@@ -3298,7 +3291,7 @@
               <a:buChar char="●"/>
               <a:defRPr/>
             </a:lvl4pPr>
-            <a:lvl5pPr indent="-298450" lvl="4" marL="2286000" algn="ctr">
+            <a:lvl5pPr marL="2286000" lvl="4" indent="-298450" algn="ctr">
               <a:spcBef>
                 <a:spcPts val="0"/>
               </a:spcBef>
@@ -3309,7 +3302,7 @@
               <a:buChar char="○"/>
               <a:defRPr/>
             </a:lvl5pPr>
-            <a:lvl6pPr indent="-298450" lvl="5" marL="2743200" algn="ctr">
+            <a:lvl6pPr marL="2743200" lvl="5" indent="-298450" algn="ctr">
               <a:spcBef>
                 <a:spcPts val="0"/>
               </a:spcBef>
@@ -3320,7 +3313,7 @@
               <a:buChar char="■"/>
               <a:defRPr/>
             </a:lvl6pPr>
-            <a:lvl7pPr indent="-298450" lvl="6" marL="3200400" algn="ctr">
+            <a:lvl7pPr marL="3200400" lvl="6" indent="-298450" algn="ctr">
               <a:spcBef>
                 <a:spcPts val="0"/>
               </a:spcBef>
@@ -3331,7 +3324,7 @@
               <a:buChar char="●"/>
               <a:defRPr/>
             </a:lvl7pPr>
-            <a:lvl8pPr indent="-298450" lvl="7" marL="3657600" algn="ctr">
+            <a:lvl8pPr marL="3657600" lvl="7" indent="-298450" algn="ctr">
               <a:spcBef>
                 <a:spcPts val="0"/>
               </a:spcBef>
@@ -3342,7 +3335,7 @@
               <a:buChar char="○"/>
               <a:defRPr/>
             </a:lvl8pPr>
-            <a:lvl9pPr indent="-298450" lvl="8" marL="4114800" algn="ctr">
+            <a:lvl9pPr marL="4114800" lvl="8" indent="-298450" algn="ctr">
               <a:spcBef>
                 <a:spcPts val="0"/>
               </a:spcBef>
@@ -3354,15 +3347,19 @@
               <a:defRPr/>
             </a:lvl9pPr>
           </a:lstStyle>
-          <a:p/>
+          <a:p>
+            <a:endParaRPr/>
+          </a:p>
         </p:txBody>
       </p:sp>
       <p:sp>
         <p:nvSpPr>
           <p:cNvPr id="121" name="Google Shape;121;p11"/>
-          <p:cNvSpPr txBox="1"/>
+          <p:cNvSpPr txBox="1">
+            <a:spLocks noGrp="1"/>
+          </p:cNvSpPr>
           <p:nvPr>
-            <p:ph idx="12" type="sldNum"/>
+            <p:ph type="sldNum" idx="12"/>
           </p:nvPr>
         </p:nvSpPr>
         <p:spPr>
@@ -3375,7 +3372,7 @@
           </a:prstGeom>
         </p:spPr>
         <p:txBody>
-          <a:bodyPr anchorCtr="0" anchor="ctr" bIns="91425" lIns="91425" spcFirstLastPara="1" rIns="91425" wrap="square" tIns="91425">
+          <a:bodyPr spcFirstLastPara="1" wrap="square" lIns="91425" tIns="91425" rIns="91425" bIns="91425" anchor="ctr" anchorCtr="0">
             <a:normAutofit/>
           </a:bodyPr>
           <a:lstStyle>
@@ -3417,7 +3414,7 @@
             </a:lvl9pPr>
           </a:lstStyle>
           <a:p>
-            <a:pPr indent="0" lvl="0" marL="0" rtl="0" algn="r">
+            <a:pPr marL="0" lvl="0" indent="0" algn="r" rtl="0">
               <a:spcBef>
                 <a:spcPts val="0"/>
               </a:spcBef>
@@ -3443,11 +3440,11 @@
 </file>
 
 <file path=ppt/slideLayouts/slideLayout11.xml><?xml version="1.0" encoding="utf-8"?>
-<p:sldLayout xmlns:a="http://schemas.openxmlformats.org/drawingml/2006/main" xmlns:r="http://schemas.openxmlformats.org/officeDocument/2006/relationships" xmlns:mc="http://schemas.openxmlformats.org/markup-compatibility/2006" xmlns:mv="urn:schemas-microsoft-com:mac:vml" xmlns:p="http://schemas.openxmlformats.org/presentationml/2006/main" xmlns:c="http://schemas.openxmlformats.org/drawingml/2006/chart" xmlns:dgm="http://schemas.openxmlformats.org/drawingml/2006/diagram" xmlns:o="urn:schemas-microsoft-com:office:office" xmlns:v="urn:schemas-microsoft-com:vml" xmlns:pvml="urn:schemas-microsoft-com:office:powerpoint" xmlns:com="http://schemas.openxmlformats.org/drawingml/2006/compatibility" xmlns:p14="http://schemas.microsoft.com/office/powerpoint/2010/main" xmlns:p15="http://schemas.microsoft.com/office/powerpoint/2012/main" xmlns:ahyp="http://schemas.microsoft.com/office/drawing/2018/hyperlinkcolor" matchingName="Blank" type="blank">
+<p:sldLayout xmlns:a="http://schemas.openxmlformats.org/drawingml/2006/main" xmlns:r="http://schemas.openxmlformats.org/officeDocument/2006/relationships" xmlns:p="http://schemas.openxmlformats.org/presentationml/2006/main" matchingName="Blank" type="blank">
   <p:cSld name="BLANK">
     <p:spTree>
       <p:nvGrpSpPr>
-        <p:cNvPr id="122" name="Shape 122"/>
+        <p:cNvPr id="1" name="Shape 122"/>
         <p:cNvGrpSpPr/>
         <p:nvPr/>
       </p:nvGrpSpPr>
@@ -3462,9 +3459,11 @@
       <p:sp>
         <p:nvSpPr>
           <p:cNvPr id="123" name="Google Shape;123;p12"/>
-          <p:cNvSpPr txBox="1"/>
+          <p:cNvSpPr txBox="1">
+            <a:spLocks noGrp="1"/>
+          </p:cNvSpPr>
           <p:nvPr>
-            <p:ph idx="12" type="sldNum"/>
+            <p:ph type="sldNum" idx="12"/>
           </p:nvPr>
         </p:nvSpPr>
         <p:spPr>
@@ -3477,7 +3476,7 @@
           </a:prstGeom>
         </p:spPr>
         <p:txBody>
-          <a:bodyPr anchorCtr="0" anchor="ctr" bIns="91425" lIns="91425" spcFirstLastPara="1" rIns="91425" wrap="square" tIns="91425">
+          <a:bodyPr spcFirstLastPara="1" wrap="square" lIns="91425" tIns="91425" rIns="91425" bIns="91425" anchor="ctr" anchorCtr="0">
             <a:normAutofit/>
           </a:bodyPr>
           <a:lstStyle>
@@ -3519,7 +3518,7 @@
             </a:lvl9pPr>
           </a:lstStyle>
           <a:p>
-            <a:pPr indent="0" lvl="0" marL="0" rtl="0" algn="r">
+            <a:pPr marL="0" lvl="0" indent="0" algn="r" rtl="0">
               <a:spcBef>
                 <a:spcPts val="0"/>
               </a:spcBef>
@@ -3545,18 +3544,19 @@
 </file>
 
 <file path=ppt/slideLayouts/slideLayout2.xml><?xml version="1.0" encoding="utf-8"?>
-<p:sldLayout xmlns:a="http://schemas.openxmlformats.org/drawingml/2006/main" xmlns:r="http://schemas.openxmlformats.org/officeDocument/2006/relationships" xmlns:mc="http://schemas.openxmlformats.org/markup-compatibility/2006" xmlns:mv="urn:schemas-microsoft-com:mac:vml" xmlns:p="http://schemas.openxmlformats.org/presentationml/2006/main" xmlns:c="http://schemas.openxmlformats.org/drawingml/2006/chart" xmlns:dgm="http://schemas.openxmlformats.org/drawingml/2006/diagram" xmlns:o="urn:schemas-microsoft-com:office:office" xmlns:v="urn:schemas-microsoft-com:vml" xmlns:pvml="urn:schemas-microsoft-com:office:powerpoint" xmlns:com="http://schemas.openxmlformats.org/drawingml/2006/compatibility" xmlns:p14="http://schemas.microsoft.com/office/powerpoint/2010/main" xmlns:p15="http://schemas.microsoft.com/office/powerpoint/2012/main" xmlns:ahyp="http://schemas.microsoft.com/office/drawing/2018/hyperlinkcolor" matchingName="Section header" type="secHead">
+<p:sldLayout xmlns:a="http://schemas.openxmlformats.org/drawingml/2006/main" xmlns:r="http://schemas.openxmlformats.org/officeDocument/2006/relationships" xmlns:p="http://schemas.openxmlformats.org/presentationml/2006/main" matchingName="Section header" type="secHead">
   <p:cSld name="SECTION_HEADER">
     <p:bg>
       <p:bgPr>
         <a:solidFill>
           <a:schemeClr val="accent3"/>
         </a:solidFill>
+        <a:effectLst/>
       </p:bgPr>
     </p:bg>
     <p:spTree>
       <p:nvGrpSpPr>
-        <p:cNvPr id="37" name="Shape 37"/>
+        <p:cNvPr id="1" name="Shape 37"/>
         <p:cNvGrpSpPr/>
         <p:nvPr/>
       </p:nvGrpSpPr>
@@ -3590,12 +3590,12 @@
           </a:ln>
         </p:spPr>
         <p:txBody>
-          <a:bodyPr anchorCtr="0" anchor="ctr" bIns="91425" lIns="91425" spcFirstLastPara="1" rIns="91425" wrap="square" tIns="91425">
+          <a:bodyPr spcFirstLastPara="1" wrap="square" lIns="91425" tIns="91425" rIns="91425" bIns="91425" anchor="ctr" anchorCtr="0">
             <a:noAutofit/>
           </a:bodyPr>
           <a:lstStyle/>
           <a:p>
-            <a:pPr indent="0" lvl="0" marL="0" rtl="0" algn="l">
+            <a:pPr marL="0" lvl="0" indent="0" algn="l" rtl="0">
               <a:spcBef>
                 <a:spcPts val="0"/>
               </a:spcBef>
@@ -3604,9 +3604,6 @@
               </a:spcAft>
               <a:buNone/>
             </a:pPr>
-            <a:r>
-              <a:t/>
-            </a:r>
             <a:endParaRPr/>
           </a:p>
         </p:txBody>
@@ -3638,7 +3635,7 @@
             </a:xfrm>
             <a:prstGeom prst="parallelogram">
               <a:avLst>
-                <a:gd fmla="val 158024" name="adj"/>
+                <a:gd name="adj" fmla="val 158024"/>
               </a:avLst>
             </a:prstGeom>
             <a:solidFill>
@@ -3649,12 +3646,12 @@
             </a:ln>
           </p:spPr>
           <p:txBody>
-            <a:bodyPr anchorCtr="0" anchor="ctr" bIns="91425" lIns="91425" spcFirstLastPara="1" rIns="91425" wrap="square" tIns="91425">
+            <a:bodyPr spcFirstLastPara="1" wrap="square" lIns="91425" tIns="91425" rIns="91425" bIns="91425" anchor="ctr" anchorCtr="0">
               <a:noAutofit/>
             </a:bodyPr>
             <a:lstStyle/>
             <a:p>
-              <a:pPr indent="0" lvl="0" marL="0" rtl="0" algn="l">
+              <a:pPr marL="0" lvl="0" indent="0" algn="l" rtl="0">
                 <a:spcBef>
                   <a:spcPts val="0"/>
                 </a:spcBef>
@@ -3663,9 +3660,6 @@
                 </a:spcAft>
                 <a:buNone/>
               </a:pPr>
-              <a:r>
-                <a:t/>
-              </a:r>
               <a:endParaRPr/>
             </a:p>
           </p:txBody>
@@ -3683,7 +3677,7 @@
             </a:xfrm>
             <a:prstGeom prst="parallelogram">
               <a:avLst>
-                <a:gd fmla="val 158024" name="adj"/>
+                <a:gd name="adj" fmla="val 158024"/>
               </a:avLst>
             </a:prstGeom>
             <a:solidFill>
@@ -3694,12 +3688,12 @@
             </a:ln>
           </p:spPr>
           <p:txBody>
-            <a:bodyPr anchorCtr="0" anchor="ctr" bIns="91425" lIns="91425" spcFirstLastPara="1" rIns="91425" wrap="square" tIns="91425">
+            <a:bodyPr spcFirstLastPara="1" wrap="square" lIns="91425" tIns="91425" rIns="91425" bIns="91425" anchor="ctr" anchorCtr="0">
               <a:noAutofit/>
             </a:bodyPr>
             <a:lstStyle/>
             <a:p>
-              <a:pPr indent="0" lvl="0" marL="0" rtl="0" algn="l">
+              <a:pPr marL="0" lvl="0" indent="0" algn="l" rtl="0">
                 <a:spcBef>
                   <a:spcPts val="0"/>
                 </a:spcBef>
@@ -3708,9 +3702,6 @@
                 </a:spcAft>
                 <a:buNone/>
               </a:pPr>
-              <a:r>
-                <a:t/>
-              </a:r>
               <a:endParaRPr/>
             </a:p>
           </p:txBody>
@@ -3728,7 +3719,7 @@
             </a:xfrm>
             <a:prstGeom prst="parallelogram">
               <a:avLst>
-                <a:gd fmla="val 158024" name="adj"/>
+                <a:gd name="adj" fmla="val 158024"/>
               </a:avLst>
             </a:prstGeom>
             <a:solidFill>
@@ -3739,12 +3730,12 @@
             </a:ln>
           </p:spPr>
           <p:txBody>
-            <a:bodyPr anchorCtr="0" anchor="ctr" bIns="91425" lIns="91425" spcFirstLastPara="1" rIns="91425" wrap="square" tIns="91425">
+            <a:bodyPr spcFirstLastPara="1" wrap="square" lIns="91425" tIns="91425" rIns="91425" bIns="91425" anchor="ctr" anchorCtr="0">
               <a:noAutofit/>
             </a:bodyPr>
             <a:lstStyle/>
             <a:p>
-              <a:pPr indent="0" lvl="0" marL="0" rtl="0" algn="l">
+              <a:pPr marL="0" lvl="0" indent="0" algn="l" rtl="0">
                 <a:spcBef>
                   <a:spcPts val="0"/>
                 </a:spcBef>
@@ -3753,9 +3744,6 @@
                 </a:spcAft>
                 <a:buNone/>
               </a:pPr>
-              <a:r>
-                <a:t/>
-              </a:r>
               <a:endParaRPr/>
             </a:p>
           </p:txBody>
@@ -3788,7 +3776,7 @@
             </a:xfrm>
             <a:prstGeom prst="parallelogram">
               <a:avLst>
-                <a:gd fmla="val 158024" name="adj"/>
+                <a:gd name="adj" fmla="val 158024"/>
               </a:avLst>
             </a:prstGeom>
             <a:solidFill>
@@ -3799,12 +3787,12 @@
             </a:ln>
           </p:spPr>
           <p:txBody>
-            <a:bodyPr anchorCtr="0" anchor="ctr" bIns="91425" lIns="91425" spcFirstLastPara="1" rIns="91425" wrap="square" tIns="91425">
+            <a:bodyPr spcFirstLastPara="1" wrap="square" lIns="91425" tIns="91425" rIns="91425" bIns="91425" anchor="ctr" anchorCtr="0">
               <a:noAutofit/>
             </a:bodyPr>
             <a:lstStyle/>
             <a:p>
-              <a:pPr indent="0" lvl="0" marL="0" rtl="0" algn="l">
+              <a:pPr marL="0" lvl="0" indent="0" algn="l" rtl="0">
                 <a:spcBef>
                   <a:spcPts val="0"/>
                 </a:spcBef>
@@ -3813,9 +3801,6 @@
                 </a:spcAft>
                 <a:buNone/>
               </a:pPr>
-              <a:r>
-                <a:t/>
-              </a:r>
               <a:endParaRPr/>
             </a:p>
           </p:txBody>
@@ -3833,7 +3818,7 @@
             </a:xfrm>
             <a:prstGeom prst="parallelogram">
               <a:avLst>
-                <a:gd fmla="val 158024" name="adj"/>
+                <a:gd name="adj" fmla="val 158024"/>
               </a:avLst>
             </a:prstGeom>
             <a:solidFill>
@@ -3844,12 +3829,12 @@
             </a:ln>
           </p:spPr>
           <p:txBody>
-            <a:bodyPr anchorCtr="0" anchor="ctr" bIns="91425" lIns="91425" spcFirstLastPara="1" rIns="91425" wrap="square" tIns="91425">
+            <a:bodyPr spcFirstLastPara="1" wrap="square" lIns="91425" tIns="91425" rIns="91425" bIns="91425" anchor="ctr" anchorCtr="0">
               <a:noAutofit/>
             </a:bodyPr>
             <a:lstStyle/>
             <a:p>
-              <a:pPr indent="0" lvl="0" marL="0" rtl="0" algn="l">
+              <a:pPr marL="0" lvl="0" indent="0" algn="l" rtl="0">
                 <a:spcBef>
                   <a:spcPts val="0"/>
                 </a:spcBef>
@@ -3858,9 +3843,6 @@
                 </a:spcAft>
                 <a:buNone/>
               </a:pPr>
-              <a:r>
-                <a:t/>
-              </a:r>
               <a:endParaRPr/>
             </a:p>
           </p:txBody>
@@ -3878,7 +3860,7 @@
             </a:xfrm>
             <a:prstGeom prst="parallelogram">
               <a:avLst>
-                <a:gd fmla="val 158024" name="adj"/>
+                <a:gd name="adj" fmla="val 158024"/>
               </a:avLst>
             </a:prstGeom>
             <a:solidFill>
@@ -3889,12 +3871,12 @@
             </a:ln>
           </p:spPr>
           <p:txBody>
-            <a:bodyPr anchorCtr="0" anchor="ctr" bIns="91425" lIns="91425" spcFirstLastPara="1" rIns="91425" wrap="square" tIns="91425">
+            <a:bodyPr spcFirstLastPara="1" wrap="square" lIns="91425" tIns="91425" rIns="91425" bIns="91425" anchor="ctr" anchorCtr="0">
               <a:noAutofit/>
             </a:bodyPr>
             <a:lstStyle/>
             <a:p>
-              <a:pPr indent="0" lvl="0" marL="0" rtl="0" algn="l">
+              <a:pPr marL="0" lvl="0" indent="0" algn="l" rtl="0">
                 <a:spcBef>
                   <a:spcPts val="0"/>
                 </a:spcBef>
@@ -3903,9 +3885,6 @@
                 </a:spcAft>
                 <a:buNone/>
               </a:pPr>
-              <a:r>
-                <a:t/>
-              </a:r>
               <a:endParaRPr/>
             </a:p>
           </p:txBody>
@@ -3914,7 +3893,9 @@
       <p:sp>
         <p:nvSpPr>
           <p:cNvPr id="47" name="Google Shape;47;p3"/>
-          <p:cNvSpPr txBox="1"/>
+          <p:cNvSpPr txBox="1">
+            <a:spLocks noGrp="1"/>
+          </p:cNvSpPr>
           <p:nvPr>
             <p:ph type="title"/>
           </p:nvPr>
@@ -3929,7 +3910,7 @@
           </a:prstGeom>
         </p:spPr>
         <p:txBody>
-          <a:bodyPr anchorCtr="0" anchor="ctr" bIns="91425" lIns="91425" spcFirstLastPara="1" rIns="91425" wrap="square" tIns="91425">
+          <a:bodyPr spcFirstLastPara="1" wrap="square" lIns="91425" tIns="91425" rIns="91425" bIns="91425" anchor="ctr" anchorCtr="0">
             <a:normAutofit/>
           </a:bodyPr>
           <a:lstStyle>
@@ -4096,15 +4077,19 @@
               </a:defRPr>
             </a:lvl9pPr>
           </a:lstStyle>
-          <a:p/>
+          <a:p>
+            <a:endParaRPr/>
+          </a:p>
         </p:txBody>
       </p:sp>
       <p:sp>
         <p:nvSpPr>
           <p:cNvPr id="48" name="Google Shape;48;p3"/>
-          <p:cNvSpPr txBox="1"/>
+          <p:cNvSpPr txBox="1">
+            <a:spLocks noGrp="1"/>
+          </p:cNvSpPr>
           <p:nvPr>
-            <p:ph idx="12" type="sldNum"/>
+            <p:ph type="sldNum" idx="12"/>
           </p:nvPr>
         </p:nvSpPr>
         <p:spPr>
@@ -4117,7 +4102,7 @@
           </a:prstGeom>
         </p:spPr>
         <p:txBody>
-          <a:bodyPr anchorCtr="0" anchor="ctr" bIns="91425" lIns="91425" spcFirstLastPara="1" rIns="91425" wrap="square" tIns="91425">
+          <a:bodyPr spcFirstLastPara="1" wrap="square" lIns="91425" tIns="91425" rIns="91425" bIns="91425" anchor="ctr" anchorCtr="0">
             <a:normAutofit/>
           </a:bodyPr>
           <a:lstStyle>
@@ -4159,7 +4144,7 @@
             </a:lvl9pPr>
           </a:lstStyle>
           <a:p>
-            <a:pPr indent="0" lvl="0" marL="0" rtl="0" algn="r">
+            <a:pPr marL="0" lvl="0" indent="0" algn="r" rtl="0">
               <a:spcBef>
                 <a:spcPts val="0"/>
               </a:spcBef>
@@ -4185,18 +4170,19 @@
 </file>
 
 <file path=ppt/slideLayouts/slideLayout3.xml><?xml version="1.0" encoding="utf-8"?>
-<p:sldLayout xmlns:a="http://schemas.openxmlformats.org/drawingml/2006/main" xmlns:r="http://schemas.openxmlformats.org/officeDocument/2006/relationships" xmlns:mc="http://schemas.openxmlformats.org/markup-compatibility/2006" xmlns:mv="urn:schemas-microsoft-com:mac:vml" xmlns:p="http://schemas.openxmlformats.org/presentationml/2006/main" xmlns:c="http://schemas.openxmlformats.org/drawingml/2006/chart" xmlns:dgm="http://schemas.openxmlformats.org/drawingml/2006/diagram" xmlns:o="urn:schemas-microsoft-com:office:office" xmlns:v="urn:schemas-microsoft-com:vml" xmlns:pvml="urn:schemas-microsoft-com:office:powerpoint" xmlns:com="http://schemas.openxmlformats.org/drawingml/2006/compatibility" xmlns:p14="http://schemas.microsoft.com/office/powerpoint/2010/main" xmlns:p15="http://schemas.microsoft.com/office/powerpoint/2012/main" xmlns:ahyp="http://schemas.microsoft.com/office/drawing/2018/hyperlinkcolor" matchingName="Title and body" type="tx">
+<p:sldLayout xmlns:a="http://schemas.openxmlformats.org/drawingml/2006/main" xmlns:r="http://schemas.openxmlformats.org/officeDocument/2006/relationships" xmlns:p="http://schemas.openxmlformats.org/presentationml/2006/main" matchingName="Title and body" type="tx">
   <p:cSld name="TITLE_AND_BODY">
     <p:bg>
       <p:bgPr>
         <a:solidFill>
           <a:schemeClr val="dk2"/>
         </a:solidFill>
+        <a:effectLst/>
       </p:bgPr>
     </p:bg>
     <p:spTree>
       <p:nvGrpSpPr>
-        <p:cNvPr id="49" name="Shape 49"/>
+        <p:cNvPr id="1" name="Shape 49"/>
         <p:cNvGrpSpPr/>
         <p:nvPr/>
       </p:nvGrpSpPr>
@@ -4230,12 +4216,12 @@
           </a:ln>
         </p:spPr>
         <p:txBody>
-          <a:bodyPr anchorCtr="0" anchor="ctr" bIns="91425" lIns="91425" spcFirstLastPara="1" rIns="91425" wrap="square" tIns="91425">
+          <a:bodyPr spcFirstLastPara="1" wrap="square" lIns="91425" tIns="91425" rIns="91425" bIns="91425" anchor="ctr" anchorCtr="0">
             <a:noAutofit/>
           </a:bodyPr>
           <a:lstStyle/>
           <a:p>
-            <a:pPr indent="0" lvl="0" marL="0" rtl="0" algn="l">
+            <a:pPr marL="0" lvl="0" indent="0" algn="l" rtl="0">
               <a:spcBef>
                 <a:spcPts val="0"/>
               </a:spcBef>
@@ -4244,9 +4230,6 @@
               </a:spcAft>
               <a:buNone/>
             </a:pPr>
-            <a:r>
-              <a:t/>
-            </a:r>
             <a:endParaRPr/>
           </a:p>
         </p:txBody>
@@ -4273,12 +4256,12 @@
           </a:ln>
         </p:spPr>
         <p:txBody>
-          <a:bodyPr anchorCtr="0" anchor="ctr" bIns="91425" lIns="91425" spcFirstLastPara="1" rIns="91425" wrap="square" tIns="91425">
+          <a:bodyPr spcFirstLastPara="1" wrap="square" lIns="91425" tIns="91425" rIns="91425" bIns="91425" anchor="ctr" anchorCtr="0">
             <a:noAutofit/>
           </a:bodyPr>
           <a:lstStyle/>
           <a:p>
-            <a:pPr indent="0" lvl="0" marL="0" rtl="0" algn="l">
+            <a:pPr marL="0" lvl="0" indent="0" algn="l" rtl="0">
               <a:spcBef>
                 <a:spcPts val="0"/>
               </a:spcBef>
@@ -4287,9 +4270,6 @@
               </a:spcAft>
               <a:buNone/>
             </a:pPr>
-            <a:r>
-              <a:t/>
-            </a:r>
             <a:endParaRPr/>
           </a:p>
         </p:txBody>
@@ -4315,7 +4295,7 @@
             <a:noFill/>
           </a:ln>
           <a:effectLst>
-            <a:outerShdw blurRad="228600" sx="101000" rotWithShape="0" algn="ctr" sy="101000">
+            <a:outerShdw blurRad="228600" sx="101000" sy="101000" algn="ctr" rotWithShape="0">
               <a:srgbClr val="000000">
                 <a:alpha val="40000"/>
               </a:srgbClr>
@@ -4323,12 +4303,12 @@
           </a:effectLst>
         </p:spPr>
         <p:txBody>
-          <a:bodyPr anchorCtr="0" anchor="ctr" bIns="91425" lIns="91425" spcFirstLastPara="1" rIns="91425" wrap="square" tIns="91425">
+          <a:bodyPr spcFirstLastPara="1" wrap="square" lIns="91425" tIns="91425" rIns="91425" bIns="91425" anchor="ctr" anchorCtr="0">
             <a:noAutofit/>
           </a:bodyPr>
           <a:lstStyle/>
           <a:p>
-            <a:pPr indent="0" lvl="0" marL="0" rtl="0" algn="l">
+            <a:pPr marL="0" lvl="0" indent="0" algn="l" rtl="0">
               <a:spcBef>
                 <a:spcPts val="0"/>
               </a:spcBef>
@@ -4337,9 +4317,6 @@
               </a:spcAft>
               <a:buNone/>
             </a:pPr>
-            <a:r>
-              <a:t/>
-            </a:r>
             <a:endParaRPr/>
           </a:p>
         </p:txBody>
@@ -4347,7 +4324,9 @@
       <p:sp>
         <p:nvSpPr>
           <p:cNvPr id="53" name="Google Shape;53;p4"/>
-          <p:cNvSpPr txBox="1"/>
+          <p:cNvSpPr txBox="1">
+            <a:spLocks noGrp="1"/>
+          </p:cNvSpPr>
           <p:nvPr>
             <p:ph type="title"/>
           </p:nvPr>
@@ -4362,7 +4341,7 @@
           </a:prstGeom>
         </p:spPr>
         <p:txBody>
-          <a:bodyPr anchorCtr="0" anchor="t" bIns="91425" lIns="91425" spcFirstLastPara="1" rIns="91425" wrap="square" tIns="91425">
+          <a:bodyPr spcFirstLastPara="1" wrap="square" lIns="91425" tIns="91425" rIns="91425" bIns="91425" anchor="t" anchorCtr="0">
             <a:normAutofit/>
           </a:bodyPr>
           <a:lstStyle>
@@ -4466,15 +4445,19 @@
               <a:defRPr sz="3000"/>
             </a:lvl9pPr>
           </a:lstStyle>
-          <a:p/>
+          <a:p>
+            <a:endParaRPr/>
+          </a:p>
         </p:txBody>
       </p:sp>
       <p:sp>
         <p:nvSpPr>
           <p:cNvPr id="54" name="Google Shape;54;p4"/>
-          <p:cNvSpPr txBox="1"/>
+          <p:cNvSpPr txBox="1">
+            <a:spLocks noGrp="1"/>
+          </p:cNvSpPr>
           <p:nvPr>
-            <p:ph idx="1" type="body"/>
+            <p:ph type="body" idx="1"/>
           </p:nvPr>
         </p:nvSpPr>
         <p:spPr>
@@ -4487,11 +4470,11 @@
           </a:prstGeom>
         </p:spPr>
         <p:txBody>
-          <a:bodyPr anchorCtr="0" anchor="t" bIns="91425" lIns="91425" spcFirstLastPara="1" rIns="91425" wrap="square" tIns="91425">
+          <a:bodyPr spcFirstLastPara="1" wrap="square" lIns="91425" tIns="91425" rIns="91425" bIns="91425" anchor="t" anchorCtr="0">
             <a:normAutofit/>
           </a:bodyPr>
           <a:lstStyle>
-            <a:lvl1pPr indent="-311150" lvl="0" marL="457200">
+            <a:lvl1pPr marL="457200" lvl="0" indent="-311150">
               <a:spcBef>
                 <a:spcPts val="0"/>
               </a:spcBef>
@@ -4502,7 +4485,7 @@
               <a:buChar char="●"/>
               <a:defRPr/>
             </a:lvl1pPr>
-            <a:lvl2pPr indent="-298450" lvl="1" marL="914400">
+            <a:lvl2pPr marL="914400" lvl="1" indent="-298450">
               <a:spcBef>
                 <a:spcPts val="0"/>
               </a:spcBef>
@@ -4513,7 +4496,7 @@
               <a:buChar char="○"/>
               <a:defRPr/>
             </a:lvl2pPr>
-            <a:lvl3pPr indent="-298450" lvl="2" marL="1371600">
+            <a:lvl3pPr marL="1371600" lvl="2" indent="-298450">
               <a:spcBef>
                 <a:spcPts val="0"/>
               </a:spcBef>
@@ -4524,7 +4507,7 @@
               <a:buChar char="■"/>
               <a:defRPr/>
             </a:lvl3pPr>
-            <a:lvl4pPr indent="-298450" lvl="3" marL="1828800">
+            <a:lvl4pPr marL="1828800" lvl="3" indent="-298450">
               <a:spcBef>
                 <a:spcPts val="0"/>
               </a:spcBef>
@@ -4535,7 +4518,7 @@
               <a:buChar char="●"/>
               <a:defRPr/>
             </a:lvl4pPr>
-            <a:lvl5pPr indent="-298450" lvl="4" marL="2286000">
+            <a:lvl5pPr marL="2286000" lvl="4" indent="-298450">
               <a:spcBef>
                 <a:spcPts val="0"/>
               </a:spcBef>
@@ -4546,7 +4529,7 @@
               <a:buChar char="○"/>
               <a:defRPr/>
             </a:lvl5pPr>
-            <a:lvl6pPr indent="-298450" lvl="5" marL="2743200">
+            <a:lvl6pPr marL="2743200" lvl="5" indent="-298450">
               <a:spcBef>
                 <a:spcPts val="0"/>
               </a:spcBef>
@@ -4557,7 +4540,7 @@
               <a:buChar char="■"/>
               <a:defRPr/>
             </a:lvl6pPr>
-            <a:lvl7pPr indent="-298450" lvl="6" marL="3200400">
+            <a:lvl7pPr marL="3200400" lvl="6" indent="-298450">
               <a:spcBef>
                 <a:spcPts val="0"/>
               </a:spcBef>
@@ -4568,7 +4551,7 @@
               <a:buChar char="●"/>
               <a:defRPr/>
             </a:lvl7pPr>
-            <a:lvl8pPr indent="-298450" lvl="7" marL="3657600">
+            <a:lvl8pPr marL="3657600" lvl="7" indent="-298450">
               <a:spcBef>
                 <a:spcPts val="0"/>
               </a:spcBef>
@@ -4579,7 +4562,7 @@
               <a:buChar char="○"/>
               <a:defRPr/>
             </a:lvl8pPr>
-            <a:lvl9pPr indent="-298450" lvl="8" marL="4114800">
+            <a:lvl9pPr marL="4114800" lvl="8" indent="-298450">
               <a:spcBef>
                 <a:spcPts val="0"/>
               </a:spcBef>
@@ -4591,15 +4574,19 @@
               <a:defRPr/>
             </a:lvl9pPr>
           </a:lstStyle>
-          <a:p/>
+          <a:p>
+            <a:endParaRPr/>
+          </a:p>
         </p:txBody>
       </p:sp>
       <p:sp>
         <p:nvSpPr>
           <p:cNvPr id="55" name="Google Shape;55;p4"/>
-          <p:cNvSpPr txBox="1"/>
+          <p:cNvSpPr txBox="1">
+            <a:spLocks noGrp="1"/>
+          </p:cNvSpPr>
           <p:nvPr>
-            <p:ph idx="12" type="sldNum"/>
+            <p:ph type="sldNum" idx="12"/>
           </p:nvPr>
         </p:nvSpPr>
         <p:spPr>
@@ -4612,7 +4599,7 @@
           </a:prstGeom>
         </p:spPr>
         <p:txBody>
-          <a:bodyPr anchorCtr="0" anchor="ctr" bIns="91425" lIns="91425" spcFirstLastPara="1" rIns="91425" wrap="square" tIns="91425">
+          <a:bodyPr spcFirstLastPara="1" wrap="square" lIns="91425" tIns="91425" rIns="91425" bIns="91425" anchor="ctr" anchorCtr="0">
             <a:normAutofit/>
           </a:bodyPr>
           <a:lstStyle>
@@ -4654,7 +4641,7 @@
             </a:lvl9pPr>
           </a:lstStyle>
           <a:p>
-            <a:pPr indent="0" lvl="0" marL="0" rtl="0" algn="r">
+            <a:pPr marL="0" lvl="0" indent="0" algn="r" rtl="0">
               <a:spcBef>
                 <a:spcPts val="0"/>
               </a:spcBef>
@@ -4680,18 +4667,19 @@
 </file>
 
 <file path=ppt/slideLayouts/slideLayout4.xml><?xml version="1.0" encoding="utf-8"?>
-<p:sldLayout xmlns:a="http://schemas.openxmlformats.org/drawingml/2006/main" xmlns:r="http://schemas.openxmlformats.org/officeDocument/2006/relationships" xmlns:mc="http://schemas.openxmlformats.org/markup-compatibility/2006" xmlns:mv="urn:schemas-microsoft-com:mac:vml" xmlns:p="http://schemas.openxmlformats.org/presentationml/2006/main" xmlns:c="http://schemas.openxmlformats.org/drawingml/2006/chart" xmlns:dgm="http://schemas.openxmlformats.org/drawingml/2006/diagram" xmlns:o="urn:schemas-microsoft-com:office:office" xmlns:v="urn:schemas-microsoft-com:vml" xmlns:pvml="urn:schemas-microsoft-com:office:powerpoint" xmlns:com="http://schemas.openxmlformats.org/drawingml/2006/compatibility" xmlns:p14="http://schemas.microsoft.com/office/powerpoint/2010/main" xmlns:p15="http://schemas.microsoft.com/office/powerpoint/2012/main" xmlns:ahyp="http://schemas.microsoft.com/office/drawing/2018/hyperlinkcolor" matchingName="Title and two columns" type="twoColTx">
+<p:sldLayout xmlns:a="http://schemas.openxmlformats.org/drawingml/2006/main" xmlns:r="http://schemas.openxmlformats.org/officeDocument/2006/relationships" xmlns:p="http://schemas.openxmlformats.org/presentationml/2006/main" matchingName="Title and two columns" type="twoColTx">
   <p:cSld name="TITLE_AND_TWO_COLUMNS">
     <p:bg>
       <p:bgPr>
         <a:solidFill>
           <a:schemeClr val="dk2"/>
         </a:solidFill>
+        <a:effectLst/>
       </p:bgPr>
     </p:bg>
     <p:spTree>
       <p:nvGrpSpPr>
-        <p:cNvPr id="56" name="Shape 56"/>
+        <p:cNvPr id="1" name="Shape 56"/>
         <p:cNvGrpSpPr/>
         <p:nvPr/>
       </p:nvGrpSpPr>
@@ -4725,12 +4713,12 @@
           </a:ln>
         </p:spPr>
         <p:txBody>
-          <a:bodyPr anchorCtr="0" anchor="ctr" bIns="91425" lIns="91425" spcFirstLastPara="1" rIns="91425" wrap="square" tIns="91425">
+          <a:bodyPr spcFirstLastPara="1" wrap="square" lIns="91425" tIns="91425" rIns="91425" bIns="91425" anchor="ctr" anchorCtr="0">
             <a:noAutofit/>
           </a:bodyPr>
           <a:lstStyle/>
           <a:p>
-            <a:pPr indent="0" lvl="0" marL="0" rtl="0" algn="l">
+            <a:pPr marL="0" lvl="0" indent="0" algn="l" rtl="0">
               <a:spcBef>
                 <a:spcPts val="0"/>
               </a:spcBef>
@@ -4739,9 +4727,6 @@
               </a:spcAft>
               <a:buNone/>
             </a:pPr>
-            <a:r>
-              <a:t/>
-            </a:r>
             <a:endParaRPr/>
           </a:p>
         </p:txBody>
@@ -4768,12 +4753,12 @@
           </a:ln>
         </p:spPr>
         <p:txBody>
-          <a:bodyPr anchorCtr="0" anchor="ctr" bIns="91425" lIns="91425" spcFirstLastPara="1" rIns="91425" wrap="square" tIns="91425">
+          <a:bodyPr spcFirstLastPara="1" wrap="square" lIns="91425" tIns="91425" rIns="91425" bIns="91425" anchor="ctr" anchorCtr="0">
             <a:noAutofit/>
           </a:bodyPr>
           <a:lstStyle/>
           <a:p>
-            <a:pPr indent="0" lvl="0" marL="0" rtl="0" algn="l">
+            <a:pPr marL="0" lvl="0" indent="0" algn="l" rtl="0">
               <a:spcBef>
                 <a:spcPts val="0"/>
               </a:spcBef>
@@ -4782,9 +4767,6 @@
               </a:spcAft>
               <a:buNone/>
             </a:pPr>
-            <a:r>
-              <a:t/>
-            </a:r>
             <a:endParaRPr/>
           </a:p>
         </p:txBody>
@@ -4810,7 +4792,7 @@
             <a:noFill/>
           </a:ln>
           <a:effectLst>
-            <a:outerShdw blurRad="228600" sx="101000" rotWithShape="0" algn="ctr" sy="101000">
+            <a:outerShdw blurRad="228600" sx="101000" sy="101000" algn="ctr" rotWithShape="0">
               <a:srgbClr val="000000">
                 <a:alpha val="40000"/>
               </a:srgbClr>
@@ -4818,12 +4800,12 @@
           </a:effectLst>
         </p:spPr>
         <p:txBody>
-          <a:bodyPr anchorCtr="0" anchor="ctr" bIns="91425" lIns="91425" spcFirstLastPara="1" rIns="91425" wrap="square" tIns="91425">
+          <a:bodyPr spcFirstLastPara="1" wrap="square" lIns="91425" tIns="91425" rIns="91425" bIns="91425" anchor="ctr" anchorCtr="0">
             <a:noAutofit/>
           </a:bodyPr>
           <a:lstStyle/>
           <a:p>
-            <a:pPr indent="0" lvl="0" marL="0" rtl="0" algn="l">
+            <a:pPr marL="0" lvl="0" indent="0" algn="l" rtl="0">
               <a:spcBef>
                 <a:spcPts val="0"/>
               </a:spcBef>
@@ -4832,9 +4814,6 @@
               </a:spcAft>
               <a:buNone/>
             </a:pPr>
-            <a:r>
-              <a:t/>
-            </a:r>
             <a:endParaRPr/>
           </a:p>
         </p:txBody>
@@ -4842,7 +4821,9 @@
       <p:sp>
         <p:nvSpPr>
           <p:cNvPr id="60" name="Google Shape;60;p5"/>
-          <p:cNvSpPr txBox="1"/>
+          <p:cNvSpPr txBox="1">
+            <a:spLocks noGrp="1"/>
+          </p:cNvSpPr>
           <p:nvPr>
             <p:ph type="title"/>
           </p:nvPr>
@@ -4857,7 +4838,7 @@
           </a:prstGeom>
         </p:spPr>
         <p:txBody>
-          <a:bodyPr anchorCtr="0" anchor="t" bIns="91425" lIns="91425" spcFirstLastPara="1" rIns="91425" wrap="square" tIns="91425">
+          <a:bodyPr spcFirstLastPara="1" wrap="square" lIns="91425" tIns="91425" rIns="91425" bIns="91425" anchor="t" anchorCtr="0">
             <a:normAutofit/>
           </a:bodyPr>
           <a:lstStyle>
@@ -4961,15 +4942,19 @@
               <a:defRPr sz="3000"/>
             </a:lvl9pPr>
           </a:lstStyle>
-          <a:p/>
+          <a:p>
+            <a:endParaRPr/>
+          </a:p>
         </p:txBody>
       </p:sp>
       <p:sp>
         <p:nvSpPr>
           <p:cNvPr id="61" name="Google Shape;61;p5"/>
-          <p:cNvSpPr txBox="1"/>
+          <p:cNvSpPr txBox="1">
+            <a:spLocks noGrp="1"/>
+          </p:cNvSpPr>
           <p:nvPr>
-            <p:ph idx="1" type="body"/>
+            <p:ph type="body" idx="1"/>
           </p:nvPr>
         </p:nvSpPr>
         <p:spPr>
@@ -4982,11 +4967,11 @@
           </a:prstGeom>
         </p:spPr>
         <p:txBody>
-          <a:bodyPr anchorCtr="0" anchor="t" bIns="91425" lIns="91425" spcFirstLastPara="1" rIns="91425" wrap="square" tIns="91425">
+          <a:bodyPr spcFirstLastPara="1" wrap="square" lIns="91425" tIns="91425" rIns="91425" bIns="91425" anchor="t" anchorCtr="0">
             <a:normAutofit/>
           </a:bodyPr>
           <a:lstStyle>
-            <a:lvl1pPr indent="-311150" lvl="0" marL="457200">
+            <a:lvl1pPr marL="457200" lvl="0" indent="-311150">
               <a:spcBef>
                 <a:spcPts val="0"/>
               </a:spcBef>
@@ -4997,7 +4982,7 @@
               <a:buChar char="●"/>
               <a:defRPr/>
             </a:lvl1pPr>
-            <a:lvl2pPr indent="-298450" lvl="1" marL="914400">
+            <a:lvl2pPr marL="914400" lvl="1" indent="-298450">
               <a:spcBef>
                 <a:spcPts val="0"/>
               </a:spcBef>
@@ -5008,7 +4993,7 @@
               <a:buChar char="○"/>
               <a:defRPr/>
             </a:lvl2pPr>
-            <a:lvl3pPr indent="-298450" lvl="2" marL="1371600">
+            <a:lvl3pPr marL="1371600" lvl="2" indent="-298450">
               <a:spcBef>
                 <a:spcPts val="0"/>
               </a:spcBef>
@@ -5019,7 +5004,7 @@
               <a:buChar char="■"/>
               <a:defRPr/>
             </a:lvl3pPr>
-            <a:lvl4pPr indent="-298450" lvl="3" marL="1828800">
+            <a:lvl4pPr marL="1828800" lvl="3" indent="-298450">
               <a:spcBef>
                 <a:spcPts val="0"/>
               </a:spcBef>
@@ -5030,7 +5015,7 @@
               <a:buChar char="●"/>
               <a:defRPr/>
             </a:lvl4pPr>
-            <a:lvl5pPr indent="-298450" lvl="4" marL="2286000">
+            <a:lvl5pPr marL="2286000" lvl="4" indent="-298450">
               <a:spcBef>
                 <a:spcPts val="0"/>
               </a:spcBef>
@@ -5041,7 +5026,7 @@
               <a:buChar char="○"/>
               <a:defRPr/>
             </a:lvl5pPr>
-            <a:lvl6pPr indent="-298450" lvl="5" marL="2743200">
+            <a:lvl6pPr marL="2743200" lvl="5" indent="-298450">
               <a:spcBef>
                 <a:spcPts val="0"/>
               </a:spcBef>
@@ -5052,7 +5037,7 @@
               <a:buChar char="■"/>
               <a:defRPr/>
             </a:lvl6pPr>
-            <a:lvl7pPr indent="-298450" lvl="6" marL="3200400">
+            <a:lvl7pPr marL="3200400" lvl="6" indent="-298450">
               <a:spcBef>
                 <a:spcPts val="0"/>
               </a:spcBef>
@@ -5063,7 +5048,7 @@
               <a:buChar char="●"/>
               <a:defRPr/>
             </a:lvl7pPr>
-            <a:lvl8pPr indent="-298450" lvl="7" marL="3657600">
+            <a:lvl8pPr marL="3657600" lvl="7" indent="-298450">
               <a:spcBef>
                 <a:spcPts val="0"/>
               </a:spcBef>
@@ -5074,7 +5059,7 @@
               <a:buChar char="○"/>
               <a:defRPr/>
             </a:lvl8pPr>
-            <a:lvl9pPr indent="-298450" lvl="8" marL="4114800">
+            <a:lvl9pPr marL="4114800" lvl="8" indent="-298450">
               <a:spcBef>
                 <a:spcPts val="0"/>
               </a:spcBef>
@@ -5086,15 +5071,19 @@
               <a:defRPr/>
             </a:lvl9pPr>
           </a:lstStyle>
-          <a:p/>
+          <a:p>
+            <a:endParaRPr/>
+          </a:p>
         </p:txBody>
       </p:sp>
       <p:sp>
         <p:nvSpPr>
           <p:cNvPr id="62" name="Google Shape;62;p5"/>
-          <p:cNvSpPr txBox="1"/>
+          <p:cNvSpPr txBox="1">
+            <a:spLocks noGrp="1"/>
+          </p:cNvSpPr>
           <p:nvPr>
-            <p:ph idx="2" type="body"/>
+            <p:ph type="body" idx="2"/>
           </p:nvPr>
         </p:nvSpPr>
         <p:spPr>
@@ -5107,11 +5096,11 @@
           </a:prstGeom>
         </p:spPr>
         <p:txBody>
-          <a:bodyPr anchorCtr="0" anchor="t" bIns="91425" lIns="91425" spcFirstLastPara="1" rIns="91425" wrap="square" tIns="91425">
+          <a:bodyPr spcFirstLastPara="1" wrap="square" lIns="91425" tIns="91425" rIns="91425" bIns="91425" anchor="t" anchorCtr="0">
             <a:normAutofit/>
           </a:bodyPr>
           <a:lstStyle>
-            <a:lvl1pPr indent="-311150" lvl="0" marL="457200">
+            <a:lvl1pPr marL="457200" lvl="0" indent="-311150">
               <a:spcBef>
                 <a:spcPts val="0"/>
               </a:spcBef>
@@ -5122,7 +5111,7 @@
               <a:buChar char="●"/>
               <a:defRPr/>
             </a:lvl1pPr>
-            <a:lvl2pPr indent="-298450" lvl="1" marL="914400">
+            <a:lvl2pPr marL="914400" lvl="1" indent="-298450">
               <a:spcBef>
                 <a:spcPts val="0"/>
               </a:spcBef>
@@ -5133,7 +5122,7 @@
               <a:buChar char="○"/>
               <a:defRPr/>
             </a:lvl2pPr>
-            <a:lvl3pPr indent="-298450" lvl="2" marL="1371600">
+            <a:lvl3pPr marL="1371600" lvl="2" indent="-298450">
               <a:spcBef>
                 <a:spcPts val="0"/>
               </a:spcBef>
@@ -5144,7 +5133,7 @@
               <a:buChar char="■"/>
               <a:defRPr/>
             </a:lvl3pPr>
-            <a:lvl4pPr indent="-298450" lvl="3" marL="1828800">
+            <a:lvl4pPr marL="1828800" lvl="3" indent="-298450">
               <a:spcBef>
                 <a:spcPts val="0"/>
               </a:spcBef>
@@ -5155,7 +5144,7 @@
               <a:buChar char="●"/>
               <a:defRPr/>
             </a:lvl4pPr>
-            <a:lvl5pPr indent="-298450" lvl="4" marL="2286000">
+            <a:lvl5pPr marL="2286000" lvl="4" indent="-298450">
               <a:spcBef>
                 <a:spcPts val="0"/>
               </a:spcBef>
@@ -5166,7 +5155,7 @@
               <a:buChar char="○"/>
               <a:defRPr/>
             </a:lvl5pPr>
-            <a:lvl6pPr indent="-298450" lvl="5" marL="2743200">
+            <a:lvl6pPr marL="2743200" lvl="5" indent="-298450">
               <a:spcBef>
                 <a:spcPts val="0"/>
               </a:spcBef>
@@ -5177,7 +5166,7 @@
               <a:buChar char="■"/>
               <a:defRPr/>
             </a:lvl6pPr>
-            <a:lvl7pPr indent="-298450" lvl="6" marL="3200400">
+            <a:lvl7pPr marL="3200400" lvl="6" indent="-298450">
               <a:spcBef>
                 <a:spcPts val="0"/>
               </a:spcBef>
@@ -5188,7 +5177,7 @@
               <a:buChar char="●"/>
               <a:defRPr/>
             </a:lvl7pPr>
-            <a:lvl8pPr indent="-298450" lvl="7" marL="3657600">
+            <a:lvl8pPr marL="3657600" lvl="7" indent="-298450">
               <a:spcBef>
                 <a:spcPts val="0"/>
               </a:spcBef>
@@ -5199,7 +5188,7 @@
               <a:buChar char="○"/>
               <a:defRPr/>
             </a:lvl8pPr>
-            <a:lvl9pPr indent="-298450" lvl="8" marL="4114800">
+            <a:lvl9pPr marL="4114800" lvl="8" indent="-298450">
               <a:spcBef>
                 <a:spcPts val="0"/>
               </a:spcBef>
@@ -5211,15 +5200,19 @@
               <a:defRPr/>
             </a:lvl9pPr>
           </a:lstStyle>
-          <a:p/>
+          <a:p>
+            <a:endParaRPr/>
+          </a:p>
         </p:txBody>
       </p:sp>
       <p:sp>
         <p:nvSpPr>
           <p:cNvPr id="63" name="Google Shape;63;p5"/>
-          <p:cNvSpPr txBox="1"/>
+          <p:cNvSpPr txBox="1">
+            <a:spLocks noGrp="1"/>
+          </p:cNvSpPr>
           <p:nvPr>
-            <p:ph idx="12" type="sldNum"/>
+            <p:ph type="sldNum" idx="12"/>
           </p:nvPr>
         </p:nvSpPr>
         <p:spPr>
@@ -5232,7 +5225,7 @@
           </a:prstGeom>
         </p:spPr>
         <p:txBody>
-          <a:bodyPr anchorCtr="0" anchor="ctr" bIns="91425" lIns="91425" spcFirstLastPara="1" rIns="91425" wrap="square" tIns="91425">
+          <a:bodyPr spcFirstLastPara="1" wrap="square" lIns="91425" tIns="91425" rIns="91425" bIns="91425" anchor="ctr" anchorCtr="0">
             <a:normAutofit/>
           </a:bodyPr>
           <a:lstStyle>
@@ -5274,7 +5267,7 @@
             </a:lvl9pPr>
           </a:lstStyle>
           <a:p>
-            <a:pPr indent="0" lvl="0" marL="0" rtl="0" algn="r">
+            <a:pPr marL="0" lvl="0" indent="0" algn="r" rtl="0">
               <a:spcBef>
                 <a:spcPts val="0"/>
               </a:spcBef>
@@ -5300,18 +5293,19 @@
 </file>
 
 <file path=ppt/slideLayouts/slideLayout5.xml><?xml version="1.0" encoding="utf-8"?>
-<p:sldLayout xmlns:a="http://schemas.openxmlformats.org/drawingml/2006/main" xmlns:r="http://schemas.openxmlformats.org/officeDocument/2006/relationships" xmlns:mc="http://schemas.openxmlformats.org/markup-compatibility/2006" xmlns:mv="urn:schemas-microsoft-com:mac:vml" xmlns:p="http://schemas.openxmlformats.org/presentationml/2006/main" xmlns:c="http://schemas.openxmlformats.org/drawingml/2006/chart" xmlns:dgm="http://schemas.openxmlformats.org/drawingml/2006/diagram" xmlns:o="urn:schemas-microsoft-com:office:office" xmlns:v="urn:schemas-microsoft-com:vml" xmlns:pvml="urn:schemas-microsoft-com:office:powerpoint" xmlns:com="http://schemas.openxmlformats.org/drawingml/2006/compatibility" xmlns:p14="http://schemas.microsoft.com/office/powerpoint/2010/main" xmlns:p15="http://schemas.microsoft.com/office/powerpoint/2012/main" xmlns:ahyp="http://schemas.microsoft.com/office/drawing/2018/hyperlinkcolor" matchingName="Title only" type="titleOnly">
+<p:sldLayout xmlns:a="http://schemas.openxmlformats.org/drawingml/2006/main" xmlns:r="http://schemas.openxmlformats.org/officeDocument/2006/relationships" xmlns:p="http://schemas.openxmlformats.org/presentationml/2006/main" matchingName="Title only" type="titleOnly">
   <p:cSld name="TITLE_ONLY">
     <p:bg>
       <p:bgPr>
         <a:solidFill>
           <a:schemeClr val="dk2"/>
         </a:solidFill>
+        <a:effectLst/>
       </p:bgPr>
     </p:bg>
     <p:spTree>
       <p:nvGrpSpPr>
-        <p:cNvPr id="64" name="Shape 64"/>
+        <p:cNvPr id="1" name="Shape 64"/>
         <p:cNvGrpSpPr/>
         <p:nvPr/>
       </p:nvGrpSpPr>
@@ -5345,12 +5339,12 @@
           </a:ln>
         </p:spPr>
         <p:txBody>
-          <a:bodyPr anchorCtr="0" anchor="ctr" bIns="91425" lIns="91425" spcFirstLastPara="1" rIns="91425" wrap="square" tIns="91425">
+          <a:bodyPr spcFirstLastPara="1" wrap="square" lIns="91425" tIns="91425" rIns="91425" bIns="91425" anchor="ctr" anchorCtr="0">
             <a:noAutofit/>
           </a:bodyPr>
           <a:lstStyle/>
           <a:p>
-            <a:pPr indent="0" lvl="0" marL="0" rtl="0" algn="l">
+            <a:pPr marL="0" lvl="0" indent="0" algn="l" rtl="0">
               <a:spcBef>
                 <a:spcPts val="0"/>
               </a:spcBef>
@@ -5359,9 +5353,6 @@
               </a:spcAft>
               <a:buNone/>
             </a:pPr>
-            <a:r>
-              <a:t/>
-            </a:r>
             <a:endParaRPr/>
           </a:p>
         </p:txBody>
@@ -5388,12 +5379,12 @@
           </a:ln>
         </p:spPr>
         <p:txBody>
-          <a:bodyPr anchorCtr="0" anchor="ctr" bIns="91425" lIns="91425" spcFirstLastPara="1" rIns="91425" wrap="square" tIns="91425">
+          <a:bodyPr spcFirstLastPara="1" wrap="square" lIns="91425" tIns="91425" rIns="91425" bIns="91425" anchor="ctr" anchorCtr="0">
             <a:noAutofit/>
           </a:bodyPr>
           <a:lstStyle/>
           <a:p>
-            <a:pPr indent="0" lvl="0" marL="0" rtl="0" algn="l">
+            <a:pPr marL="0" lvl="0" indent="0" algn="l" rtl="0">
               <a:spcBef>
                 <a:spcPts val="0"/>
               </a:spcBef>
@@ -5402,9 +5393,6 @@
               </a:spcAft>
               <a:buNone/>
             </a:pPr>
-            <a:r>
-              <a:t/>
-            </a:r>
             <a:endParaRPr/>
           </a:p>
         </p:txBody>
@@ -5430,7 +5418,7 @@
             <a:noFill/>
           </a:ln>
           <a:effectLst>
-            <a:outerShdw blurRad="228600" sx="101000" rotWithShape="0" algn="ctr" sy="101000">
+            <a:outerShdw blurRad="228600" sx="101000" sy="101000" algn="ctr" rotWithShape="0">
               <a:srgbClr val="000000">
                 <a:alpha val="40000"/>
               </a:srgbClr>
@@ -5438,12 +5426,12 @@
           </a:effectLst>
         </p:spPr>
         <p:txBody>
-          <a:bodyPr anchorCtr="0" anchor="ctr" bIns="91425" lIns="91425" spcFirstLastPara="1" rIns="91425" wrap="square" tIns="91425">
+          <a:bodyPr spcFirstLastPara="1" wrap="square" lIns="91425" tIns="91425" rIns="91425" bIns="91425" anchor="ctr" anchorCtr="0">
             <a:noAutofit/>
           </a:bodyPr>
           <a:lstStyle/>
           <a:p>
-            <a:pPr indent="0" lvl="0" marL="0" rtl="0" algn="l">
+            <a:pPr marL="0" lvl="0" indent="0" algn="l" rtl="0">
               <a:spcBef>
                 <a:spcPts val="0"/>
               </a:spcBef>
@@ -5452,9 +5440,6 @@
               </a:spcAft>
               <a:buNone/>
             </a:pPr>
-            <a:r>
-              <a:t/>
-            </a:r>
             <a:endParaRPr/>
           </a:p>
         </p:txBody>
@@ -5462,7 +5447,9 @@
       <p:sp>
         <p:nvSpPr>
           <p:cNvPr id="68" name="Google Shape;68;p6"/>
-          <p:cNvSpPr txBox="1"/>
+          <p:cNvSpPr txBox="1">
+            <a:spLocks noGrp="1"/>
+          </p:cNvSpPr>
           <p:nvPr>
             <p:ph type="title"/>
           </p:nvPr>
@@ -5477,7 +5464,7 @@
           </a:prstGeom>
         </p:spPr>
         <p:txBody>
-          <a:bodyPr anchorCtr="0" anchor="t" bIns="91425" lIns="91425" spcFirstLastPara="1" rIns="91425" wrap="square" tIns="91425">
+          <a:bodyPr spcFirstLastPara="1" wrap="square" lIns="91425" tIns="91425" rIns="91425" bIns="91425" anchor="t" anchorCtr="0">
             <a:normAutofit/>
           </a:bodyPr>
           <a:lstStyle>
@@ -5581,15 +5568,19 @@
               <a:defRPr sz="3000"/>
             </a:lvl9pPr>
           </a:lstStyle>
-          <a:p/>
+          <a:p>
+            <a:endParaRPr/>
+          </a:p>
         </p:txBody>
       </p:sp>
       <p:sp>
         <p:nvSpPr>
           <p:cNvPr id="69" name="Google Shape;69;p6"/>
-          <p:cNvSpPr txBox="1"/>
+          <p:cNvSpPr txBox="1">
+            <a:spLocks noGrp="1"/>
+          </p:cNvSpPr>
           <p:nvPr>
-            <p:ph idx="12" type="sldNum"/>
+            <p:ph type="sldNum" idx="12"/>
           </p:nvPr>
         </p:nvSpPr>
         <p:spPr>
@@ -5602,7 +5593,7 @@
           </a:prstGeom>
         </p:spPr>
         <p:txBody>
-          <a:bodyPr anchorCtr="0" anchor="ctr" bIns="91425" lIns="91425" spcFirstLastPara="1" rIns="91425" wrap="square" tIns="91425">
+          <a:bodyPr spcFirstLastPara="1" wrap="square" lIns="91425" tIns="91425" rIns="91425" bIns="91425" anchor="ctr" anchorCtr="0">
             <a:normAutofit/>
           </a:bodyPr>
           <a:lstStyle>
@@ -5644,7 +5635,7 @@
             </a:lvl9pPr>
           </a:lstStyle>
           <a:p>
-            <a:pPr indent="0" lvl="0" marL="0" rtl="0" algn="r">
+            <a:pPr marL="0" lvl="0" indent="0" algn="r" rtl="0">
               <a:spcBef>
                 <a:spcPts val="0"/>
               </a:spcBef>
@@ -5670,18 +5661,19 @@
 </file>
 
 <file path=ppt/slideLayouts/slideLayout6.xml><?xml version="1.0" encoding="utf-8"?>
-<p:sldLayout xmlns:a="http://schemas.openxmlformats.org/drawingml/2006/main" xmlns:r="http://schemas.openxmlformats.org/officeDocument/2006/relationships" xmlns:mc="http://schemas.openxmlformats.org/markup-compatibility/2006" xmlns:mv="urn:schemas-microsoft-com:mac:vml" xmlns:p="http://schemas.openxmlformats.org/presentationml/2006/main" xmlns:c="http://schemas.openxmlformats.org/drawingml/2006/chart" xmlns:dgm="http://schemas.openxmlformats.org/drawingml/2006/diagram" xmlns:o="urn:schemas-microsoft-com:office:office" xmlns:v="urn:schemas-microsoft-com:vml" xmlns:pvml="urn:schemas-microsoft-com:office:powerpoint" xmlns:com="http://schemas.openxmlformats.org/drawingml/2006/compatibility" xmlns:p14="http://schemas.microsoft.com/office/powerpoint/2010/main" xmlns:p15="http://schemas.microsoft.com/office/powerpoint/2012/main" xmlns:ahyp="http://schemas.microsoft.com/office/drawing/2018/hyperlinkcolor" matchingName="One column text">
+<p:sldLayout xmlns:a="http://schemas.openxmlformats.org/drawingml/2006/main" xmlns:r="http://schemas.openxmlformats.org/officeDocument/2006/relationships" xmlns:p="http://schemas.openxmlformats.org/presentationml/2006/main" matchingName="One column text">
   <p:cSld name="ONE_COLUMN_TEXT">
     <p:bg>
       <p:bgPr>
         <a:solidFill>
           <a:schemeClr val="accent3"/>
         </a:solidFill>
+        <a:effectLst/>
       </p:bgPr>
     </p:bg>
     <p:spTree>
       <p:nvGrpSpPr>
-        <p:cNvPr id="70" name="Shape 70"/>
+        <p:cNvPr id="1" name="Shape 70"/>
         <p:cNvGrpSpPr/>
         <p:nvPr/>
       </p:nvGrpSpPr>
@@ -5715,12 +5707,12 @@
           </a:ln>
         </p:spPr>
         <p:txBody>
-          <a:bodyPr anchorCtr="0" anchor="ctr" bIns="91425" lIns="91425" spcFirstLastPara="1" rIns="91425" wrap="square" tIns="91425">
+          <a:bodyPr spcFirstLastPara="1" wrap="square" lIns="91425" tIns="91425" rIns="91425" bIns="91425" anchor="ctr" anchorCtr="0">
             <a:noAutofit/>
           </a:bodyPr>
           <a:lstStyle/>
           <a:p>
-            <a:pPr indent="0" lvl="0" marL="0" rtl="0" algn="l">
+            <a:pPr marL="0" lvl="0" indent="0" algn="l" rtl="0">
               <a:spcBef>
                 <a:spcPts val="0"/>
               </a:spcBef>
@@ -5729,9 +5721,6 @@
               </a:spcAft>
               <a:buNone/>
             </a:pPr>
-            <a:r>
-              <a:t/>
-            </a:r>
             <a:endParaRPr/>
           </a:p>
         </p:txBody>
@@ -5758,12 +5747,12 @@
           </a:ln>
         </p:spPr>
         <p:txBody>
-          <a:bodyPr anchorCtr="0" anchor="ctr" bIns="91425" lIns="91425" spcFirstLastPara="1" rIns="91425" wrap="square" tIns="91425">
+          <a:bodyPr spcFirstLastPara="1" wrap="square" lIns="91425" tIns="91425" rIns="91425" bIns="91425" anchor="ctr" anchorCtr="0">
             <a:noAutofit/>
           </a:bodyPr>
           <a:lstStyle/>
           <a:p>
-            <a:pPr indent="0" lvl="0" marL="0" rtl="0" algn="l">
+            <a:pPr marL="0" lvl="0" indent="0" algn="l" rtl="0">
               <a:spcBef>
                 <a:spcPts val="0"/>
               </a:spcBef>
@@ -5772,9 +5761,6 @@
               </a:spcAft>
               <a:buNone/>
             </a:pPr>
-            <a:r>
-              <a:t/>
-            </a:r>
             <a:endParaRPr/>
           </a:p>
         </p:txBody>
@@ -5800,7 +5786,7 @@
             <a:noFill/>
           </a:ln>
           <a:effectLst>
-            <a:outerShdw blurRad="228600" sx="101000" rotWithShape="0" algn="ctr" sy="101000">
+            <a:outerShdw blurRad="228600" sx="101000" sy="101000" algn="ctr" rotWithShape="0">
               <a:srgbClr val="000000">
                 <a:alpha val="40000"/>
               </a:srgbClr>
@@ -5808,12 +5794,12 @@
           </a:effectLst>
         </p:spPr>
         <p:txBody>
-          <a:bodyPr anchorCtr="0" anchor="ctr" bIns="91425" lIns="91425" spcFirstLastPara="1" rIns="91425" wrap="square" tIns="91425">
+          <a:bodyPr spcFirstLastPara="1" wrap="square" lIns="91425" tIns="91425" rIns="91425" bIns="91425" anchor="ctr" anchorCtr="0">
             <a:noAutofit/>
           </a:bodyPr>
           <a:lstStyle/>
           <a:p>
-            <a:pPr indent="0" lvl="0" marL="0" rtl="0" algn="l">
+            <a:pPr marL="0" lvl="0" indent="0" algn="l" rtl="0">
               <a:spcBef>
                 <a:spcPts val="0"/>
               </a:spcBef>
@@ -5822,9 +5808,6 @@
               </a:spcAft>
               <a:buNone/>
             </a:pPr>
-            <a:r>
-              <a:t/>
-            </a:r>
             <a:endParaRPr/>
           </a:p>
         </p:txBody>
@@ -5832,7 +5815,9 @@
       <p:sp>
         <p:nvSpPr>
           <p:cNvPr id="74" name="Google Shape;74;p7"/>
-          <p:cNvSpPr txBox="1"/>
+          <p:cNvSpPr txBox="1">
+            <a:spLocks noGrp="1"/>
+          </p:cNvSpPr>
           <p:nvPr>
             <p:ph type="title"/>
           </p:nvPr>
@@ -5847,7 +5832,7 @@
           </a:prstGeom>
         </p:spPr>
         <p:txBody>
-          <a:bodyPr anchorCtr="0" anchor="t" bIns="91425" lIns="91425" spcFirstLastPara="1" rIns="91425" wrap="square" tIns="91425">
+          <a:bodyPr spcFirstLastPara="1" wrap="square" lIns="91425" tIns="91425" rIns="91425" bIns="91425" anchor="t" anchorCtr="0">
             <a:normAutofit/>
           </a:bodyPr>
           <a:lstStyle>
@@ -5951,15 +5936,19 @@
               <a:defRPr sz="3000"/>
             </a:lvl9pPr>
           </a:lstStyle>
-          <a:p/>
+          <a:p>
+            <a:endParaRPr/>
+          </a:p>
         </p:txBody>
       </p:sp>
       <p:sp>
         <p:nvSpPr>
           <p:cNvPr id="75" name="Google Shape;75;p7"/>
-          <p:cNvSpPr txBox="1"/>
+          <p:cNvSpPr txBox="1">
+            <a:spLocks noGrp="1"/>
+          </p:cNvSpPr>
           <p:nvPr>
-            <p:ph idx="1" type="body"/>
+            <p:ph type="body" idx="1"/>
           </p:nvPr>
         </p:nvSpPr>
         <p:spPr>
@@ -5972,11 +5961,11 @@
           </a:prstGeom>
         </p:spPr>
         <p:txBody>
-          <a:bodyPr anchorCtr="0" anchor="t" bIns="91425" lIns="91425" spcFirstLastPara="1" rIns="91425" wrap="square" tIns="91425">
+          <a:bodyPr spcFirstLastPara="1" wrap="square" lIns="91425" tIns="91425" rIns="91425" bIns="91425" anchor="t" anchorCtr="0">
             <a:normAutofit/>
           </a:bodyPr>
           <a:lstStyle>
-            <a:lvl1pPr indent="-311150" lvl="0" marL="457200">
+            <a:lvl1pPr marL="457200" lvl="0" indent="-311150">
               <a:spcBef>
                 <a:spcPts val="0"/>
               </a:spcBef>
@@ -5987,7 +5976,7 @@
               <a:buChar char="●"/>
               <a:defRPr/>
             </a:lvl1pPr>
-            <a:lvl2pPr indent="-298450" lvl="1" marL="914400">
+            <a:lvl2pPr marL="914400" lvl="1" indent="-298450">
               <a:spcBef>
                 <a:spcPts val="0"/>
               </a:spcBef>
@@ -5998,7 +5987,7 @@
               <a:buChar char="○"/>
               <a:defRPr/>
             </a:lvl2pPr>
-            <a:lvl3pPr indent="-298450" lvl="2" marL="1371600">
+            <a:lvl3pPr marL="1371600" lvl="2" indent="-298450">
               <a:spcBef>
                 <a:spcPts val="0"/>
               </a:spcBef>
@@ -6009,7 +5998,7 @@
               <a:buChar char="■"/>
               <a:defRPr/>
             </a:lvl3pPr>
-            <a:lvl4pPr indent="-298450" lvl="3" marL="1828800">
+            <a:lvl4pPr marL="1828800" lvl="3" indent="-298450">
               <a:spcBef>
                 <a:spcPts val="0"/>
               </a:spcBef>
@@ -6020,7 +6009,7 @@
               <a:buChar char="●"/>
               <a:defRPr/>
             </a:lvl4pPr>
-            <a:lvl5pPr indent="-298450" lvl="4" marL="2286000">
+            <a:lvl5pPr marL="2286000" lvl="4" indent="-298450">
               <a:spcBef>
                 <a:spcPts val="0"/>
               </a:spcBef>
@@ -6031,7 +6020,7 @@
               <a:buChar char="○"/>
               <a:defRPr/>
             </a:lvl5pPr>
-            <a:lvl6pPr indent="-298450" lvl="5" marL="2743200">
+            <a:lvl6pPr marL="2743200" lvl="5" indent="-298450">
               <a:spcBef>
                 <a:spcPts val="0"/>
               </a:spcBef>
@@ -6042,7 +6031,7 @@
               <a:buChar char="■"/>
               <a:defRPr/>
             </a:lvl6pPr>
-            <a:lvl7pPr indent="-298450" lvl="6" marL="3200400">
+            <a:lvl7pPr marL="3200400" lvl="6" indent="-298450">
               <a:spcBef>
                 <a:spcPts val="0"/>
               </a:spcBef>
@@ -6053,7 +6042,7 @@
               <a:buChar char="●"/>
               <a:defRPr/>
             </a:lvl7pPr>
-            <a:lvl8pPr indent="-298450" lvl="7" marL="3657600">
+            <a:lvl8pPr marL="3657600" lvl="7" indent="-298450">
               <a:spcBef>
                 <a:spcPts val="0"/>
               </a:spcBef>
@@ -6064,7 +6053,7 @@
               <a:buChar char="○"/>
               <a:defRPr/>
             </a:lvl8pPr>
-            <a:lvl9pPr indent="-298450" lvl="8" marL="4114800">
+            <a:lvl9pPr marL="4114800" lvl="8" indent="-298450">
               <a:spcBef>
                 <a:spcPts val="0"/>
               </a:spcBef>
@@ -6076,15 +6065,19 @@
               <a:defRPr/>
             </a:lvl9pPr>
           </a:lstStyle>
-          <a:p/>
+          <a:p>
+            <a:endParaRPr/>
+          </a:p>
         </p:txBody>
       </p:sp>
       <p:sp>
         <p:nvSpPr>
           <p:cNvPr id="76" name="Google Shape;76;p7"/>
-          <p:cNvSpPr txBox="1"/>
+          <p:cNvSpPr txBox="1">
+            <a:spLocks noGrp="1"/>
+          </p:cNvSpPr>
           <p:nvPr>
-            <p:ph idx="12" type="sldNum"/>
+            <p:ph type="sldNum" idx="12"/>
           </p:nvPr>
         </p:nvSpPr>
         <p:spPr>
@@ -6097,7 +6090,7 @@
           </a:prstGeom>
         </p:spPr>
         <p:txBody>
-          <a:bodyPr anchorCtr="0" anchor="ctr" bIns="91425" lIns="91425" spcFirstLastPara="1" rIns="91425" wrap="square" tIns="91425">
+          <a:bodyPr spcFirstLastPara="1" wrap="square" lIns="91425" tIns="91425" rIns="91425" bIns="91425" anchor="ctr" anchorCtr="0">
             <a:normAutofit/>
           </a:bodyPr>
           <a:lstStyle>
@@ -6139,7 +6132,7 @@
             </a:lvl9pPr>
           </a:lstStyle>
           <a:p>
-            <a:pPr indent="0" lvl="0" marL="0" rtl="0" algn="r">
+            <a:pPr marL="0" lvl="0" indent="0" algn="r" rtl="0">
               <a:spcBef>
                 <a:spcPts val="0"/>
               </a:spcBef>
@@ -6165,18 +6158,19 @@
 </file>
 
 <file path=ppt/slideLayouts/slideLayout7.xml><?xml version="1.0" encoding="utf-8"?>
-<p:sldLayout xmlns:a="http://schemas.openxmlformats.org/drawingml/2006/main" xmlns:r="http://schemas.openxmlformats.org/officeDocument/2006/relationships" xmlns:mc="http://schemas.openxmlformats.org/markup-compatibility/2006" xmlns:mv="urn:schemas-microsoft-com:mac:vml" xmlns:p="http://schemas.openxmlformats.org/presentationml/2006/main" xmlns:c="http://schemas.openxmlformats.org/drawingml/2006/chart" xmlns:dgm="http://schemas.openxmlformats.org/drawingml/2006/diagram" xmlns:o="urn:schemas-microsoft-com:office:office" xmlns:v="urn:schemas-microsoft-com:vml" xmlns:pvml="urn:schemas-microsoft-com:office:powerpoint" xmlns:com="http://schemas.openxmlformats.org/drawingml/2006/compatibility" xmlns:p14="http://schemas.microsoft.com/office/powerpoint/2010/main" xmlns:p15="http://schemas.microsoft.com/office/powerpoint/2012/main" xmlns:ahyp="http://schemas.microsoft.com/office/drawing/2018/hyperlinkcolor" matchingName="Main point">
+<p:sldLayout xmlns:a="http://schemas.openxmlformats.org/drawingml/2006/main" xmlns:r="http://schemas.openxmlformats.org/officeDocument/2006/relationships" xmlns:p="http://schemas.openxmlformats.org/presentationml/2006/main" matchingName="Main point">
   <p:cSld name="MAIN_POINT">
     <p:bg>
       <p:bgPr>
         <a:solidFill>
           <a:schemeClr val="accent1"/>
         </a:solidFill>
+        <a:effectLst/>
       </p:bgPr>
     </p:bg>
     <p:spTree>
       <p:nvGrpSpPr>
-        <p:cNvPr id="77" name="Shape 77"/>
+        <p:cNvPr id="1" name="Shape 77"/>
         <p:cNvGrpSpPr/>
         <p:nvPr/>
       </p:nvGrpSpPr>
@@ -6210,12 +6204,12 @@
           </a:ln>
         </p:spPr>
         <p:txBody>
-          <a:bodyPr anchorCtr="0" anchor="ctr" bIns="91425" lIns="91425" spcFirstLastPara="1" rIns="91425" wrap="square" tIns="91425">
+          <a:bodyPr spcFirstLastPara="1" wrap="square" lIns="91425" tIns="91425" rIns="91425" bIns="91425" anchor="ctr" anchorCtr="0">
             <a:noAutofit/>
           </a:bodyPr>
           <a:lstStyle/>
           <a:p>
-            <a:pPr indent="0" lvl="0" marL="0" rtl="0" algn="l">
+            <a:pPr marL="0" lvl="0" indent="0" algn="l" rtl="0">
               <a:spcBef>
                 <a:spcPts val="0"/>
               </a:spcBef>
@@ -6224,9 +6218,6 @@
               </a:spcAft>
               <a:buNone/>
             </a:pPr>
-            <a:r>
-              <a:t/>
-            </a:r>
             <a:endParaRPr/>
           </a:p>
         </p:txBody>
@@ -6253,12 +6244,12 @@
           </a:ln>
         </p:spPr>
         <p:txBody>
-          <a:bodyPr anchorCtr="0" anchor="ctr" bIns="91425" lIns="91425" spcFirstLastPara="1" rIns="91425" wrap="square" tIns="91425">
+          <a:bodyPr spcFirstLastPara="1" wrap="square" lIns="91425" tIns="91425" rIns="91425" bIns="91425" anchor="ctr" anchorCtr="0">
             <a:noAutofit/>
           </a:bodyPr>
           <a:lstStyle/>
           <a:p>
-            <a:pPr indent="0" lvl="0" marL="0" rtl="0" algn="l">
+            <a:pPr marL="0" lvl="0" indent="0" algn="l" rtl="0">
               <a:spcBef>
                 <a:spcPts val="0"/>
               </a:spcBef>
@@ -6267,9 +6258,6 @@
               </a:spcAft>
               <a:buNone/>
             </a:pPr>
-            <a:r>
-              <a:t/>
-            </a:r>
             <a:endParaRPr/>
           </a:p>
         </p:txBody>
@@ -6301,7 +6289,7 @@
             </a:xfrm>
             <a:prstGeom prst="parallelogram">
               <a:avLst>
-                <a:gd fmla="val 153193" name="adj"/>
+                <a:gd name="adj" fmla="val 153193"/>
               </a:avLst>
             </a:prstGeom>
             <a:solidFill>
@@ -6312,12 +6300,12 @@
             </a:ln>
           </p:spPr>
           <p:txBody>
-            <a:bodyPr anchorCtr="0" anchor="ctr" bIns="91425" lIns="91425" spcFirstLastPara="1" rIns="91425" wrap="square" tIns="91425">
+            <a:bodyPr spcFirstLastPara="1" wrap="square" lIns="91425" tIns="91425" rIns="91425" bIns="91425" anchor="ctr" anchorCtr="0">
               <a:noAutofit/>
             </a:bodyPr>
             <a:lstStyle/>
             <a:p>
-              <a:pPr indent="0" lvl="0" marL="0" rtl="0" algn="l">
+              <a:pPr marL="0" lvl="0" indent="0" algn="l" rtl="0">
                 <a:spcBef>
                   <a:spcPts val="0"/>
                 </a:spcBef>
@@ -6326,9 +6314,6 @@
                 </a:spcAft>
                 <a:buNone/>
               </a:pPr>
-              <a:r>
-                <a:t/>
-              </a:r>
               <a:endParaRPr/>
             </a:p>
           </p:txBody>
@@ -6346,7 +6331,7 @@
             </a:xfrm>
             <a:prstGeom prst="parallelogram">
               <a:avLst>
-                <a:gd fmla="val 153193" name="adj"/>
+                <a:gd name="adj" fmla="val 153193"/>
               </a:avLst>
             </a:prstGeom>
             <a:solidFill>
@@ -6357,12 +6342,12 @@
             </a:ln>
           </p:spPr>
           <p:txBody>
-            <a:bodyPr anchorCtr="0" anchor="ctr" bIns="91425" lIns="91425" spcFirstLastPara="1" rIns="91425" wrap="square" tIns="91425">
+            <a:bodyPr spcFirstLastPara="1" wrap="square" lIns="91425" tIns="91425" rIns="91425" bIns="91425" anchor="ctr" anchorCtr="0">
               <a:noAutofit/>
             </a:bodyPr>
             <a:lstStyle/>
             <a:p>
-              <a:pPr indent="0" lvl="0" marL="0" rtl="0" algn="l">
+              <a:pPr marL="0" lvl="0" indent="0" algn="l" rtl="0">
                 <a:spcBef>
                   <a:spcPts val="0"/>
                 </a:spcBef>
@@ -6371,9 +6356,6 @@
                 </a:spcAft>
                 <a:buNone/>
               </a:pPr>
-              <a:r>
-                <a:t/>
-              </a:r>
               <a:endParaRPr/>
             </a:p>
           </p:txBody>
@@ -6391,7 +6373,7 @@
             </a:xfrm>
             <a:prstGeom prst="parallelogram">
               <a:avLst>
-                <a:gd fmla="val 153193" name="adj"/>
+                <a:gd name="adj" fmla="val 153193"/>
               </a:avLst>
             </a:prstGeom>
             <a:solidFill>
@@ -6402,12 +6384,12 @@
             </a:ln>
           </p:spPr>
           <p:txBody>
-            <a:bodyPr anchorCtr="0" anchor="ctr" bIns="91425" lIns="91425" spcFirstLastPara="1" rIns="91425" wrap="square" tIns="91425">
+            <a:bodyPr spcFirstLastPara="1" wrap="square" lIns="91425" tIns="91425" rIns="91425" bIns="91425" anchor="ctr" anchorCtr="0">
               <a:noAutofit/>
             </a:bodyPr>
             <a:lstStyle/>
             <a:p>
-              <a:pPr indent="0" lvl="0" marL="0" rtl="0" algn="l">
+              <a:pPr marL="0" lvl="0" indent="0" algn="l" rtl="0">
                 <a:spcBef>
                   <a:spcPts val="0"/>
                 </a:spcBef>
@@ -6416,9 +6398,6 @@
                 </a:spcAft>
                 <a:buNone/>
               </a:pPr>
-              <a:r>
-                <a:t/>
-              </a:r>
               <a:endParaRPr/>
             </a:p>
           </p:txBody>
@@ -6445,7 +6424,7 @@
             <a:noFill/>
           </a:ln>
           <a:effectLst>
-            <a:outerShdw blurRad="228600" sx="101000" rotWithShape="0" algn="ctr" sy="101000">
+            <a:outerShdw blurRad="228600" sx="101000" sy="101000" algn="ctr" rotWithShape="0">
               <a:srgbClr val="000000">
                 <a:alpha val="40000"/>
               </a:srgbClr>
@@ -6453,12 +6432,12 @@
           </a:effectLst>
         </p:spPr>
         <p:txBody>
-          <a:bodyPr anchorCtr="0" anchor="ctr" bIns="91425" lIns="91425" spcFirstLastPara="1" rIns="91425" wrap="square" tIns="91425">
+          <a:bodyPr spcFirstLastPara="1" wrap="square" lIns="91425" tIns="91425" rIns="91425" bIns="91425" anchor="ctr" anchorCtr="0">
             <a:noAutofit/>
           </a:bodyPr>
           <a:lstStyle/>
           <a:p>
-            <a:pPr indent="0" lvl="0" marL="0" rtl="0" algn="l">
+            <a:pPr marL="0" lvl="0" indent="0" algn="l" rtl="0">
               <a:spcBef>
                 <a:spcPts val="0"/>
               </a:spcBef>
@@ -6467,9 +6446,6 @@
               </a:spcAft>
               <a:buNone/>
             </a:pPr>
-            <a:r>
-              <a:t/>
-            </a:r>
             <a:endParaRPr/>
           </a:p>
         </p:txBody>
@@ -6501,7 +6477,7 @@
             </a:xfrm>
             <a:prstGeom prst="parallelogram">
               <a:avLst>
-                <a:gd fmla="val 158024" name="adj"/>
+                <a:gd name="adj" fmla="val 158024"/>
               </a:avLst>
             </a:prstGeom>
             <a:solidFill>
@@ -6512,12 +6488,12 @@
             </a:ln>
           </p:spPr>
           <p:txBody>
-            <a:bodyPr anchorCtr="0" anchor="ctr" bIns="91425" lIns="91425" spcFirstLastPara="1" rIns="91425" wrap="square" tIns="91425">
+            <a:bodyPr spcFirstLastPara="1" wrap="square" lIns="91425" tIns="91425" rIns="91425" bIns="91425" anchor="ctr" anchorCtr="0">
               <a:noAutofit/>
             </a:bodyPr>
             <a:lstStyle/>
             <a:p>
-              <a:pPr indent="0" lvl="0" marL="0" rtl="0" algn="l">
+              <a:pPr marL="0" lvl="0" indent="0" algn="l" rtl="0">
                 <a:spcBef>
                   <a:spcPts val="0"/>
                 </a:spcBef>
@@ -6526,9 +6502,6 @@
                 </a:spcAft>
                 <a:buNone/>
               </a:pPr>
-              <a:r>
-                <a:t/>
-              </a:r>
               <a:endParaRPr/>
             </a:p>
           </p:txBody>
@@ -6546,7 +6519,7 @@
             </a:xfrm>
             <a:prstGeom prst="parallelogram">
               <a:avLst>
-                <a:gd fmla="val 158024" name="adj"/>
+                <a:gd name="adj" fmla="val 158024"/>
               </a:avLst>
             </a:prstGeom>
             <a:solidFill>
@@ -6557,12 +6530,12 @@
             </a:ln>
           </p:spPr>
           <p:txBody>
-            <a:bodyPr anchorCtr="0" anchor="ctr" bIns="91425" lIns="91425" spcFirstLastPara="1" rIns="91425" wrap="square" tIns="91425">
+            <a:bodyPr spcFirstLastPara="1" wrap="square" lIns="91425" tIns="91425" rIns="91425" bIns="91425" anchor="ctr" anchorCtr="0">
               <a:noAutofit/>
             </a:bodyPr>
             <a:lstStyle/>
             <a:p>
-              <a:pPr indent="0" lvl="0" marL="0" rtl="0" algn="l">
+              <a:pPr marL="0" lvl="0" indent="0" algn="l" rtl="0">
                 <a:spcBef>
                   <a:spcPts val="0"/>
                 </a:spcBef>
@@ -6571,9 +6544,6 @@
                 </a:spcAft>
                 <a:buNone/>
               </a:pPr>
-              <a:r>
-                <a:t/>
-              </a:r>
               <a:endParaRPr/>
             </a:p>
           </p:txBody>
@@ -6591,7 +6561,7 @@
             </a:xfrm>
             <a:prstGeom prst="parallelogram">
               <a:avLst>
-                <a:gd fmla="val 158024" name="adj"/>
+                <a:gd name="adj" fmla="val 158024"/>
               </a:avLst>
             </a:prstGeom>
             <a:solidFill>
@@ -6602,12 +6572,12 @@
             </a:ln>
           </p:spPr>
           <p:txBody>
-            <a:bodyPr anchorCtr="0" anchor="ctr" bIns="91425" lIns="91425" spcFirstLastPara="1" rIns="91425" wrap="square" tIns="91425">
+            <a:bodyPr spcFirstLastPara="1" wrap="square" lIns="91425" tIns="91425" rIns="91425" bIns="91425" anchor="ctr" anchorCtr="0">
               <a:noAutofit/>
             </a:bodyPr>
             <a:lstStyle/>
             <a:p>
-              <a:pPr indent="0" lvl="0" marL="0" rtl="0" algn="l">
+              <a:pPr marL="0" lvl="0" indent="0" algn="l" rtl="0">
                 <a:spcBef>
                   <a:spcPts val="0"/>
                 </a:spcBef>
@@ -6616,9 +6586,6 @@
                 </a:spcAft>
                 <a:buNone/>
               </a:pPr>
-              <a:r>
-                <a:t/>
-              </a:r>
               <a:endParaRPr/>
             </a:p>
           </p:txBody>
@@ -6651,7 +6618,7 @@
             </a:xfrm>
             <a:prstGeom prst="parallelogram">
               <a:avLst>
-                <a:gd fmla="val 158024" name="adj"/>
+                <a:gd name="adj" fmla="val 158024"/>
               </a:avLst>
             </a:prstGeom>
             <a:solidFill>
@@ -6662,12 +6629,12 @@
             </a:ln>
           </p:spPr>
           <p:txBody>
-            <a:bodyPr anchorCtr="0" anchor="ctr" bIns="91425" lIns="91425" spcFirstLastPara="1" rIns="91425" wrap="square" tIns="91425">
+            <a:bodyPr spcFirstLastPara="1" wrap="square" lIns="91425" tIns="91425" rIns="91425" bIns="91425" anchor="ctr" anchorCtr="0">
               <a:noAutofit/>
             </a:bodyPr>
             <a:lstStyle/>
             <a:p>
-              <a:pPr indent="0" lvl="0" marL="0" rtl="0" algn="l">
+              <a:pPr marL="0" lvl="0" indent="0" algn="l" rtl="0">
                 <a:spcBef>
                   <a:spcPts val="0"/>
                 </a:spcBef>
@@ -6676,9 +6643,6 @@
                 </a:spcAft>
                 <a:buNone/>
               </a:pPr>
-              <a:r>
-                <a:t/>
-              </a:r>
               <a:endParaRPr/>
             </a:p>
           </p:txBody>
@@ -6696,7 +6660,7 @@
             </a:xfrm>
             <a:prstGeom prst="parallelogram">
               <a:avLst>
-                <a:gd fmla="val 158024" name="adj"/>
+                <a:gd name="adj" fmla="val 158024"/>
               </a:avLst>
             </a:prstGeom>
             <a:solidFill>
@@ -6707,12 +6671,12 @@
             </a:ln>
           </p:spPr>
           <p:txBody>
-            <a:bodyPr anchorCtr="0" anchor="ctr" bIns="91425" lIns="91425" spcFirstLastPara="1" rIns="91425" wrap="square" tIns="91425">
+            <a:bodyPr spcFirstLastPara="1" wrap="square" lIns="91425" tIns="91425" rIns="91425" bIns="91425" anchor="ctr" anchorCtr="0">
               <a:noAutofit/>
             </a:bodyPr>
             <a:lstStyle/>
             <a:p>
-              <a:pPr indent="0" lvl="0" marL="0" rtl="0" algn="l">
+              <a:pPr marL="0" lvl="0" indent="0" algn="l" rtl="0">
                 <a:spcBef>
                   <a:spcPts val="0"/>
                 </a:spcBef>
@@ -6721,9 +6685,6 @@
                 </a:spcAft>
                 <a:buNone/>
               </a:pPr>
-              <a:r>
-                <a:t/>
-              </a:r>
               <a:endParaRPr/>
             </a:p>
           </p:txBody>
@@ -6741,7 +6702,7 @@
             </a:xfrm>
             <a:prstGeom prst="parallelogram">
               <a:avLst>
-                <a:gd fmla="val 158024" name="adj"/>
+                <a:gd name="adj" fmla="val 158024"/>
               </a:avLst>
             </a:prstGeom>
             <a:solidFill>
@@ -6752,12 +6713,12 @@
             </a:ln>
           </p:spPr>
           <p:txBody>
-            <a:bodyPr anchorCtr="0" anchor="ctr" bIns="91425" lIns="91425" spcFirstLastPara="1" rIns="91425" wrap="square" tIns="91425">
+            <a:bodyPr spcFirstLastPara="1" wrap="square" lIns="91425" tIns="91425" rIns="91425" bIns="91425" anchor="ctr" anchorCtr="0">
               <a:noAutofit/>
             </a:bodyPr>
             <a:lstStyle/>
             <a:p>
-              <a:pPr indent="0" lvl="0" marL="0" rtl="0" algn="l">
+              <a:pPr marL="0" lvl="0" indent="0" algn="l" rtl="0">
                 <a:spcBef>
                   <a:spcPts val="0"/>
                 </a:spcBef>
@@ -6766,9 +6727,6 @@
                 </a:spcAft>
                 <a:buNone/>
               </a:pPr>
-              <a:r>
-                <a:t/>
-              </a:r>
               <a:endParaRPr/>
             </a:p>
           </p:txBody>
@@ -6777,7 +6735,9 @@
       <p:sp>
         <p:nvSpPr>
           <p:cNvPr id="93" name="Google Shape;93;p8"/>
-          <p:cNvSpPr txBox="1"/>
+          <p:cNvSpPr txBox="1">
+            <a:spLocks noGrp="1"/>
+          </p:cNvSpPr>
           <p:nvPr>
             <p:ph type="title"/>
           </p:nvPr>
@@ -6792,7 +6752,7 @@
           </a:prstGeom>
         </p:spPr>
         <p:txBody>
-          <a:bodyPr anchorCtr="0" anchor="ctr" bIns="91425" lIns="91425" spcFirstLastPara="1" rIns="91425" wrap="square" tIns="91425">
+          <a:bodyPr spcFirstLastPara="1" wrap="square" lIns="91425" tIns="91425" rIns="91425" bIns="91425" anchor="ctr" anchorCtr="0">
             <a:normAutofit/>
           </a:bodyPr>
           <a:lstStyle>
@@ -6896,15 +6856,19 @@
               <a:defRPr sz="3200"/>
             </a:lvl9pPr>
           </a:lstStyle>
-          <a:p/>
+          <a:p>
+            <a:endParaRPr/>
+          </a:p>
         </p:txBody>
       </p:sp>
       <p:sp>
         <p:nvSpPr>
           <p:cNvPr id="94" name="Google Shape;94;p8"/>
-          <p:cNvSpPr txBox="1"/>
+          <p:cNvSpPr txBox="1">
+            <a:spLocks noGrp="1"/>
+          </p:cNvSpPr>
           <p:nvPr>
-            <p:ph idx="12" type="sldNum"/>
+            <p:ph type="sldNum" idx="12"/>
           </p:nvPr>
         </p:nvSpPr>
         <p:spPr>
@@ -6917,7 +6881,7 @@
           </a:prstGeom>
         </p:spPr>
         <p:txBody>
-          <a:bodyPr anchorCtr="0" anchor="ctr" bIns="91425" lIns="91425" spcFirstLastPara="1" rIns="91425" wrap="square" tIns="91425">
+          <a:bodyPr spcFirstLastPara="1" wrap="square" lIns="91425" tIns="91425" rIns="91425" bIns="91425" anchor="ctr" anchorCtr="0">
             <a:normAutofit/>
           </a:bodyPr>
           <a:lstStyle>
@@ -6959,7 +6923,7 @@
             </a:lvl9pPr>
           </a:lstStyle>
           <a:p>
-            <a:pPr indent="0" lvl="0" marL="0" rtl="0" algn="r">
+            <a:pPr marL="0" lvl="0" indent="0" algn="r" rtl="0">
               <a:spcBef>
                 <a:spcPts val="0"/>
               </a:spcBef>
@@ -6985,18 +6949,19 @@
 </file>
 
 <file path=ppt/slideLayouts/slideLayout8.xml><?xml version="1.0" encoding="utf-8"?>
-<p:sldLayout xmlns:a="http://schemas.openxmlformats.org/drawingml/2006/main" xmlns:r="http://schemas.openxmlformats.org/officeDocument/2006/relationships" xmlns:mc="http://schemas.openxmlformats.org/markup-compatibility/2006" xmlns:mv="urn:schemas-microsoft-com:mac:vml" xmlns:p="http://schemas.openxmlformats.org/presentationml/2006/main" xmlns:c="http://schemas.openxmlformats.org/drawingml/2006/chart" xmlns:dgm="http://schemas.openxmlformats.org/drawingml/2006/diagram" xmlns:o="urn:schemas-microsoft-com:office:office" xmlns:v="urn:schemas-microsoft-com:vml" xmlns:pvml="urn:schemas-microsoft-com:office:powerpoint" xmlns:com="http://schemas.openxmlformats.org/drawingml/2006/compatibility" xmlns:p14="http://schemas.microsoft.com/office/powerpoint/2010/main" xmlns:p15="http://schemas.microsoft.com/office/powerpoint/2012/main" xmlns:ahyp="http://schemas.microsoft.com/office/drawing/2018/hyperlinkcolor" matchingName="Section title and description">
+<p:sldLayout xmlns:a="http://schemas.openxmlformats.org/drawingml/2006/main" xmlns:r="http://schemas.openxmlformats.org/officeDocument/2006/relationships" xmlns:p="http://schemas.openxmlformats.org/presentationml/2006/main" matchingName="Section title and description">
   <p:cSld name="SECTION_TITLE_AND_DESCRIPTION">
     <p:bg>
       <p:bgPr>
         <a:solidFill>
           <a:schemeClr val="dk2"/>
         </a:solidFill>
+        <a:effectLst/>
       </p:bgPr>
     </p:bg>
     <p:spTree>
       <p:nvGrpSpPr>
-        <p:cNvPr id="95" name="Shape 95"/>
+        <p:cNvPr id="1" name="Shape 95"/>
         <p:cNvGrpSpPr/>
         <p:nvPr/>
       </p:nvGrpSpPr>
@@ -7030,12 +6995,12 @@
           </a:ln>
         </p:spPr>
         <p:txBody>
-          <a:bodyPr anchorCtr="0" anchor="ctr" bIns="91425" lIns="91425" spcFirstLastPara="1" rIns="91425" wrap="square" tIns="91425">
+          <a:bodyPr spcFirstLastPara="1" wrap="square" lIns="91425" tIns="91425" rIns="91425" bIns="91425" anchor="ctr" anchorCtr="0">
             <a:noAutofit/>
           </a:bodyPr>
           <a:lstStyle/>
           <a:p>
-            <a:pPr indent="0" lvl="0" marL="0" rtl="0" algn="l">
+            <a:pPr marL="0" lvl="0" indent="0" algn="l" rtl="0">
               <a:spcBef>
                 <a:spcPts val="0"/>
               </a:spcBef>
@@ -7044,9 +7009,6 @@
               </a:spcAft>
               <a:buNone/>
             </a:pPr>
-            <a:r>
-              <a:t/>
-            </a:r>
             <a:endParaRPr/>
           </a:p>
         </p:txBody>
@@ -7073,12 +7035,12 @@
           </a:ln>
         </p:spPr>
         <p:txBody>
-          <a:bodyPr anchorCtr="0" anchor="ctr" bIns="91425" lIns="91425" spcFirstLastPara="1" rIns="91425" wrap="square" tIns="91425">
+          <a:bodyPr spcFirstLastPara="1" wrap="square" lIns="91425" tIns="91425" rIns="91425" bIns="91425" anchor="ctr" anchorCtr="0">
             <a:noAutofit/>
           </a:bodyPr>
           <a:lstStyle/>
           <a:p>
-            <a:pPr indent="0" lvl="0" marL="0" rtl="0" algn="l">
+            <a:pPr marL="0" lvl="0" indent="0" algn="l" rtl="0">
               <a:spcBef>
                 <a:spcPts val="0"/>
               </a:spcBef>
@@ -7087,9 +7049,6 @@
               </a:spcAft>
               <a:buNone/>
             </a:pPr>
-            <a:r>
-              <a:t/>
-            </a:r>
             <a:endParaRPr/>
           </a:p>
         </p:txBody>
@@ -7115,7 +7074,7 @@
             <a:noFill/>
           </a:ln>
           <a:effectLst>
-            <a:outerShdw blurRad="228600" sx="101000" rotWithShape="0" algn="ctr" sy="101000">
+            <a:outerShdw blurRad="228600" sx="101000" sy="101000" algn="ctr" rotWithShape="0">
               <a:srgbClr val="000000">
                 <a:alpha val="40000"/>
               </a:srgbClr>
@@ -7123,12 +7082,12 @@
           </a:effectLst>
         </p:spPr>
         <p:txBody>
-          <a:bodyPr anchorCtr="0" anchor="ctr" bIns="91425" lIns="91425" spcFirstLastPara="1" rIns="91425" wrap="square" tIns="91425">
+          <a:bodyPr spcFirstLastPara="1" wrap="square" lIns="91425" tIns="91425" rIns="91425" bIns="91425" anchor="ctr" anchorCtr="0">
             <a:noAutofit/>
           </a:bodyPr>
           <a:lstStyle/>
           <a:p>
-            <a:pPr indent="0" lvl="0" marL="0" rtl="0" algn="l">
+            <a:pPr marL="0" lvl="0" indent="0" algn="l" rtl="0">
               <a:spcBef>
                 <a:spcPts val="0"/>
               </a:spcBef>
@@ -7137,9 +7096,6 @@
               </a:spcAft>
               <a:buNone/>
             </a:pPr>
-            <a:r>
-              <a:t/>
-            </a:r>
             <a:endParaRPr/>
           </a:p>
         </p:txBody>
@@ -7147,7 +7103,9 @@
       <p:sp>
         <p:nvSpPr>
           <p:cNvPr id="99" name="Google Shape;99;p9"/>
-          <p:cNvSpPr txBox="1"/>
+          <p:cNvSpPr txBox="1">
+            <a:spLocks noGrp="1"/>
+          </p:cNvSpPr>
           <p:nvPr>
             <p:ph type="title"/>
           </p:nvPr>
@@ -7162,7 +7120,7 @@
           </a:prstGeom>
         </p:spPr>
         <p:txBody>
-          <a:bodyPr anchorCtr="0" anchor="t" bIns="91425" lIns="91425" spcFirstLastPara="1" rIns="91425" wrap="square" tIns="91425">
+          <a:bodyPr spcFirstLastPara="1" wrap="square" lIns="91425" tIns="91425" rIns="91425" bIns="91425" anchor="t" anchorCtr="0">
             <a:normAutofit/>
           </a:bodyPr>
           <a:lstStyle>
@@ -7266,15 +7224,19 @@
               <a:defRPr sz="3000"/>
             </a:lvl9pPr>
           </a:lstStyle>
-          <a:p/>
+          <a:p>
+            <a:endParaRPr/>
+          </a:p>
         </p:txBody>
       </p:sp>
       <p:sp>
         <p:nvSpPr>
           <p:cNvPr id="100" name="Google Shape;100;p9"/>
-          <p:cNvSpPr txBox="1"/>
+          <p:cNvSpPr txBox="1">
+            <a:spLocks noGrp="1"/>
+          </p:cNvSpPr>
           <p:nvPr>
-            <p:ph idx="1" type="subTitle"/>
+            <p:ph type="subTitle" idx="1"/>
           </p:nvPr>
         </p:nvSpPr>
         <p:spPr>
@@ -7287,7 +7249,7 @@
           </a:prstGeom>
         </p:spPr>
         <p:txBody>
-          <a:bodyPr anchorCtr="0" anchor="t" bIns="91425" lIns="91425" spcFirstLastPara="1" rIns="91425" wrap="square" tIns="91425">
+          <a:bodyPr spcFirstLastPara="1" wrap="square" lIns="91425" tIns="91425" rIns="91425" bIns="91425" anchor="t" anchorCtr="0">
             <a:normAutofit/>
           </a:bodyPr>
           <a:lstStyle>
@@ -7481,15 +7443,19 @@
               </a:defRPr>
             </a:lvl9pPr>
           </a:lstStyle>
-          <a:p/>
+          <a:p>
+            <a:endParaRPr/>
+          </a:p>
         </p:txBody>
       </p:sp>
       <p:sp>
         <p:nvSpPr>
           <p:cNvPr id="101" name="Google Shape;101;p9"/>
-          <p:cNvSpPr txBox="1"/>
+          <p:cNvSpPr txBox="1">
+            <a:spLocks noGrp="1"/>
+          </p:cNvSpPr>
           <p:nvPr>
-            <p:ph idx="2" type="body"/>
+            <p:ph type="body" idx="2"/>
           </p:nvPr>
         </p:nvSpPr>
         <p:spPr>
@@ -7502,11 +7468,11 @@
           </a:prstGeom>
         </p:spPr>
         <p:txBody>
-          <a:bodyPr anchorCtr="0" anchor="t" bIns="91425" lIns="91425" spcFirstLastPara="1" rIns="91425" wrap="square" tIns="91425">
+          <a:bodyPr spcFirstLastPara="1" wrap="square" lIns="91425" tIns="91425" rIns="91425" bIns="91425" anchor="t" anchorCtr="0">
             <a:normAutofit/>
           </a:bodyPr>
           <a:lstStyle>
-            <a:lvl1pPr indent="-311150" lvl="0" marL="457200">
+            <a:lvl1pPr marL="457200" lvl="0" indent="-311150">
               <a:spcBef>
                 <a:spcPts val="0"/>
               </a:spcBef>
@@ -7517,7 +7483,7 @@
               <a:buChar char="●"/>
               <a:defRPr/>
             </a:lvl1pPr>
-            <a:lvl2pPr indent="-298450" lvl="1" marL="914400">
+            <a:lvl2pPr marL="914400" lvl="1" indent="-298450">
               <a:spcBef>
                 <a:spcPts val="0"/>
               </a:spcBef>
@@ -7528,7 +7494,7 @@
               <a:buChar char="○"/>
               <a:defRPr/>
             </a:lvl2pPr>
-            <a:lvl3pPr indent="-298450" lvl="2" marL="1371600">
+            <a:lvl3pPr marL="1371600" lvl="2" indent="-298450">
               <a:spcBef>
                 <a:spcPts val="0"/>
               </a:spcBef>
@@ -7539,7 +7505,7 @@
               <a:buChar char="■"/>
               <a:defRPr/>
             </a:lvl3pPr>
-            <a:lvl4pPr indent="-298450" lvl="3" marL="1828800">
+            <a:lvl4pPr marL="1828800" lvl="3" indent="-298450">
               <a:spcBef>
                 <a:spcPts val="0"/>
               </a:spcBef>
@@ -7550,7 +7516,7 @@
               <a:buChar char="●"/>
               <a:defRPr/>
             </a:lvl4pPr>
-            <a:lvl5pPr indent="-298450" lvl="4" marL="2286000">
+            <a:lvl5pPr marL="2286000" lvl="4" indent="-298450">
               <a:spcBef>
                 <a:spcPts val="0"/>
               </a:spcBef>
@@ -7561,7 +7527,7 @@
               <a:buChar char="○"/>
               <a:defRPr/>
             </a:lvl5pPr>
-            <a:lvl6pPr indent="-298450" lvl="5" marL="2743200">
+            <a:lvl6pPr marL="2743200" lvl="5" indent="-298450">
               <a:spcBef>
                 <a:spcPts val="0"/>
               </a:spcBef>
@@ -7572,7 +7538,7 @@
               <a:buChar char="■"/>
               <a:defRPr/>
             </a:lvl6pPr>
-            <a:lvl7pPr indent="-298450" lvl="6" marL="3200400">
+            <a:lvl7pPr marL="3200400" lvl="6" indent="-298450">
               <a:spcBef>
                 <a:spcPts val="0"/>
               </a:spcBef>
@@ -7583,7 +7549,7 @@
               <a:buChar char="●"/>
               <a:defRPr/>
             </a:lvl7pPr>
-            <a:lvl8pPr indent="-298450" lvl="7" marL="3657600">
+            <a:lvl8pPr marL="3657600" lvl="7" indent="-298450">
               <a:spcBef>
                 <a:spcPts val="0"/>
               </a:spcBef>
@@ -7594,7 +7560,7 @@
               <a:buChar char="○"/>
               <a:defRPr/>
             </a:lvl8pPr>
-            <a:lvl9pPr indent="-298450" lvl="8" marL="4114800">
+            <a:lvl9pPr marL="4114800" lvl="8" indent="-298450">
               <a:spcBef>
                 <a:spcPts val="0"/>
               </a:spcBef>
@@ -7606,15 +7572,19 @@
               <a:defRPr/>
             </a:lvl9pPr>
           </a:lstStyle>
-          <a:p/>
+          <a:p>
+            <a:endParaRPr/>
+          </a:p>
         </p:txBody>
       </p:sp>
       <p:sp>
         <p:nvSpPr>
           <p:cNvPr id="102" name="Google Shape;102;p9"/>
-          <p:cNvSpPr txBox="1"/>
+          <p:cNvSpPr txBox="1">
+            <a:spLocks noGrp="1"/>
+          </p:cNvSpPr>
           <p:nvPr>
-            <p:ph idx="12" type="sldNum"/>
+            <p:ph type="sldNum" idx="12"/>
           </p:nvPr>
         </p:nvSpPr>
         <p:spPr>
@@ -7627,7 +7597,7 @@
           </a:prstGeom>
         </p:spPr>
         <p:txBody>
-          <a:bodyPr anchorCtr="0" anchor="ctr" bIns="91425" lIns="91425" spcFirstLastPara="1" rIns="91425" wrap="square" tIns="91425">
+          <a:bodyPr spcFirstLastPara="1" wrap="square" lIns="91425" tIns="91425" rIns="91425" bIns="91425" anchor="ctr" anchorCtr="0">
             <a:normAutofit/>
           </a:bodyPr>
           <a:lstStyle>
@@ -7669,7 +7639,7 @@
             </a:lvl9pPr>
           </a:lstStyle>
           <a:p>
-            <a:pPr indent="0" lvl="0" marL="0" rtl="0" algn="r">
+            <a:pPr marL="0" lvl="0" indent="0" algn="r" rtl="0">
               <a:spcBef>
                 <a:spcPts val="0"/>
               </a:spcBef>
@@ -7695,18 +7665,19 @@
 </file>
 
 <file path=ppt/slideLayouts/slideLayout9.xml><?xml version="1.0" encoding="utf-8"?>
-<p:sldLayout xmlns:a="http://schemas.openxmlformats.org/drawingml/2006/main" xmlns:r="http://schemas.openxmlformats.org/officeDocument/2006/relationships" xmlns:mc="http://schemas.openxmlformats.org/markup-compatibility/2006" xmlns:mv="urn:schemas-microsoft-com:mac:vml" xmlns:p="http://schemas.openxmlformats.org/presentationml/2006/main" xmlns:c="http://schemas.openxmlformats.org/drawingml/2006/chart" xmlns:dgm="http://schemas.openxmlformats.org/drawingml/2006/diagram" xmlns:o="urn:schemas-microsoft-com:office:office" xmlns:v="urn:schemas-microsoft-com:vml" xmlns:pvml="urn:schemas-microsoft-com:office:powerpoint" xmlns:com="http://schemas.openxmlformats.org/drawingml/2006/compatibility" xmlns:p14="http://schemas.microsoft.com/office/powerpoint/2010/main" xmlns:p15="http://schemas.microsoft.com/office/powerpoint/2012/main" xmlns:ahyp="http://schemas.microsoft.com/office/drawing/2018/hyperlinkcolor" matchingName="Caption">
+<p:sldLayout xmlns:a="http://schemas.openxmlformats.org/drawingml/2006/main" xmlns:r="http://schemas.openxmlformats.org/officeDocument/2006/relationships" xmlns:p="http://schemas.openxmlformats.org/presentationml/2006/main" matchingName="Caption">
   <p:cSld name="CAPTION_ONLY">
     <p:bg>
       <p:bgPr>
         <a:solidFill>
           <a:schemeClr val="accent1"/>
         </a:solidFill>
+        <a:effectLst/>
       </p:bgPr>
     </p:bg>
     <p:spTree>
       <p:nvGrpSpPr>
-        <p:cNvPr id="103" name="Shape 103"/>
+        <p:cNvPr id="1" name="Shape 103"/>
         <p:cNvGrpSpPr/>
         <p:nvPr/>
       </p:nvGrpSpPr>
@@ -7740,12 +7711,12 @@
           </a:ln>
         </p:spPr>
         <p:txBody>
-          <a:bodyPr anchorCtr="0" anchor="ctr" bIns="91425" lIns="91425" spcFirstLastPara="1" rIns="91425" wrap="square" tIns="91425">
+          <a:bodyPr spcFirstLastPara="1" wrap="square" lIns="91425" tIns="91425" rIns="91425" bIns="91425" anchor="ctr" anchorCtr="0">
             <a:noAutofit/>
           </a:bodyPr>
           <a:lstStyle/>
           <a:p>
-            <a:pPr indent="0" lvl="0" marL="0" rtl="0" algn="l">
+            <a:pPr marL="0" lvl="0" indent="0" algn="l" rtl="0">
               <a:spcBef>
                 <a:spcPts val="0"/>
               </a:spcBef>
@@ -7754,9 +7725,6 @@
               </a:spcAft>
               <a:buNone/>
             </a:pPr>
-            <a:r>
-              <a:t/>
-            </a:r>
             <a:endParaRPr/>
           </a:p>
         </p:txBody>
@@ -7783,12 +7751,12 @@
           </a:ln>
         </p:spPr>
         <p:txBody>
-          <a:bodyPr anchorCtr="0" anchor="ctr" bIns="91425" lIns="91425" spcFirstLastPara="1" rIns="91425" wrap="square" tIns="91425">
+          <a:bodyPr spcFirstLastPara="1" wrap="square" lIns="91425" tIns="91425" rIns="91425" bIns="91425" anchor="ctr" anchorCtr="0">
             <a:noAutofit/>
           </a:bodyPr>
           <a:lstStyle/>
           <a:p>
-            <a:pPr indent="0" lvl="0" marL="0" rtl="0" algn="l">
+            <a:pPr marL="0" lvl="0" indent="0" algn="l" rtl="0">
               <a:spcBef>
                 <a:spcPts val="0"/>
               </a:spcBef>
@@ -7797,9 +7765,6 @@
               </a:spcAft>
               <a:buNone/>
             </a:pPr>
-            <a:r>
-              <a:t/>
-            </a:r>
             <a:endParaRPr/>
           </a:p>
         </p:txBody>
@@ -7825,7 +7790,7 @@
             <a:noFill/>
           </a:ln>
           <a:effectLst>
-            <a:outerShdw blurRad="228600" sx="101000" rotWithShape="0" algn="ctr" sy="101000">
+            <a:outerShdw blurRad="228600" sx="101000" sy="101000" algn="ctr" rotWithShape="0">
               <a:srgbClr val="000000">
                 <a:alpha val="40000"/>
               </a:srgbClr>
@@ -7833,12 +7798,12 @@
           </a:effectLst>
         </p:spPr>
         <p:txBody>
-          <a:bodyPr anchorCtr="0" anchor="ctr" bIns="91425" lIns="91425" spcFirstLastPara="1" rIns="91425" wrap="square" tIns="91425">
+          <a:bodyPr spcFirstLastPara="1" wrap="square" lIns="91425" tIns="91425" rIns="91425" bIns="91425" anchor="ctr" anchorCtr="0">
             <a:noAutofit/>
           </a:bodyPr>
           <a:lstStyle/>
           <a:p>
-            <a:pPr indent="0" lvl="0" marL="0" rtl="0" algn="l">
+            <a:pPr marL="0" lvl="0" indent="0" algn="l" rtl="0">
               <a:spcBef>
                 <a:spcPts val="0"/>
               </a:spcBef>
@@ -7847,9 +7812,6 @@
               </a:spcAft>
               <a:buNone/>
             </a:pPr>
-            <a:r>
-              <a:t/>
-            </a:r>
             <a:endParaRPr/>
           </a:p>
         </p:txBody>
@@ -7857,9 +7819,11 @@
       <p:sp>
         <p:nvSpPr>
           <p:cNvPr id="107" name="Google Shape;107;p10"/>
-          <p:cNvSpPr txBox="1"/>
+          <p:cNvSpPr txBox="1">
+            <a:spLocks noGrp="1"/>
+          </p:cNvSpPr>
           <p:nvPr>
-            <p:ph idx="1" type="body"/>
+            <p:ph type="body" idx="1"/>
           </p:nvPr>
         </p:nvSpPr>
         <p:spPr>
@@ -7872,11 +7836,11 @@
           </a:prstGeom>
         </p:spPr>
         <p:txBody>
-          <a:bodyPr anchorCtr="0" anchor="b" bIns="91425" lIns="91425" spcFirstLastPara="1" rIns="91425" wrap="square" tIns="91425">
+          <a:bodyPr spcFirstLastPara="1" wrap="square" lIns="91425" tIns="91425" rIns="91425" bIns="91425" anchor="b" anchorCtr="0">
             <a:normAutofit/>
           </a:bodyPr>
           <a:lstStyle>
-            <a:lvl1pPr indent="-228600" lvl="0" marL="457200">
+            <a:lvl1pPr marL="457200" lvl="0" indent="-228600">
               <a:lnSpc>
                 <a:spcPct val="100000"/>
               </a:lnSpc>
@@ -7891,15 +7855,19 @@
               <a:defRPr/>
             </a:lvl1pPr>
           </a:lstStyle>
-          <a:p/>
+          <a:p>
+            <a:endParaRPr/>
+          </a:p>
         </p:txBody>
       </p:sp>
       <p:sp>
         <p:nvSpPr>
           <p:cNvPr id="108" name="Google Shape;108;p10"/>
-          <p:cNvSpPr txBox="1"/>
+          <p:cNvSpPr txBox="1">
+            <a:spLocks noGrp="1"/>
+          </p:cNvSpPr>
           <p:nvPr>
-            <p:ph idx="12" type="sldNum"/>
+            <p:ph type="sldNum" idx="12"/>
           </p:nvPr>
         </p:nvSpPr>
         <p:spPr>
@@ -7912,7 +7880,7 @@
           </a:prstGeom>
         </p:spPr>
         <p:txBody>
-          <a:bodyPr anchorCtr="0" anchor="ctr" bIns="91425" lIns="91425" spcFirstLastPara="1" rIns="91425" wrap="square" tIns="91425">
+          <a:bodyPr spcFirstLastPara="1" wrap="square" lIns="91425" tIns="91425" rIns="91425" bIns="91425" anchor="ctr" anchorCtr="0">
             <a:normAutofit/>
           </a:bodyPr>
           <a:lstStyle>
@@ -7954,7 +7922,7 @@
             </a:lvl9pPr>
           </a:lstStyle>
           <a:p>
-            <a:pPr indent="0" lvl="0" marL="0" rtl="0" algn="r">
+            <a:pPr marL="0" lvl="0" indent="0" algn="r" rtl="0">
               <a:spcBef>
                 <a:spcPts val="0"/>
               </a:spcBef>
@@ -7980,18 +7948,19 @@
 </file>
 
 <file path=ppt/slideMasters/slideMaster1.xml><?xml version="1.0" encoding="utf-8"?>
-<p:sldMaster xmlns:a="http://schemas.openxmlformats.org/drawingml/2006/main" xmlns:r="http://schemas.openxmlformats.org/officeDocument/2006/relationships" xmlns:mc="http://schemas.openxmlformats.org/markup-compatibility/2006" xmlns:mv="urn:schemas-microsoft-com:mac:vml" xmlns:p="http://schemas.openxmlformats.org/presentationml/2006/main" xmlns:c="http://schemas.openxmlformats.org/drawingml/2006/chart" xmlns:dgm="http://schemas.openxmlformats.org/drawingml/2006/diagram" xmlns:o="urn:schemas-microsoft-com:office:office" xmlns:v="urn:schemas-microsoft-com:vml" xmlns:pvml="urn:schemas-microsoft-com:office:powerpoint" xmlns:com="http://schemas.openxmlformats.org/drawingml/2006/compatibility" xmlns:p14="http://schemas.microsoft.com/office/powerpoint/2010/main" xmlns:p15="http://schemas.microsoft.com/office/powerpoint/2012/main" xmlns:ahyp="http://schemas.microsoft.com/office/drawing/2018/hyperlinkcolor">
+<p:sldMaster xmlns:a="http://schemas.openxmlformats.org/drawingml/2006/main" xmlns:r="http://schemas.openxmlformats.org/officeDocument/2006/relationships" xmlns:p="http://schemas.openxmlformats.org/presentationml/2006/main">
   <p:cSld name="shift">
     <p:bg>
       <p:bgPr>
         <a:solidFill>
           <a:schemeClr val="dk1"/>
         </a:solidFill>
+        <a:effectLst/>
       </p:bgPr>
     </p:bg>
     <p:spTree>
       <p:nvGrpSpPr>
-        <p:cNvPr id="5" name="Shape 5"/>
+        <p:cNvPr id="1" name="Shape 5"/>
         <p:cNvGrpSpPr/>
         <p:nvPr/>
       </p:nvGrpSpPr>
@@ -8006,7 +7975,9 @@
       <p:sp>
         <p:nvSpPr>
           <p:cNvPr id="6" name="Google Shape;6;p1"/>
-          <p:cNvSpPr txBox="1"/>
+          <p:cNvSpPr txBox="1">
+            <a:spLocks noGrp="1"/>
+          </p:cNvSpPr>
           <p:nvPr>
             <p:ph type="title"/>
           </p:nvPr>
@@ -8025,7 +7996,7 @@
           </a:ln>
         </p:spPr>
         <p:txBody>
-          <a:bodyPr anchorCtr="0" anchor="t" bIns="91425" lIns="91425" spcFirstLastPara="1" rIns="91425" wrap="square" tIns="91425">
+          <a:bodyPr spcFirstLastPara="1" wrap="square" lIns="91425" tIns="91425" rIns="91425" bIns="91425" anchor="t" anchorCtr="0">
             <a:normAutofit/>
           </a:bodyPr>
           <a:lstStyle>
@@ -8237,15 +8208,19 @@
               </a:defRPr>
             </a:lvl9pPr>
           </a:lstStyle>
-          <a:p/>
+          <a:p>
+            <a:endParaRPr/>
+          </a:p>
         </p:txBody>
       </p:sp>
       <p:sp>
         <p:nvSpPr>
           <p:cNvPr id="7" name="Google Shape;7;p1"/>
-          <p:cNvSpPr txBox="1"/>
+          <p:cNvSpPr txBox="1">
+            <a:spLocks noGrp="1"/>
+          </p:cNvSpPr>
           <p:nvPr>
-            <p:ph idx="1" type="body"/>
+            <p:ph type="body" idx="1"/>
           </p:nvPr>
         </p:nvSpPr>
         <p:spPr>
@@ -8262,11 +8237,11 @@
           </a:ln>
         </p:spPr>
         <p:txBody>
-          <a:bodyPr anchorCtr="0" anchor="t" bIns="91425" lIns="91425" spcFirstLastPara="1" rIns="91425" wrap="square" tIns="91425">
+          <a:bodyPr spcFirstLastPara="1" wrap="square" lIns="91425" tIns="91425" rIns="91425" bIns="91425" anchor="t" anchorCtr="0">
             <a:normAutofit/>
           </a:bodyPr>
           <a:lstStyle>
-            <a:lvl1pPr indent="-311150" lvl="0" marL="457200">
+            <a:lvl1pPr marL="457200" lvl="0" indent="-311150">
               <a:lnSpc>
                 <a:spcPct val="115000"/>
               </a:lnSpc>
@@ -8292,7 +8267,7 @@
                 <a:sym typeface="Calibri"/>
               </a:defRPr>
             </a:lvl1pPr>
-            <a:lvl2pPr indent="-298450" lvl="1" marL="914400">
+            <a:lvl2pPr marL="914400" lvl="1" indent="-298450">
               <a:lnSpc>
                 <a:spcPct val="115000"/>
               </a:lnSpc>
@@ -8318,7 +8293,7 @@
                 <a:sym typeface="Calibri"/>
               </a:defRPr>
             </a:lvl2pPr>
-            <a:lvl3pPr indent="-298450" lvl="2" marL="1371600">
+            <a:lvl3pPr marL="1371600" lvl="2" indent="-298450">
               <a:lnSpc>
                 <a:spcPct val="115000"/>
               </a:lnSpc>
@@ -8344,7 +8319,7 @@
                 <a:sym typeface="Calibri"/>
               </a:defRPr>
             </a:lvl3pPr>
-            <a:lvl4pPr indent="-298450" lvl="3" marL="1828800">
+            <a:lvl4pPr marL="1828800" lvl="3" indent="-298450">
               <a:lnSpc>
                 <a:spcPct val="115000"/>
               </a:lnSpc>
@@ -8370,7 +8345,7 @@
                 <a:sym typeface="Calibri"/>
               </a:defRPr>
             </a:lvl4pPr>
-            <a:lvl5pPr indent="-298450" lvl="4" marL="2286000">
+            <a:lvl5pPr marL="2286000" lvl="4" indent="-298450">
               <a:lnSpc>
                 <a:spcPct val="115000"/>
               </a:lnSpc>
@@ -8396,7 +8371,7 @@
                 <a:sym typeface="Calibri"/>
               </a:defRPr>
             </a:lvl5pPr>
-            <a:lvl6pPr indent="-298450" lvl="5" marL="2743200">
+            <a:lvl6pPr marL="2743200" lvl="5" indent="-298450">
               <a:lnSpc>
                 <a:spcPct val="115000"/>
               </a:lnSpc>
@@ -8422,7 +8397,7 @@
                 <a:sym typeface="Calibri"/>
               </a:defRPr>
             </a:lvl6pPr>
-            <a:lvl7pPr indent="-298450" lvl="6" marL="3200400">
+            <a:lvl7pPr marL="3200400" lvl="6" indent="-298450">
               <a:lnSpc>
                 <a:spcPct val="115000"/>
               </a:lnSpc>
@@ -8448,7 +8423,7 @@
                 <a:sym typeface="Calibri"/>
               </a:defRPr>
             </a:lvl7pPr>
-            <a:lvl8pPr indent="-298450" lvl="7" marL="3657600">
+            <a:lvl8pPr marL="3657600" lvl="7" indent="-298450">
               <a:lnSpc>
                 <a:spcPct val="115000"/>
               </a:lnSpc>
@@ -8474,7 +8449,7 @@
                 <a:sym typeface="Calibri"/>
               </a:defRPr>
             </a:lvl8pPr>
-            <a:lvl9pPr indent="-298450" lvl="8" marL="4114800">
+            <a:lvl9pPr marL="4114800" lvl="8" indent="-298450">
               <a:lnSpc>
                 <a:spcPct val="115000"/>
               </a:lnSpc>
@@ -8501,15 +8476,19 @@
               </a:defRPr>
             </a:lvl9pPr>
           </a:lstStyle>
-          <a:p/>
+          <a:p>
+            <a:endParaRPr/>
+          </a:p>
         </p:txBody>
       </p:sp>
       <p:sp>
         <p:nvSpPr>
           <p:cNvPr id="8" name="Google Shape;8;p1"/>
-          <p:cNvSpPr txBox="1"/>
+          <p:cNvSpPr txBox="1">
+            <a:spLocks noGrp="1"/>
+          </p:cNvSpPr>
           <p:nvPr>
-            <p:ph idx="12" type="sldNum"/>
+            <p:ph type="sldNum" idx="12"/>
           </p:nvPr>
         </p:nvSpPr>
         <p:spPr>
@@ -8526,7 +8505,7 @@
           </a:ln>
         </p:spPr>
         <p:txBody>
-          <a:bodyPr anchorCtr="0" anchor="ctr" bIns="91425" lIns="91425" spcFirstLastPara="1" rIns="91425" wrap="square" tIns="91425">
+          <a:bodyPr spcFirstLastPara="1" wrap="square" lIns="91425" tIns="91425" rIns="91425" bIns="91425" anchor="ctr" anchorCtr="0">
             <a:normAutofit/>
           </a:bodyPr>
           <a:lstStyle>
@@ -8640,7 +8619,7 @@
             </a:lvl9pPr>
           </a:lstStyle>
           <a:p>
-            <a:pPr indent="0" lvl="0" marL="0" rtl="0" algn="r">
+            <a:pPr marL="0" lvl="0" indent="0" algn="r" rtl="0">
               <a:spcBef>
                 <a:spcPts val="0"/>
               </a:spcBef>
@@ -8659,7 +8638,7 @@
       </p:sp>
     </p:spTree>
   </p:cSld>
-  <p:clrMap accent1="accent1" accent2="accent2" accent3="accent3" accent4="accent4" accent5="accent5" accent6="accent6" bg1="lt1" bg2="dk2" tx1="dk1" tx2="lt2" folHlink="folHlink" hlink="hlink"/>
+  <p:clrMap bg1="lt1" tx1="dk1" bg2="dk2" tx2="lt2" accent1="accent1" accent2="accent2" accent3="accent3" accent4="accent4" accent5="accent5" accent6="accent6" hlink="hlink" folHlink="folHlink"/>
   <p:sldLayoutIdLst>
     <p:sldLayoutId id="2147483648" r:id="rId1"/>
     <p:sldLayoutId id="2147483649" r:id="rId2"/>
@@ -8673,10 +8652,10 @@
     <p:sldLayoutId id="2147483657" r:id="rId10"/>
     <p:sldLayoutId id="2147483658" r:id="rId11"/>
   </p:sldLayoutIdLst>
-  <p:hf dt="0" ftr="0" hdr="0" sldNum="0"/>
+  <p:hf sldNum="0" hdr="0" ftr="0" dt="0"/>
   <p:txStyles>
     <p:titleStyle>
-      <a:defPPr lvl="0" marR="0" rtl="0" algn="l">
+      <a:defPPr marR="0" lvl="0" algn="l" rtl="0">
         <a:lnSpc>
           <a:spcPct val="100000"/>
         </a:lnSpc>
@@ -8687,7 +8666,7 @@
           <a:spcPts val="0"/>
         </a:spcAft>
       </a:defPPr>
-      <a:lvl1pPr lvl="0" marR="0" rtl="0" algn="l">
+      <a:lvl1pPr marR="0" lvl="0" algn="l" rtl="0">
         <a:lnSpc>
           <a:spcPct val="100000"/>
         </a:lnSpc>
@@ -8701,7 +8680,7 @@
           <a:srgbClr val="000000"/>
         </a:buClr>
         <a:buFont typeface="Arial"/>
-        <a:defRPr b="0" i="0" sz="1400" u="none" cap="none" strike="noStrike">
+        <a:defRPr sz="1400" b="0" i="0" u="none" strike="noStrike" cap="none">
           <a:solidFill>
             <a:srgbClr val="000000"/>
           </a:solidFill>
@@ -8711,7 +8690,7 @@
           <a:sym typeface="Arial"/>
         </a:defRPr>
       </a:lvl1pPr>
-      <a:lvl2pPr lvl="1" marR="0" rtl="0" algn="l">
+      <a:lvl2pPr marR="0" lvl="1" algn="l" rtl="0">
         <a:lnSpc>
           <a:spcPct val="100000"/>
         </a:lnSpc>
@@ -8725,7 +8704,7 @@
           <a:srgbClr val="000000"/>
         </a:buClr>
         <a:buFont typeface="Arial"/>
-        <a:defRPr b="0" i="0" sz="1400" u="none" cap="none" strike="noStrike">
+        <a:defRPr sz="1400" b="0" i="0" u="none" strike="noStrike" cap="none">
           <a:solidFill>
             <a:srgbClr val="000000"/>
           </a:solidFill>
@@ -8735,7 +8714,7 @@
           <a:sym typeface="Arial"/>
         </a:defRPr>
       </a:lvl2pPr>
-      <a:lvl3pPr lvl="2" marR="0" rtl="0" algn="l">
+      <a:lvl3pPr marR="0" lvl="2" algn="l" rtl="0">
         <a:lnSpc>
           <a:spcPct val="100000"/>
         </a:lnSpc>
@@ -8749,7 +8728,7 @@
           <a:srgbClr val="000000"/>
         </a:buClr>
         <a:buFont typeface="Arial"/>
-        <a:defRPr b="0" i="0" sz="1400" u="none" cap="none" strike="noStrike">
+        <a:defRPr sz="1400" b="0" i="0" u="none" strike="noStrike" cap="none">
           <a:solidFill>
             <a:srgbClr val="000000"/>
           </a:solidFill>
@@ -8759,7 +8738,7 @@
           <a:sym typeface="Arial"/>
         </a:defRPr>
       </a:lvl3pPr>
-      <a:lvl4pPr lvl="3" marR="0" rtl="0" algn="l">
+      <a:lvl4pPr marR="0" lvl="3" algn="l" rtl="0">
         <a:lnSpc>
           <a:spcPct val="100000"/>
         </a:lnSpc>
@@ -8773,7 +8752,7 @@
           <a:srgbClr val="000000"/>
         </a:buClr>
         <a:buFont typeface="Arial"/>
-        <a:defRPr b="0" i="0" sz="1400" u="none" cap="none" strike="noStrike">
+        <a:defRPr sz="1400" b="0" i="0" u="none" strike="noStrike" cap="none">
           <a:solidFill>
             <a:srgbClr val="000000"/>
           </a:solidFill>
@@ -8783,7 +8762,7 @@
           <a:sym typeface="Arial"/>
         </a:defRPr>
       </a:lvl4pPr>
-      <a:lvl5pPr lvl="4" marR="0" rtl="0" algn="l">
+      <a:lvl5pPr marR="0" lvl="4" algn="l" rtl="0">
         <a:lnSpc>
           <a:spcPct val="100000"/>
         </a:lnSpc>
@@ -8797,7 +8776,7 @@
           <a:srgbClr val="000000"/>
         </a:buClr>
         <a:buFont typeface="Arial"/>
-        <a:defRPr b="0" i="0" sz="1400" u="none" cap="none" strike="noStrike">
+        <a:defRPr sz="1400" b="0" i="0" u="none" strike="noStrike" cap="none">
           <a:solidFill>
             <a:srgbClr val="000000"/>
           </a:solidFill>
@@ -8807,7 +8786,7 @@
           <a:sym typeface="Arial"/>
         </a:defRPr>
       </a:lvl5pPr>
-      <a:lvl6pPr lvl="5" marR="0" rtl="0" algn="l">
+      <a:lvl6pPr marR="0" lvl="5" algn="l" rtl="0">
         <a:lnSpc>
           <a:spcPct val="100000"/>
         </a:lnSpc>
@@ -8821,7 +8800,7 @@
           <a:srgbClr val="000000"/>
         </a:buClr>
         <a:buFont typeface="Arial"/>
-        <a:defRPr b="0" i="0" sz="1400" u="none" cap="none" strike="noStrike">
+        <a:defRPr sz="1400" b="0" i="0" u="none" strike="noStrike" cap="none">
           <a:solidFill>
             <a:srgbClr val="000000"/>
           </a:solidFill>
@@ -8831,7 +8810,7 @@
           <a:sym typeface="Arial"/>
         </a:defRPr>
       </a:lvl6pPr>
-      <a:lvl7pPr lvl="6" marR="0" rtl="0" algn="l">
+      <a:lvl7pPr marR="0" lvl="6" algn="l" rtl="0">
         <a:lnSpc>
           <a:spcPct val="100000"/>
         </a:lnSpc>
@@ -8845,7 +8824,7 @@
           <a:srgbClr val="000000"/>
         </a:buClr>
         <a:buFont typeface="Arial"/>
-        <a:defRPr b="0" i="0" sz="1400" u="none" cap="none" strike="noStrike">
+        <a:defRPr sz="1400" b="0" i="0" u="none" strike="noStrike" cap="none">
           <a:solidFill>
             <a:srgbClr val="000000"/>
           </a:solidFill>
@@ -8855,7 +8834,7 @@
           <a:sym typeface="Arial"/>
         </a:defRPr>
       </a:lvl7pPr>
-      <a:lvl8pPr lvl="7" marR="0" rtl="0" algn="l">
+      <a:lvl8pPr marR="0" lvl="7" algn="l" rtl="0">
         <a:lnSpc>
           <a:spcPct val="100000"/>
         </a:lnSpc>
@@ -8869,7 +8848,7 @@
           <a:srgbClr val="000000"/>
         </a:buClr>
         <a:buFont typeface="Arial"/>
-        <a:defRPr b="0" i="0" sz="1400" u="none" cap="none" strike="noStrike">
+        <a:defRPr sz="1400" b="0" i="0" u="none" strike="noStrike" cap="none">
           <a:solidFill>
             <a:srgbClr val="000000"/>
           </a:solidFill>
@@ -8879,7 +8858,7 @@
           <a:sym typeface="Arial"/>
         </a:defRPr>
       </a:lvl8pPr>
-      <a:lvl9pPr lvl="8" marR="0" rtl="0" algn="l">
+      <a:lvl9pPr marR="0" lvl="8" algn="l" rtl="0">
         <a:lnSpc>
           <a:spcPct val="100000"/>
         </a:lnSpc>
@@ -8893,7 +8872,7 @@
           <a:srgbClr val="000000"/>
         </a:buClr>
         <a:buFont typeface="Arial"/>
-        <a:defRPr b="0" i="0" sz="1400" u="none" cap="none" strike="noStrike">
+        <a:defRPr sz="1400" b="0" i="0" u="none" strike="noStrike" cap="none">
           <a:solidFill>
             <a:srgbClr val="000000"/>
           </a:solidFill>
@@ -8905,7 +8884,7 @@
       </a:lvl9pPr>
     </p:titleStyle>
     <p:bodyStyle>
-      <a:defPPr lvl="0" marR="0" rtl="0" algn="l">
+      <a:defPPr marR="0" lvl="0" algn="l" rtl="0">
         <a:lnSpc>
           <a:spcPct val="100000"/>
         </a:lnSpc>
@@ -8916,7 +8895,7 @@
           <a:spcPts val="0"/>
         </a:spcAft>
       </a:defPPr>
-      <a:lvl1pPr lvl="0" marR="0" rtl="0" algn="l">
+      <a:lvl1pPr marR="0" lvl="0" algn="l" rtl="0">
         <a:lnSpc>
           <a:spcPct val="100000"/>
         </a:lnSpc>
@@ -8930,7 +8909,7 @@
           <a:srgbClr val="000000"/>
         </a:buClr>
         <a:buFont typeface="Arial"/>
-        <a:defRPr b="0" i="0" sz="1400" u="none" cap="none" strike="noStrike">
+        <a:defRPr sz="1400" b="0" i="0" u="none" strike="noStrike" cap="none">
           <a:solidFill>
             <a:srgbClr val="000000"/>
           </a:solidFill>
@@ -8940,7 +8919,7 @@
           <a:sym typeface="Arial"/>
         </a:defRPr>
       </a:lvl1pPr>
-      <a:lvl2pPr lvl="1" marR="0" rtl="0" algn="l">
+      <a:lvl2pPr marR="0" lvl="1" algn="l" rtl="0">
         <a:lnSpc>
           <a:spcPct val="100000"/>
         </a:lnSpc>
@@ -8954,7 +8933,7 @@
           <a:srgbClr val="000000"/>
         </a:buClr>
         <a:buFont typeface="Arial"/>
-        <a:defRPr b="0" i="0" sz="1400" u="none" cap="none" strike="noStrike">
+        <a:defRPr sz="1400" b="0" i="0" u="none" strike="noStrike" cap="none">
           <a:solidFill>
             <a:srgbClr val="000000"/>
           </a:solidFill>
@@ -8964,7 +8943,7 @@
           <a:sym typeface="Arial"/>
         </a:defRPr>
       </a:lvl2pPr>
-      <a:lvl3pPr lvl="2" marR="0" rtl="0" algn="l">
+      <a:lvl3pPr marR="0" lvl="2" algn="l" rtl="0">
         <a:lnSpc>
           <a:spcPct val="100000"/>
         </a:lnSpc>
@@ -8978,7 +8957,7 @@
           <a:srgbClr val="000000"/>
         </a:buClr>
         <a:buFont typeface="Arial"/>
-        <a:defRPr b="0" i="0" sz="1400" u="none" cap="none" strike="noStrike">
+        <a:defRPr sz="1400" b="0" i="0" u="none" strike="noStrike" cap="none">
           <a:solidFill>
             <a:srgbClr val="000000"/>
           </a:solidFill>
@@ -8988,7 +8967,7 @@
           <a:sym typeface="Arial"/>
         </a:defRPr>
       </a:lvl3pPr>
-      <a:lvl4pPr lvl="3" marR="0" rtl="0" algn="l">
+      <a:lvl4pPr marR="0" lvl="3" algn="l" rtl="0">
         <a:lnSpc>
           <a:spcPct val="100000"/>
         </a:lnSpc>
@@ -9002,7 +8981,7 @@
           <a:srgbClr val="000000"/>
         </a:buClr>
         <a:buFont typeface="Arial"/>
-        <a:defRPr b="0" i="0" sz="1400" u="none" cap="none" strike="noStrike">
+        <a:defRPr sz="1400" b="0" i="0" u="none" strike="noStrike" cap="none">
           <a:solidFill>
             <a:srgbClr val="000000"/>
           </a:solidFill>
@@ -9012,7 +8991,7 @@
           <a:sym typeface="Arial"/>
         </a:defRPr>
       </a:lvl4pPr>
-      <a:lvl5pPr lvl="4" marR="0" rtl="0" algn="l">
+      <a:lvl5pPr marR="0" lvl="4" algn="l" rtl="0">
         <a:lnSpc>
           <a:spcPct val="100000"/>
         </a:lnSpc>
@@ -9026,7 +9005,7 @@
           <a:srgbClr val="000000"/>
         </a:buClr>
         <a:buFont typeface="Arial"/>
-        <a:defRPr b="0" i="0" sz="1400" u="none" cap="none" strike="noStrike">
+        <a:defRPr sz="1400" b="0" i="0" u="none" strike="noStrike" cap="none">
           <a:solidFill>
             <a:srgbClr val="000000"/>
           </a:solidFill>
@@ -9036,7 +9015,7 @@
           <a:sym typeface="Arial"/>
         </a:defRPr>
       </a:lvl5pPr>
-      <a:lvl6pPr lvl="5" marR="0" rtl="0" algn="l">
+      <a:lvl6pPr marR="0" lvl="5" algn="l" rtl="0">
         <a:lnSpc>
           <a:spcPct val="100000"/>
         </a:lnSpc>
@@ -9050,7 +9029,7 @@
           <a:srgbClr val="000000"/>
         </a:buClr>
         <a:buFont typeface="Arial"/>
-        <a:defRPr b="0" i="0" sz="1400" u="none" cap="none" strike="noStrike">
+        <a:defRPr sz="1400" b="0" i="0" u="none" strike="noStrike" cap="none">
           <a:solidFill>
             <a:srgbClr val="000000"/>
           </a:solidFill>
@@ -9060,7 +9039,7 @@
           <a:sym typeface="Arial"/>
         </a:defRPr>
       </a:lvl6pPr>
-      <a:lvl7pPr lvl="6" marR="0" rtl="0" algn="l">
+      <a:lvl7pPr marR="0" lvl="6" algn="l" rtl="0">
         <a:lnSpc>
           <a:spcPct val="100000"/>
         </a:lnSpc>
@@ -9074,7 +9053,7 @@
           <a:srgbClr val="000000"/>
         </a:buClr>
         <a:buFont typeface="Arial"/>
-        <a:defRPr b="0" i="0" sz="1400" u="none" cap="none" strike="noStrike">
+        <a:defRPr sz="1400" b="0" i="0" u="none" strike="noStrike" cap="none">
           <a:solidFill>
             <a:srgbClr val="000000"/>
           </a:solidFill>
@@ -9084,7 +9063,7 @@
           <a:sym typeface="Arial"/>
         </a:defRPr>
       </a:lvl7pPr>
-      <a:lvl8pPr lvl="7" marR="0" rtl="0" algn="l">
+      <a:lvl8pPr marR="0" lvl="7" algn="l" rtl="0">
         <a:lnSpc>
           <a:spcPct val="100000"/>
         </a:lnSpc>
@@ -9098,7 +9077,7 @@
           <a:srgbClr val="000000"/>
         </a:buClr>
         <a:buFont typeface="Arial"/>
-        <a:defRPr b="0" i="0" sz="1400" u="none" cap="none" strike="noStrike">
+        <a:defRPr sz="1400" b="0" i="0" u="none" strike="noStrike" cap="none">
           <a:solidFill>
             <a:srgbClr val="000000"/>
           </a:solidFill>
@@ -9108,7 +9087,7 @@
           <a:sym typeface="Arial"/>
         </a:defRPr>
       </a:lvl8pPr>
-      <a:lvl9pPr lvl="8" marR="0" rtl="0" algn="l">
+      <a:lvl9pPr marR="0" lvl="8" algn="l" rtl="0">
         <a:lnSpc>
           <a:spcPct val="100000"/>
         </a:lnSpc>
@@ -9122,7 +9101,7 @@
           <a:srgbClr val="000000"/>
         </a:buClr>
         <a:buFont typeface="Arial"/>
-        <a:defRPr b="0" i="0" sz="1400" u="none" cap="none" strike="noStrike">
+        <a:defRPr sz="1400" b="0" i="0" u="none" strike="noStrike" cap="none">
           <a:solidFill>
             <a:srgbClr val="000000"/>
           </a:solidFill>
@@ -9134,7 +9113,7 @@
       </a:lvl9pPr>
     </p:bodyStyle>
     <p:otherStyle>
-      <a:defPPr lvl="0" marR="0" rtl="0" algn="l">
+      <a:defPPr marR="0" lvl="0" algn="l" rtl="0">
         <a:lnSpc>
           <a:spcPct val="100000"/>
         </a:lnSpc>
@@ -9145,7 +9124,7 @@
           <a:spcPts val="0"/>
         </a:spcAft>
       </a:defPPr>
-      <a:lvl1pPr lvl="0" marR="0" rtl="0" algn="l">
+      <a:lvl1pPr marR="0" lvl="0" algn="l" rtl="0">
         <a:lnSpc>
           <a:spcPct val="100000"/>
         </a:lnSpc>
@@ -9159,7 +9138,7 @@
           <a:srgbClr val="000000"/>
         </a:buClr>
         <a:buFont typeface="Arial"/>
-        <a:defRPr b="0" i="0" sz="1400" u="none" cap="none" strike="noStrike">
+        <a:defRPr sz="1400" b="0" i="0" u="none" strike="noStrike" cap="none">
           <a:solidFill>
             <a:srgbClr val="000000"/>
           </a:solidFill>
@@ -9169,7 +9148,7 @@
           <a:sym typeface="Arial"/>
         </a:defRPr>
       </a:lvl1pPr>
-      <a:lvl2pPr lvl="1" marR="0" rtl="0" algn="l">
+      <a:lvl2pPr marR="0" lvl="1" algn="l" rtl="0">
         <a:lnSpc>
           <a:spcPct val="100000"/>
         </a:lnSpc>
@@ -9183,7 +9162,7 @@
           <a:srgbClr val="000000"/>
         </a:buClr>
         <a:buFont typeface="Arial"/>
-        <a:defRPr b="0" i="0" sz="1400" u="none" cap="none" strike="noStrike">
+        <a:defRPr sz="1400" b="0" i="0" u="none" strike="noStrike" cap="none">
           <a:solidFill>
             <a:srgbClr val="000000"/>
           </a:solidFill>
@@ -9193,7 +9172,7 @@
           <a:sym typeface="Arial"/>
         </a:defRPr>
       </a:lvl2pPr>
-      <a:lvl3pPr lvl="2" marR="0" rtl="0" algn="l">
+      <a:lvl3pPr marR="0" lvl="2" algn="l" rtl="0">
         <a:lnSpc>
           <a:spcPct val="100000"/>
         </a:lnSpc>
@@ -9207,7 +9186,7 @@
           <a:srgbClr val="000000"/>
         </a:buClr>
         <a:buFont typeface="Arial"/>
-        <a:defRPr b="0" i="0" sz="1400" u="none" cap="none" strike="noStrike">
+        <a:defRPr sz="1400" b="0" i="0" u="none" strike="noStrike" cap="none">
           <a:solidFill>
             <a:srgbClr val="000000"/>
           </a:solidFill>
@@ -9217,7 +9196,7 @@
           <a:sym typeface="Arial"/>
         </a:defRPr>
       </a:lvl3pPr>
-      <a:lvl4pPr lvl="3" marR="0" rtl="0" algn="l">
+      <a:lvl4pPr marR="0" lvl="3" algn="l" rtl="0">
         <a:lnSpc>
           <a:spcPct val="100000"/>
         </a:lnSpc>
@@ -9231,7 +9210,7 @@
           <a:srgbClr val="000000"/>
         </a:buClr>
         <a:buFont typeface="Arial"/>
-        <a:defRPr b="0" i="0" sz="1400" u="none" cap="none" strike="noStrike">
+        <a:defRPr sz="1400" b="0" i="0" u="none" strike="noStrike" cap="none">
           <a:solidFill>
             <a:srgbClr val="000000"/>
           </a:solidFill>
@@ -9241,7 +9220,7 @@
           <a:sym typeface="Arial"/>
         </a:defRPr>
       </a:lvl4pPr>
-      <a:lvl5pPr lvl="4" marR="0" rtl="0" algn="l">
+      <a:lvl5pPr marR="0" lvl="4" algn="l" rtl="0">
         <a:lnSpc>
           <a:spcPct val="100000"/>
         </a:lnSpc>
@@ -9255,7 +9234,7 @@
           <a:srgbClr val="000000"/>
         </a:buClr>
         <a:buFont typeface="Arial"/>
-        <a:defRPr b="0" i="0" sz="1400" u="none" cap="none" strike="noStrike">
+        <a:defRPr sz="1400" b="0" i="0" u="none" strike="noStrike" cap="none">
           <a:solidFill>
             <a:srgbClr val="000000"/>
           </a:solidFill>
@@ -9265,7 +9244,7 @@
           <a:sym typeface="Arial"/>
         </a:defRPr>
       </a:lvl5pPr>
-      <a:lvl6pPr lvl="5" marR="0" rtl="0" algn="l">
+      <a:lvl6pPr marR="0" lvl="5" algn="l" rtl="0">
         <a:lnSpc>
           <a:spcPct val="100000"/>
         </a:lnSpc>
@@ -9279,7 +9258,7 @@
           <a:srgbClr val="000000"/>
         </a:buClr>
         <a:buFont typeface="Arial"/>
-        <a:defRPr b="0" i="0" sz="1400" u="none" cap="none" strike="noStrike">
+        <a:defRPr sz="1400" b="0" i="0" u="none" strike="noStrike" cap="none">
           <a:solidFill>
             <a:srgbClr val="000000"/>
           </a:solidFill>
@@ -9289,7 +9268,7 @@
           <a:sym typeface="Arial"/>
         </a:defRPr>
       </a:lvl6pPr>
-      <a:lvl7pPr lvl="6" marR="0" rtl="0" algn="l">
+      <a:lvl7pPr marR="0" lvl="6" algn="l" rtl="0">
         <a:lnSpc>
           <a:spcPct val="100000"/>
         </a:lnSpc>
@@ -9303,7 +9282,7 @@
           <a:srgbClr val="000000"/>
         </a:buClr>
         <a:buFont typeface="Arial"/>
-        <a:defRPr b="0" i="0" sz="1400" u="none" cap="none" strike="noStrike">
+        <a:defRPr sz="1400" b="0" i="0" u="none" strike="noStrike" cap="none">
           <a:solidFill>
             <a:srgbClr val="000000"/>
           </a:solidFill>
@@ -9313,7 +9292,7 @@
           <a:sym typeface="Arial"/>
         </a:defRPr>
       </a:lvl7pPr>
-      <a:lvl8pPr lvl="7" marR="0" rtl="0" algn="l">
+      <a:lvl8pPr marR="0" lvl="7" algn="l" rtl="0">
         <a:lnSpc>
           <a:spcPct val="100000"/>
         </a:lnSpc>
@@ -9327,7 +9306,7 @@
           <a:srgbClr val="000000"/>
         </a:buClr>
         <a:buFont typeface="Arial"/>
-        <a:defRPr b="0" i="0" sz="1400" u="none" cap="none" strike="noStrike">
+        <a:defRPr sz="1400" b="0" i="0" u="none" strike="noStrike" cap="none">
           <a:solidFill>
             <a:srgbClr val="000000"/>
           </a:solidFill>
@@ -9337,7 +9316,7 @@
           <a:sym typeface="Arial"/>
         </a:defRPr>
       </a:lvl8pPr>
-      <a:lvl9pPr lvl="8" marR="0" rtl="0" algn="l">
+      <a:lvl9pPr marR="0" lvl="8" algn="l" rtl="0">
         <a:lnSpc>
           <a:spcPct val="100000"/>
         </a:lnSpc>
@@ -9351,7 +9330,7 @@
           <a:srgbClr val="000000"/>
         </a:buClr>
         <a:buFont typeface="Arial"/>
-        <a:defRPr b="0" i="0" sz="1400" u="none" cap="none" strike="noStrike">
+        <a:defRPr sz="1400" b="0" i="0" u="none" strike="noStrike" cap="none">
           <a:solidFill>
             <a:srgbClr val="000000"/>
           </a:solidFill>
@@ -9367,11 +9346,11 @@
 </file>
 
 <file path=ppt/slides/slide1.xml><?xml version="1.0" encoding="utf-8"?>
-<p:sld xmlns:a="http://schemas.openxmlformats.org/drawingml/2006/main" xmlns:r="http://schemas.openxmlformats.org/officeDocument/2006/relationships" xmlns:mc="http://schemas.openxmlformats.org/markup-compatibility/2006" xmlns:mv="urn:schemas-microsoft-com:mac:vml" xmlns:p="http://schemas.openxmlformats.org/presentationml/2006/main" xmlns:c="http://schemas.openxmlformats.org/drawingml/2006/chart" xmlns:dgm="http://schemas.openxmlformats.org/drawingml/2006/diagram" xmlns:o="urn:schemas-microsoft-com:office:office" xmlns:v="urn:schemas-microsoft-com:vml" xmlns:pvml="urn:schemas-microsoft-com:office:powerpoint" xmlns:com="http://schemas.openxmlformats.org/drawingml/2006/compatibility" xmlns:p14="http://schemas.microsoft.com/office/powerpoint/2010/main" xmlns:p15="http://schemas.microsoft.com/office/powerpoint/2012/main" xmlns:ahyp="http://schemas.microsoft.com/office/drawing/2018/hyperlinkcolor">
+<p:sld xmlns:a="http://schemas.openxmlformats.org/drawingml/2006/main" xmlns:r="http://schemas.openxmlformats.org/officeDocument/2006/relationships" xmlns:p="http://schemas.openxmlformats.org/presentationml/2006/main">
   <p:cSld>
     <p:spTree>
       <p:nvGrpSpPr>
-        <p:cNvPr id="127" name="Shape 127"/>
+        <p:cNvPr id="1" name="Shape 127"/>
         <p:cNvGrpSpPr/>
         <p:nvPr/>
       </p:nvGrpSpPr>
@@ -9386,7 +9365,9 @@
       <p:sp>
         <p:nvSpPr>
           <p:cNvPr id="128" name="Google Shape;128;p13"/>
-          <p:cNvSpPr txBox="1"/>
+          <p:cNvSpPr txBox="1">
+            <a:spLocks noGrp="1"/>
+          </p:cNvSpPr>
           <p:nvPr>
             <p:ph type="ctrTitle"/>
           </p:nvPr>
@@ -9401,12 +9382,12 @@
           </a:prstGeom>
         </p:spPr>
         <p:txBody>
-          <a:bodyPr anchorCtr="0" anchor="ctr" bIns="91425" lIns="91425" spcFirstLastPara="1" rIns="91425" wrap="square" tIns="91425">
+          <a:bodyPr spcFirstLastPara="1" wrap="square" lIns="91425" tIns="91425" rIns="91425" bIns="91425" anchor="ctr" anchorCtr="0">
             <a:normAutofit fontScale="90000"/>
           </a:bodyPr>
           <a:lstStyle/>
           <a:p>
-            <a:pPr indent="0" lvl="0" marL="0" rtl="0" algn="ctr">
+            <a:pPr marL="0" lvl="0" indent="0" algn="ctr" rtl="0">
               <a:spcBef>
                 <a:spcPts val="0"/>
               </a:spcBef>
@@ -9426,9 +9407,11 @@
       <p:sp>
         <p:nvSpPr>
           <p:cNvPr id="129" name="Google Shape;129;p13"/>
-          <p:cNvSpPr txBox="1"/>
+          <p:cNvSpPr txBox="1">
+            <a:spLocks noGrp="1"/>
+          </p:cNvSpPr>
           <p:nvPr>
-            <p:ph idx="1" type="subTitle"/>
+            <p:ph type="subTitle" idx="1"/>
           </p:nvPr>
         </p:nvSpPr>
         <p:spPr>
@@ -9441,12 +9424,12 @@
           </a:prstGeom>
         </p:spPr>
         <p:txBody>
-          <a:bodyPr anchorCtr="0" anchor="t" bIns="91425" lIns="91425" spcFirstLastPara="1" rIns="91425" wrap="square" tIns="91425">
-            <a:normAutofit fontScale="85000"/>
+          <a:bodyPr spcFirstLastPara="1" wrap="square" lIns="91425" tIns="91425" rIns="91425" bIns="91425" anchor="t" anchorCtr="0">
+            <a:normAutofit fontScale="77500" lnSpcReduction="20000"/>
           </a:bodyPr>
           <a:lstStyle/>
           <a:p>
-            <a:pPr indent="0" lvl="0" marL="0" rtl="0" algn="ctr">
+            <a:pPr marL="0" lvl="0" indent="0" algn="ctr" rtl="0">
               <a:spcBef>
                 <a:spcPts val="0"/>
               </a:spcBef>
@@ -9456,10 +9439,10 @@
               <a:buNone/>
             </a:pPr>
             <a:r>
-              <a:rPr lang="en"/>
-              <a:t>Presented By: Naimah-Joy Chapman, Elijah Keck, Dillion Mead, and John Mueller</a:t>
+              <a:rPr lang="en" dirty="0"/>
+              <a:t>Project Team: Naimah-Joy Chapman, Elijah Keck, Dillion Mead, and John Mueller</a:t>
             </a:r>
-            <a:endParaRPr/>
+            <a:endParaRPr dirty="0"/>
           </a:p>
         </p:txBody>
       </p:sp>
@@ -9472,11 +9455,11 @@
 </file>
 
 <file path=ppt/slides/slide2.xml><?xml version="1.0" encoding="utf-8"?>
-<p:sld xmlns:a="http://schemas.openxmlformats.org/drawingml/2006/main" xmlns:r="http://schemas.openxmlformats.org/officeDocument/2006/relationships" xmlns:mc="http://schemas.openxmlformats.org/markup-compatibility/2006" xmlns:mv="urn:schemas-microsoft-com:mac:vml" xmlns:p="http://schemas.openxmlformats.org/presentationml/2006/main" xmlns:c="http://schemas.openxmlformats.org/drawingml/2006/chart" xmlns:dgm="http://schemas.openxmlformats.org/drawingml/2006/diagram" xmlns:o="urn:schemas-microsoft-com:office:office" xmlns:v="urn:schemas-microsoft-com:vml" xmlns:pvml="urn:schemas-microsoft-com:office:powerpoint" xmlns:com="http://schemas.openxmlformats.org/drawingml/2006/compatibility" xmlns:p14="http://schemas.microsoft.com/office/powerpoint/2010/main" xmlns:p15="http://schemas.microsoft.com/office/powerpoint/2012/main" xmlns:ahyp="http://schemas.microsoft.com/office/drawing/2018/hyperlinkcolor">
+<p:sld xmlns:a="http://schemas.openxmlformats.org/drawingml/2006/main" xmlns:r="http://schemas.openxmlformats.org/officeDocument/2006/relationships" xmlns:p="http://schemas.openxmlformats.org/presentationml/2006/main">
   <p:cSld>
     <p:spTree>
       <p:nvGrpSpPr>
-        <p:cNvPr id="133" name="Shape 133"/>
+        <p:cNvPr id="1" name="Shape 133"/>
         <p:cNvGrpSpPr/>
         <p:nvPr/>
       </p:nvGrpSpPr>
@@ -9491,7 +9474,9 @@
       <p:sp>
         <p:nvSpPr>
           <p:cNvPr id="134" name="Google Shape;134;p14"/>
-          <p:cNvSpPr txBox="1"/>
+          <p:cNvSpPr txBox="1">
+            <a:spLocks noGrp="1"/>
+          </p:cNvSpPr>
           <p:nvPr>
             <p:ph type="title"/>
           </p:nvPr>
@@ -9506,12 +9491,12 @@
           </a:prstGeom>
         </p:spPr>
         <p:txBody>
-          <a:bodyPr anchorCtr="0" anchor="t" bIns="91425" lIns="91425" spcFirstLastPara="1" rIns="91425" wrap="square" tIns="91425">
+          <a:bodyPr spcFirstLastPara="1" wrap="square" lIns="91425" tIns="91425" rIns="91425" bIns="91425" anchor="t" anchorCtr="0">
             <a:normAutofit/>
           </a:bodyPr>
           <a:lstStyle/>
           <a:p>
-            <a:pPr indent="0" lvl="0" marL="0" rtl="0" algn="l">
+            <a:pPr marL="0" lvl="0" indent="0" algn="l" rtl="0">
               <a:spcBef>
                 <a:spcPts val="0"/>
               </a:spcBef>
@@ -9531,9 +9516,11 @@
       <p:sp>
         <p:nvSpPr>
           <p:cNvPr id="135" name="Google Shape;135;p14"/>
-          <p:cNvSpPr txBox="1"/>
+          <p:cNvSpPr txBox="1">
+            <a:spLocks noGrp="1"/>
+          </p:cNvSpPr>
           <p:nvPr>
-            <p:ph idx="1" type="body"/>
+            <p:ph type="body" idx="1"/>
           </p:nvPr>
         </p:nvSpPr>
         <p:spPr>
@@ -9546,12 +9533,12 @@
           </a:prstGeom>
         </p:spPr>
         <p:txBody>
-          <a:bodyPr anchorCtr="0" anchor="t" bIns="91425" lIns="91425" spcFirstLastPara="1" rIns="91425" wrap="square" tIns="91425">
+          <a:bodyPr spcFirstLastPara="1" wrap="square" lIns="91425" tIns="91425" rIns="91425" bIns="91425" anchor="t" anchorCtr="0">
             <a:normAutofit/>
           </a:bodyPr>
           <a:lstStyle/>
           <a:p>
-            <a:pPr indent="0" lvl="0" marL="0" rtl="0" algn="l">
+            <a:pPr marL="0" lvl="0" indent="0" algn="l" rtl="0">
               <a:spcBef>
                 <a:spcPts val="0"/>
               </a:spcBef>
@@ -9567,7 +9554,7 @@
             <a:endParaRPr/>
           </a:p>
           <a:p>
-            <a:pPr indent="0" lvl="0" marL="0" rtl="0" algn="l">
+            <a:pPr marL="0" lvl="0" indent="0" algn="l" rtl="0">
               <a:spcBef>
                 <a:spcPts val="1200"/>
               </a:spcBef>
@@ -9583,7 +9570,7 @@
             <a:endParaRPr/>
           </a:p>
           <a:p>
-            <a:pPr indent="0" lvl="0" marL="0" rtl="0" algn="l">
+            <a:pPr marL="0" lvl="0" indent="0" algn="l" rtl="0">
               <a:spcBef>
                 <a:spcPts val="1200"/>
               </a:spcBef>
@@ -9599,7 +9586,7 @@
             <a:endParaRPr/>
           </a:p>
           <a:p>
-            <a:pPr indent="0" lvl="0" marL="0" rtl="0" algn="l">
+            <a:pPr marL="0" lvl="0" indent="0" algn="l" rtl="0">
               <a:spcBef>
                 <a:spcPts val="1200"/>
               </a:spcBef>
@@ -9608,9 +9595,6 @@
               </a:spcAft>
               <a:buNone/>
             </a:pPr>
-            <a:r>
-              <a:t/>
-            </a:r>
             <a:endParaRPr/>
           </a:p>
         </p:txBody>
@@ -9652,11 +9636,11 @@
 </file>
 
 <file path=ppt/slides/slide3.xml><?xml version="1.0" encoding="utf-8"?>
-<p:sld xmlns:a="http://schemas.openxmlformats.org/drawingml/2006/main" xmlns:r="http://schemas.openxmlformats.org/officeDocument/2006/relationships" xmlns:mc="http://schemas.openxmlformats.org/markup-compatibility/2006" xmlns:mv="urn:schemas-microsoft-com:mac:vml" xmlns:p="http://schemas.openxmlformats.org/presentationml/2006/main" xmlns:c="http://schemas.openxmlformats.org/drawingml/2006/chart" xmlns:dgm="http://schemas.openxmlformats.org/drawingml/2006/diagram" xmlns:o="urn:schemas-microsoft-com:office:office" xmlns:v="urn:schemas-microsoft-com:vml" xmlns:pvml="urn:schemas-microsoft-com:office:powerpoint" xmlns:com="http://schemas.openxmlformats.org/drawingml/2006/compatibility" xmlns:p14="http://schemas.microsoft.com/office/powerpoint/2010/main" xmlns:p15="http://schemas.microsoft.com/office/powerpoint/2012/main" xmlns:ahyp="http://schemas.microsoft.com/office/drawing/2018/hyperlinkcolor">
+<p:sld xmlns:a="http://schemas.openxmlformats.org/drawingml/2006/main" xmlns:r="http://schemas.openxmlformats.org/officeDocument/2006/relationships" xmlns:p="http://schemas.openxmlformats.org/presentationml/2006/main">
   <p:cSld>
     <p:spTree>
       <p:nvGrpSpPr>
-        <p:cNvPr id="140" name="Shape 140"/>
+        <p:cNvPr id="1" name="Shape 140"/>
         <p:cNvGrpSpPr/>
         <p:nvPr/>
       </p:nvGrpSpPr>
@@ -9671,7 +9655,9 @@
       <p:sp>
         <p:nvSpPr>
           <p:cNvPr id="141" name="Google Shape;141;p15"/>
-          <p:cNvSpPr txBox="1"/>
+          <p:cNvSpPr txBox="1">
+            <a:spLocks noGrp="1"/>
+          </p:cNvSpPr>
           <p:nvPr>
             <p:ph type="title"/>
           </p:nvPr>
@@ -9686,12 +9672,12 @@
           </a:prstGeom>
         </p:spPr>
         <p:txBody>
-          <a:bodyPr anchorCtr="0" anchor="t" bIns="91425" lIns="91425" spcFirstLastPara="1" rIns="91425" wrap="square" tIns="91425">
+          <a:bodyPr spcFirstLastPara="1" wrap="square" lIns="91425" tIns="91425" rIns="91425" bIns="91425" anchor="t" anchorCtr="0">
             <a:normAutofit/>
           </a:bodyPr>
           <a:lstStyle/>
           <a:p>
-            <a:pPr indent="0" lvl="0" marL="0" rtl="0" algn="l">
+            <a:pPr marL="0" lvl="0" indent="0" algn="l" rtl="0">
               <a:spcBef>
                 <a:spcPts val="0"/>
               </a:spcBef>
@@ -9711,9 +9697,11 @@
       <p:sp>
         <p:nvSpPr>
           <p:cNvPr id="142" name="Google Shape;142;p15"/>
-          <p:cNvSpPr txBox="1"/>
+          <p:cNvSpPr txBox="1">
+            <a:spLocks noGrp="1"/>
+          </p:cNvSpPr>
           <p:nvPr>
-            <p:ph idx="1" type="body"/>
+            <p:ph type="body" idx="1"/>
           </p:nvPr>
         </p:nvSpPr>
         <p:spPr>
@@ -9726,12 +9714,12 @@
           </a:prstGeom>
         </p:spPr>
         <p:txBody>
-          <a:bodyPr anchorCtr="0" anchor="t" bIns="91425" lIns="91425" spcFirstLastPara="1" rIns="91425" wrap="square" tIns="91425">
+          <a:bodyPr spcFirstLastPara="1" wrap="square" lIns="91425" tIns="91425" rIns="91425" bIns="91425" anchor="t" anchorCtr="0">
             <a:normAutofit/>
           </a:bodyPr>
           <a:lstStyle/>
           <a:p>
-            <a:pPr indent="0" lvl="0" marL="0" rtl="0" algn="l">
+            <a:pPr marL="0" lvl="0" indent="0" algn="l" rtl="0">
               <a:spcBef>
                 <a:spcPts val="0"/>
               </a:spcBef>
@@ -9747,7 +9735,7 @@
             <a:endParaRPr/>
           </a:p>
           <a:p>
-            <a:pPr indent="-311150" lvl="0" marL="457200" rtl="0" algn="l">
+            <a:pPr marL="457200" lvl="0" indent="-311150" algn="l" rtl="0">
               <a:spcBef>
                 <a:spcPts val="1200"/>
               </a:spcBef>
@@ -9764,7 +9752,7 @@
             <a:endParaRPr/>
           </a:p>
           <a:p>
-            <a:pPr indent="-311150" lvl="0" marL="457200" rtl="0" algn="l">
+            <a:pPr marL="457200" lvl="0" indent="-311150" algn="l" rtl="0">
               <a:spcBef>
                 <a:spcPts val="0"/>
               </a:spcBef>
@@ -9781,7 +9769,7 @@
             <a:endParaRPr/>
           </a:p>
           <a:p>
-            <a:pPr indent="-311150" lvl="0" marL="457200" rtl="0" algn="l">
+            <a:pPr marL="457200" lvl="0" indent="-311150" algn="l" rtl="0">
               <a:spcBef>
                 <a:spcPts val="0"/>
               </a:spcBef>
@@ -9798,7 +9786,7 @@
             <a:endParaRPr/>
           </a:p>
           <a:p>
-            <a:pPr indent="-298450" lvl="1" marL="914400" rtl="0" algn="l">
+            <a:pPr marL="914400" lvl="1" indent="-298450" algn="l" rtl="0">
               <a:spcBef>
                 <a:spcPts val="0"/>
               </a:spcBef>
@@ -9815,7 +9803,7 @@
             <a:endParaRPr/>
           </a:p>
           <a:p>
-            <a:pPr indent="-298450" lvl="1" marL="914400" rtl="0" algn="l">
+            <a:pPr marL="914400" lvl="1" indent="-298450" algn="l" rtl="0">
               <a:spcBef>
                 <a:spcPts val="0"/>
               </a:spcBef>
@@ -9832,7 +9820,7 @@
             <a:endParaRPr/>
           </a:p>
           <a:p>
-            <a:pPr indent="-298450" lvl="1" marL="914400" rtl="0" algn="l">
+            <a:pPr marL="914400" lvl="1" indent="-298450" algn="l" rtl="0">
               <a:spcBef>
                 <a:spcPts val="0"/>
               </a:spcBef>
@@ -9853,9 +9841,11 @@
       <p:sp>
         <p:nvSpPr>
           <p:cNvPr id="143" name="Google Shape;143;p15"/>
-          <p:cNvSpPr txBox="1"/>
+          <p:cNvSpPr txBox="1">
+            <a:spLocks noGrp="1"/>
+          </p:cNvSpPr>
           <p:nvPr>
-            <p:ph idx="1" type="body"/>
+            <p:ph type="body" idx="1"/>
           </p:nvPr>
         </p:nvSpPr>
         <p:spPr>
@@ -9868,12 +9858,12 @@
           </a:prstGeom>
         </p:spPr>
         <p:txBody>
-          <a:bodyPr anchorCtr="0" anchor="t" bIns="91425" lIns="91425" spcFirstLastPara="1" rIns="91425" wrap="square" tIns="91425">
+          <a:bodyPr spcFirstLastPara="1" wrap="square" lIns="91425" tIns="91425" rIns="91425" bIns="91425" anchor="t" anchorCtr="0">
             <a:normAutofit/>
           </a:bodyPr>
           <a:lstStyle/>
           <a:p>
-            <a:pPr indent="0" lvl="0" marL="0" rtl="0" algn="l">
+            <a:pPr marL="0" lvl="0" indent="0" algn="l" rtl="0">
               <a:spcBef>
                 <a:spcPts val="0"/>
               </a:spcBef>
@@ -9889,7 +9879,7 @@
             <a:endParaRPr/>
           </a:p>
           <a:p>
-            <a:pPr indent="-311150" lvl="0" marL="457200" rtl="0" algn="l">
+            <a:pPr marL="457200" lvl="0" indent="-311150" algn="l" rtl="0">
               <a:spcBef>
                 <a:spcPts val="1200"/>
               </a:spcBef>
@@ -9906,7 +9896,7 @@
             <a:endParaRPr/>
           </a:p>
           <a:p>
-            <a:pPr indent="-311150" lvl="0" marL="457200" rtl="0" algn="l">
+            <a:pPr marL="457200" lvl="0" indent="-311150" algn="l" rtl="0">
               <a:spcBef>
                 <a:spcPts val="0"/>
               </a:spcBef>
@@ -9923,7 +9913,7 @@
             <a:endParaRPr/>
           </a:p>
           <a:p>
-            <a:pPr indent="-311150" lvl="0" marL="457200" rtl="0" algn="l">
+            <a:pPr marL="457200" lvl="0" indent="-311150" algn="l" rtl="0">
               <a:spcBef>
                 <a:spcPts val="0"/>
               </a:spcBef>
@@ -9940,7 +9930,7 @@
             <a:endParaRPr/>
           </a:p>
           <a:p>
-            <a:pPr indent="-311150" lvl="0" marL="457200" rtl="0" algn="l">
+            <a:pPr marL="457200" lvl="0" indent="-311150" algn="l" rtl="0">
               <a:spcBef>
                 <a:spcPts val="0"/>
               </a:spcBef>
@@ -9967,11 +9957,11 @@
 </file>
 
 <file path=ppt/slides/slide4.xml><?xml version="1.0" encoding="utf-8"?>
-<p:sld xmlns:a="http://schemas.openxmlformats.org/drawingml/2006/main" xmlns:r="http://schemas.openxmlformats.org/officeDocument/2006/relationships" xmlns:mc="http://schemas.openxmlformats.org/markup-compatibility/2006" xmlns:mv="urn:schemas-microsoft-com:mac:vml" xmlns:p="http://schemas.openxmlformats.org/presentationml/2006/main" xmlns:c="http://schemas.openxmlformats.org/drawingml/2006/chart" xmlns:dgm="http://schemas.openxmlformats.org/drawingml/2006/diagram" xmlns:o="urn:schemas-microsoft-com:office:office" xmlns:v="urn:schemas-microsoft-com:vml" xmlns:pvml="urn:schemas-microsoft-com:office:powerpoint" xmlns:com="http://schemas.openxmlformats.org/drawingml/2006/compatibility" xmlns:p14="http://schemas.microsoft.com/office/powerpoint/2010/main" xmlns:p15="http://schemas.microsoft.com/office/powerpoint/2012/main" xmlns:ahyp="http://schemas.microsoft.com/office/drawing/2018/hyperlinkcolor">
+<p:sld xmlns:a="http://schemas.openxmlformats.org/drawingml/2006/main" xmlns:r="http://schemas.openxmlformats.org/officeDocument/2006/relationships" xmlns:p="http://schemas.openxmlformats.org/presentationml/2006/main">
   <p:cSld>
     <p:spTree>
       <p:nvGrpSpPr>
-        <p:cNvPr id="147" name="Shape 147"/>
+        <p:cNvPr id="1" name="Shape 147"/>
         <p:cNvGrpSpPr/>
         <p:nvPr/>
       </p:nvGrpSpPr>
@@ -9986,7 +9976,9 @@
       <p:sp>
         <p:nvSpPr>
           <p:cNvPr id="148" name="Google Shape;148;p16"/>
-          <p:cNvSpPr txBox="1"/>
+          <p:cNvSpPr txBox="1">
+            <a:spLocks noGrp="1"/>
+          </p:cNvSpPr>
           <p:nvPr>
             <p:ph type="title"/>
           </p:nvPr>
@@ -10001,12 +9993,12 @@
           </a:prstGeom>
         </p:spPr>
         <p:txBody>
-          <a:bodyPr anchorCtr="0" anchor="t" bIns="91425" lIns="91425" spcFirstLastPara="1" rIns="91425" wrap="square" tIns="91425">
+          <a:bodyPr spcFirstLastPara="1" wrap="square" lIns="91425" tIns="91425" rIns="91425" bIns="91425" anchor="t" anchorCtr="0">
             <a:normAutofit/>
           </a:bodyPr>
           <a:lstStyle/>
           <a:p>
-            <a:pPr indent="0" lvl="0" marL="0" rtl="0" algn="l">
+            <a:pPr marL="0" lvl="0" indent="0" algn="l" rtl="0">
               <a:spcBef>
                 <a:spcPts val="0"/>
               </a:spcBef>
@@ -10032,11 +10024,11 @@
 </file>
 
 <file path=ppt/slides/slide5.xml><?xml version="1.0" encoding="utf-8"?>
-<p:sld xmlns:a="http://schemas.openxmlformats.org/drawingml/2006/main" xmlns:r="http://schemas.openxmlformats.org/officeDocument/2006/relationships" xmlns:mc="http://schemas.openxmlformats.org/markup-compatibility/2006" xmlns:mv="urn:schemas-microsoft-com:mac:vml" xmlns:p="http://schemas.openxmlformats.org/presentationml/2006/main" xmlns:c="http://schemas.openxmlformats.org/drawingml/2006/chart" xmlns:dgm="http://schemas.openxmlformats.org/drawingml/2006/diagram" xmlns:o="urn:schemas-microsoft-com:office:office" xmlns:v="urn:schemas-microsoft-com:vml" xmlns:pvml="urn:schemas-microsoft-com:office:powerpoint" xmlns:com="http://schemas.openxmlformats.org/drawingml/2006/compatibility" xmlns:p14="http://schemas.microsoft.com/office/powerpoint/2010/main" xmlns:p15="http://schemas.microsoft.com/office/powerpoint/2012/main" xmlns:ahyp="http://schemas.microsoft.com/office/drawing/2018/hyperlinkcolor">
+<p:sld xmlns:a="http://schemas.openxmlformats.org/drawingml/2006/main" xmlns:r="http://schemas.openxmlformats.org/officeDocument/2006/relationships" xmlns:p="http://schemas.openxmlformats.org/presentationml/2006/main">
   <p:cSld>
     <p:spTree>
       <p:nvGrpSpPr>
-        <p:cNvPr id="152" name="Shape 152"/>
+        <p:cNvPr id="1" name="Shape 152"/>
         <p:cNvGrpSpPr/>
         <p:nvPr/>
       </p:nvGrpSpPr>
@@ -10051,7 +10043,9 @@
       <p:sp>
         <p:nvSpPr>
           <p:cNvPr id="153" name="Google Shape;153;p17"/>
-          <p:cNvSpPr txBox="1"/>
+          <p:cNvSpPr txBox="1">
+            <a:spLocks noGrp="1"/>
+          </p:cNvSpPr>
           <p:nvPr>
             <p:ph type="title"/>
           </p:nvPr>
@@ -10066,12 +10060,12 @@
           </a:prstGeom>
         </p:spPr>
         <p:txBody>
-          <a:bodyPr anchorCtr="0" anchor="t" bIns="91425" lIns="91425" spcFirstLastPara="1" rIns="91425" wrap="square" tIns="91425">
+          <a:bodyPr spcFirstLastPara="1" wrap="square" lIns="91425" tIns="91425" rIns="91425" bIns="91425" anchor="t" anchorCtr="0">
             <a:normAutofit/>
           </a:bodyPr>
           <a:lstStyle/>
           <a:p>
-            <a:pPr indent="0" lvl="0" marL="0" rtl="0" algn="l">
+            <a:pPr marL="0" lvl="0" indent="0" algn="l" rtl="0">
               <a:spcBef>
                 <a:spcPts val="0"/>
               </a:spcBef>
@@ -10097,11 +10091,11 @@
 </file>
 
 <file path=ppt/slides/slide6.xml><?xml version="1.0" encoding="utf-8"?>
-<p:sld xmlns:a="http://schemas.openxmlformats.org/drawingml/2006/main" xmlns:r="http://schemas.openxmlformats.org/officeDocument/2006/relationships" xmlns:mc="http://schemas.openxmlformats.org/markup-compatibility/2006" xmlns:mv="urn:schemas-microsoft-com:mac:vml" xmlns:p="http://schemas.openxmlformats.org/presentationml/2006/main" xmlns:c="http://schemas.openxmlformats.org/drawingml/2006/chart" xmlns:dgm="http://schemas.openxmlformats.org/drawingml/2006/diagram" xmlns:o="urn:schemas-microsoft-com:office:office" xmlns:v="urn:schemas-microsoft-com:vml" xmlns:pvml="urn:schemas-microsoft-com:office:powerpoint" xmlns:com="http://schemas.openxmlformats.org/drawingml/2006/compatibility" xmlns:p14="http://schemas.microsoft.com/office/powerpoint/2010/main" xmlns:p15="http://schemas.microsoft.com/office/powerpoint/2012/main" xmlns:ahyp="http://schemas.microsoft.com/office/drawing/2018/hyperlinkcolor">
+<p:sld xmlns:a="http://schemas.openxmlformats.org/drawingml/2006/main" xmlns:r="http://schemas.openxmlformats.org/officeDocument/2006/relationships" xmlns:p="http://schemas.openxmlformats.org/presentationml/2006/main">
   <p:cSld>
     <p:spTree>
       <p:nvGrpSpPr>
-        <p:cNvPr id="157" name="Shape 157"/>
+        <p:cNvPr id="1" name="Shape 157"/>
         <p:cNvGrpSpPr/>
         <p:nvPr/>
       </p:nvGrpSpPr>
@@ -10116,7 +10110,9 @@
       <p:sp>
         <p:nvSpPr>
           <p:cNvPr id="158" name="Google Shape;158;p18"/>
-          <p:cNvSpPr txBox="1"/>
+          <p:cNvSpPr txBox="1">
+            <a:spLocks noGrp="1"/>
+          </p:cNvSpPr>
           <p:nvPr>
             <p:ph type="title"/>
           </p:nvPr>
@@ -10131,12 +10127,12 @@
           </a:prstGeom>
         </p:spPr>
         <p:txBody>
-          <a:bodyPr anchorCtr="0" anchor="ctr" bIns="91425" lIns="91425" spcFirstLastPara="1" rIns="91425" wrap="square" tIns="91425">
+          <a:bodyPr spcFirstLastPara="1" wrap="square" lIns="91425" tIns="91425" rIns="91425" bIns="91425" anchor="ctr" anchorCtr="0">
             <a:normAutofit/>
           </a:bodyPr>
           <a:lstStyle/>
           <a:p>
-            <a:pPr indent="0" lvl="0" marL="0" rtl="0" algn="ctr">
+            <a:pPr marL="0" lvl="0" indent="0" algn="ctr" rtl="0">
               <a:spcBef>
                 <a:spcPts val="0"/>
               </a:spcBef>
@@ -10163,7 +10159,288 @@
 </file>
 
 <file path=ppt/theme/theme1.xml><?xml version="1.0" encoding="utf-8"?>
-<a:theme xmlns:a="http://schemas.openxmlformats.org/drawingml/2006/main" xmlns:r="http://schemas.openxmlformats.org/officeDocument/2006/relationships">
+<a:theme xmlns:a="http://schemas.openxmlformats.org/drawingml/2006/main" name="Shift">
+  <a:themeElements>
+    <a:clrScheme name="Shift">
+      <a:dk1>
+        <a:srgbClr val="FFFFFF"/>
+      </a:dk1>
+      <a:lt1>
+        <a:srgbClr val="AF7B51"/>
+      </a:lt1>
+      <a:dk2>
+        <a:srgbClr val="233A44"/>
+      </a:dk2>
+      <a:lt2>
+        <a:srgbClr val="D9D9D9"/>
+      </a:lt2>
+      <a:accent1>
+        <a:srgbClr val="00796B"/>
+      </a:accent1>
+      <a:accent2>
+        <a:srgbClr val="D9563F"/>
+      </a:accent2>
+      <a:accent3>
+        <a:srgbClr val="C4A15A"/>
+      </a:accent3>
+      <a:accent4>
+        <a:srgbClr val="14F597"/>
+      </a:accent4>
+      <a:accent5>
+        <a:srgbClr val="3D4594"/>
+      </a:accent5>
+      <a:accent6>
+        <a:srgbClr val="163EF5"/>
+      </a:accent6>
+      <a:hlink>
+        <a:srgbClr val="3D4594"/>
+      </a:hlink>
+      <a:folHlink>
+        <a:srgbClr val="3D4594"/>
+      </a:folHlink>
+    </a:clrScheme>
+    <a:fontScheme name="Office">
+      <a:majorFont>
+        <a:latin typeface="Arial"/>
+        <a:ea typeface=""/>
+        <a:cs typeface=""/>
+        <a:font script="Jpan" typeface="ＭＳ Ｐゴシック"/>
+        <a:font script="Hang" typeface="맑은 고딕"/>
+        <a:font script="Hans" typeface="宋体"/>
+        <a:font script="Hant" typeface="新細明體"/>
+        <a:font script="Arab" typeface="Times New Roman"/>
+        <a:font script="Hebr" typeface="Times New Roman"/>
+        <a:font script="Thai" typeface="Angsana New"/>
+        <a:font script="Ethi" typeface="Nyala"/>
+        <a:font script="Beng" typeface="Vrinda"/>
+        <a:font script="Gujr" typeface="Shruti"/>
+        <a:font script="Khmr" typeface="MoolBoran"/>
+        <a:font script="Knda" typeface="Tunga"/>
+        <a:font script="Guru" typeface="Raavi"/>
+        <a:font script="Cans" typeface="Euphemia"/>
+        <a:font script="Cher" typeface="Plantagenet Cherokee"/>
+        <a:font script="Yiii" typeface="Microsoft Yi Baiti"/>
+        <a:font script="Tibt" typeface="Microsoft Himalaya"/>
+        <a:font script="Thaa" typeface="MV Boli"/>
+        <a:font script="Deva" typeface="Mangal"/>
+        <a:font script="Telu" typeface="Gautami"/>
+        <a:font script="Taml" typeface="Latha"/>
+        <a:font script="Syrc" typeface="Estrangelo Edessa"/>
+        <a:font script="Orya" typeface="Kalinga"/>
+        <a:font script="Mlym" typeface="Kartika"/>
+        <a:font script="Laoo" typeface="DokChampa"/>
+        <a:font script="Sinh" typeface="Iskoola Pota"/>
+        <a:font script="Mong" typeface="Mongolian Baiti"/>
+        <a:font script="Viet" typeface="Times New Roman"/>
+        <a:font script="Uigh" typeface="Microsoft Uighur"/>
+        <a:font script="Geor" typeface="Sylfaen"/>
+      </a:majorFont>
+      <a:minorFont>
+        <a:latin typeface="Arial"/>
+        <a:ea typeface=""/>
+        <a:cs typeface=""/>
+        <a:font script="Jpan" typeface="ＭＳ Ｐゴシック"/>
+        <a:font script="Hang" typeface="맑은 고딕"/>
+        <a:font script="Hans" typeface="宋体"/>
+        <a:font script="Hant" typeface="新細明體"/>
+        <a:font script="Arab" typeface="Arial"/>
+        <a:font script="Hebr" typeface="Arial"/>
+        <a:font script="Thai" typeface="Cordia New"/>
+        <a:font script="Ethi" typeface="Nyala"/>
+        <a:font script="Beng" typeface="Vrinda"/>
+        <a:font script="Gujr" typeface="Shruti"/>
+        <a:font script="Khmr" typeface="DaunPenh"/>
+        <a:font script="Knda" typeface="Tunga"/>
+        <a:font script="Guru" typeface="Raavi"/>
+        <a:font script="Cans" typeface="Euphemia"/>
+        <a:font script="Cher" typeface="Plantagenet Cherokee"/>
+        <a:font script="Yiii" typeface="Microsoft Yi Baiti"/>
+        <a:font script="Tibt" typeface="Microsoft Himalaya"/>
+        <a:font script="Thaa" typeface="MV Boli"/>
+        <a:font script="Deva" typeface="Mangal"/>
+        <a:font script="Telu" typeface="Gautami"/>
+        <a:font script="Taml" typeface="Latha"/>
+        <a:font script="Syrc" typeface="Estrangelo Edessa"/>
+        <a:font script="Orya" typeface="Kalinga"/>
+        <a:font script="Mlym" typeface="Kartika"/>
+        <a:font script="Laoo" typeface="DokChampa"/>
+        <a:font script="Sinh" typeface="Iskoola Pota"/>
+        <a:font script="Mong" typeface="Mongolian Baiti"/>
+        <a:font script="Viet" typeface="Arial"/>
+        <a:font script="Uigh" typeface="Microsoft Uighur"/>
+        <a:font script="Geor" typeface="Sylfaen"/>
+      </a:minorFont>
+    </a:fontScheme>
+    <a:fmtScheme name="Office">
+      <a:fillStyleLst>
+        <a:solidFill>
+          <a:schemeClr val="phClr"/>
+        </a:solidFill>
+        <a:gradFill rotWithShape="1">
+          <a:gsLst>
+            <a:gs pos="0">
+              <a:schemeClr val="phClr">
+                <a:tint val="50000"/>
+                <a:satMod val="300000"/>
+              </a:schemeClr>
+            </a:gs>
+            <a:gs pos="35000">
+              <a:schemeClr val="phClr">
+                <a:tint val="37000"/>
+                <a:satMod val="300000"/>
+              </a:schemeClr>
+            </a:gs>
+            <a:gs pos="100000">
+              <a:schemeClr val="phClr">
+                <a:tint val="15000"/>
+                <a:satMod val="350000"/>
+              </a:schemeClr>
+            </a:gs>
+          </a:gsLst>
+          <a:lin ang="16200000" scaled="1"/>
+        </a:gradFill>
+        <a:gradFill rotWithShape="1">
+          <a:gsLst>
+            <a:gs pos="0">
+              <a:schemeClr val="phClr">
+                <a:tint val="100000"/>
+                <a:shade val="100000"/>
+                <a:satMod val="130000"/>
+              </a:schemeClr>
+            </a:gs>
+            <a:gs pos="100000">
+              <a:schemeClr val="phClr">
+                <a:tint val="50000"/>
+                <a:shade val="100000"/>
+                <a:satMod val="350000"/>
+              </a:schemeClr>
+            </a:gs>
+          </a:gsLst>
+          <a:lin ang="16200000" scaled="0"/>
+        </a:gradFill>
+      </a:fillStyleLst>
+      <a:lnStyleLst>
+        <a:ln w="9525" cap="flat" cmpd="sng" algn="ctr">
+          <a:solidFill>
+            <a:schemeClr val="phClr">
+              <a:shade val="95000"/>
+              <a:satMod val="105000"/>
+            </a:schemeClr>
+          </a:solidFill>
+          <a:prstDash val="solid"/>
+        </a:ln>
+        <a:ln w="25400" cap="flat" cmpd="sng" algn="ctr">
+          <a:solidFill>
+            <a:schemeClr val="phClr"/>
+          </a:solidFill>
+          <a:prstDash val="solid"/>
+        </a:ln>
+        <a:ln w="38100" cap="flat" cmpd="sng" algn="ctr">
+          <a:solidFill>
+            <a:schemeClr val="phClr"/>
+          </a:solidFill>
+          <a:prstDash val="solid"/>
+        </a:ln>
+      </a:lnStyleLst>
+      <a:effectStyleLst>
+        <a:effectStyle>
+          <a:effectLst>
+            <a:outerShdw blurRad="40000" dist="20000" dir="5400000" rotWithShape="0">
+              <a:srgbClr val="000000">
+                <a:alpha val="38000"/>
+              </a:srgbClr>
+            </a:outerShdw>
+          </a:effectLst>
+        </a:effectStyle>
+        <a:effectStyle>
+          <a:effectLst>
+            <a:outerShdw blurRad="40000" dist="23000" dir="5400000" rotWithShape="0">
+              <a:srgbClr val="000000">
+                <a:alpha val="35000"/>
+              </a:srgbClr>
+            </a:outerShdw>
+          </a:effectLst>
+        </a:effectStyle>
+        <a:effectStyle>
+          <a:effectLst>
+            <a:outerShdw blurRad="40000" dist="23000" dir="5400000" rotWithShape="0">
+              <a:srgbClr val="000000">
+                <a:alpha val="35000"/>
+              </a:srgbClr>
+            </a:outerShdw>
+          </a:effectLst>
+          <a:scene3d>
+            <a:camera prst="orthographicFront">
+              <a:rot lat="0" lon="0" rev="0"/>
+            </a:camera>
+            <a:lightRig rig="threePt" dir="t">
+              <a:rot lat="0" lon="0" rev="1200000"/>
+            </a:lightRig>
+          </a:scene3d>
+          <a:sp3d>
+            <a:bevelT w="63500" h="25400"/>
+          </a:sp3d>
+        </a:effectStyle>
+      </a:effectStyleLst>
+      <a:bgFillStyleLst>
+        <a:solidFill>
+          <a:schemeClr val="phClr"/>
+        </a:solidFill>
+        <a:gradFill rotWithShape="1">
+          <a:gsLst>
+            <a:gs pos="0">
+              <a:schemeClr val="phClr">
+                <a:tint val="40000"/>
+                <a:satMod val="350000"/>
+              </a:schemeClr>
+            </a:gs>
+            <a:gs pos="40000">
+              <a:schemeClr val="phClr">
+                <a:tint val="45000"/>
+                <a:shade val="99000"/>
+                <a:satMod val="350000"/>
+              </a:schemeClr>
+            </a:gs>
+            <a:gs pos="100000">
+              <a:schemeClr val="phClr">
+                <a:shade val="20000"/>
+                <a:satMod val="255000"/>
+              </a:schemeClr>
+            </a:gs>
+          </a:gsLst>
+          <a:path path="circle">
+            <a:fillToRect l="50000" t="-80000" r="50000" b="180000"/>
+          </a:path>
+        </a:gradFill>
+        <a:gradFill rotWithShape="1">
+          <a:gsLst>
+            <a:gs pos="0">
+              <a:schemeClr val="phClr">
+                <a:tint val="80000"/>
+                <a:satMod val="300000"/>
+              </a:schemeClr>
+            </a:gs>
+            <a:gs pos="100000">
+              <a:schemeClr val="phClr">
+                <a:shade val="30000"/>
+                <a:satMod val="200000"/>
+              </a:schemeClr>
+            </a:gs>
+          </a:gsLst>
+          <a:path path="circle">
+            <a:fillToRect l="50000" t="50000" r="50000" b="50000"/>
+          </a:path>
+        </a:gradFill>
+      </a:bgFillStyleLst>
+    </a:fmtScheme>
+  </a:themeElements>
+  <a:objectDefaults/>
+  <a:extraClrSchemeLst/>
+</a:theme>
+</file>
+
+<file path=ppt/theme/theme2.xml><?xml version="1.0" encoding="utf-8"?>
+<a:theme xmlns:a="http://schemas.openxmlformats.org/drawingml/2006/main">
   <a:themeElements>
     <a:clrScheme name="Default">
       <a:dk1>
@@ -10438,284 +10715,7 @@
       </a:bgFillStyleLst>
     </a:fmtScheme>
   </a:themeElements>
-</a:theme>
-</file>
-
-<file path=ppt/theme/theme2.xml><?xml version="1.0" encoding="utf-8"?>
-<a:theme xmlns:a="http://schemas.openxmlformats.org/drawingml/2006/main" xmlns:r="http://schemas.openxmlformats.org/officeDocument/2006/relationships" name="Shift">
-  <a:themeElements>
-    <a:clrScheme name="Shift">
-      <a:dk1>
-        <a:srgbClr val="FFFFFF"/>
-      </a:dk1>
-      <a:lt1>
-        <a:srgbClr val="AF7B51"/>
-      </a:lt1>
-      <a:dk2>
-        <a:srgbClr val="233A44"/>
-      </a:dk2>
-      <a:lt2>
-        <a:srgbClr val="D9D9D9"/>
-      </a:lt2>
-      <a:accent1>
-        <a:srgbClr val="00796B"/>
-      </a:accent1>
-      <a:accent2>
-        <a:srgbClr val="D9563F"/>
-      </a:accent2>
-      <a:accent3>
-        <a:srgbClr val="C4A15A"/>
-      </a:accent3>
-      <a:accent4>
-        <a:srgbClr val="14F597"/>
-      </a:accent4>
-      <a:accent5>
-        <a:srgbClr val="3D4594"/>
-      </a:accent5>
-      <a:accent6>
-        <a:srgbClr val="163EF5"/>
-      </a:accent6>
-      <a:hlink>
-        <a:srgbClr val="3D4594"/>
-      </a:hlink>
-      <a:folHlink>
-        <a:srgbClr val="3D4594"/>
-      </a:folHlink>
-    </a:clrScheme>
-    <a:fontScheme name="Office">
-      <a:majorFont>
-        <a:latin typeface="Arial"/>
-        <a:ea typeface=""/>
-        <a:cs typeface=""/>
-        <a:font script="Jpan" typeface="ＭＳ Ｐゴシック"/>
-        <a:font script="Hang" typeface="맑은 고딕"/>
-        <a:font script="Hans" typeface="宋体"/>
-        <a:font script="Hant" typeface="新細明體"/>
-        <a:font script="Arab" typeface="Times New Roman"/>
-        <a:font script="Hebr" typeface="Times New Roman"/>
-        <a:font script="Thai" typeface="Angsana New"/>
-        <a:font script="Ethi" typeface="Nyala"/>
-        <a:font script="Beng" typeface="Vrinda"/>
-        <a:font script="Gujr" typeface="Shruti"/>
-        <a:font script="Khmr" typeface="MoolBoran"/>
-        <a:font script="Knda" typeface="Tunga"/>
-        <a:font script="Guru" typeface="Raavi"/>
-        <a:font script="Cans" typeface="Euphemia"/>
-        <a:font script="Cher" typeface="Plantagenet Cherokee"/>
-        <a:font script="Yiii" typeface="Microsoft Yi Baiti"/>
-        <a:font script="Tibt" typeface="Microsoft Himalaya"/>
-        <a:font script="Thaa" typeface="MV Boli"/>
-        <a:font script="Deva" typeface="Mangal"/>
-        <a:font script="Telu" typeface="Gautami"/>
-        <a:font script="Taml" typeface="Latha"/>
-        <a:font script="Syrc" typeface="Estrangelo Edessa"/>
-        <a:font script="Orya" typeface="Kalinga"/>
-        <a:font script="Mlym" typeface="Kartika"/>
-        <a:font script="Laoo" typeface="DokChampa"/>
-        <a:font script="Sinh" typeface="Iskoola Pota"/>
-        <a:font script="Mong" typeface="Mongolian Baiti"/>
-        <a:font script="Viet" typeface="Times New Roman"/>
-        <a:font script="Uigh" typeface="Microsoft Uighur"/>
-        <a:font script="Geor" typeface="Sylfaen"/>
-      </a:majorFont>
-      <a:minorFont>
-        <a:latin typeface="Arial"/>
-        <a:ea typeface=""/>
-        <a:cs typeface=""/>
-        <a:font script="Jpan" typeface="ＭＳ Ｐゴシック"/>
-        <a:font script="Hang" typeface="맑은 고딕"/>
-        <a:font script="Hans" typeface="宋体"/>
-        <a:font script="Hant" typeface="新細明體"/>
-        <a:font script="Arab" typeface="Arial"/>
-        <a:font script="Hebr" typeface="Arial"/>
-        <a:font script="Thai" typeface="Cordia New"/>
-        <a:font script="Ethi" typeface="Nyala"/>
-        <a:font script="Beng" typeface="Vrinda"/>
-        <a:font script="Gujr" typeface="Shruti"/>
-        <a:font script="Khmr" typeface="DaunPenh"/>
-        <a:font script="Knda" typeface="Tunga"/>
-        <a:font script="Guru" typeface="Raavi"/>
-        <a:font script="Cans" typeface="Euphemia"/>
-        <a:font script="Cher" typeface="Plantagenet Cherokee"/>
-        <a:font script="Yiii" typeface="Microsoft Yi Baiti"/>
-        <a:font script="Tibt" typeface="Microsoft Himalaya"/>
-        <a:font script="Thaa" typeface="MV Boli"/>
-        <a:font script="Deva" typeface="Mangal"/>
-        <a:font script="Telu" typeface="Gautami"/>
-        <a:font script="Taml" typeface="Latha"/>
-        <a:font script="Syrc" typeface="Estrangelo Edessa"/>
-        <a:font script="Orya" typeface="Kalinga"/>
-        <a:font script="Mlym" typeface="Kartika"/>
-        <a:font script="Laoo" typeface="DokChampa"/>
-        <a:font script="Sinh" typeface="Iskoola Pota"/>
-        <a:font script="Mong" typeface="Mongolian Baiti"/>
-        <a:font script="Viet" typeface="Arial"/>
-        <a:font script="Uigh" typeface="Microsoft Uighur"/>
-        <a:font script="Geor" typeface="Sylfaen"/>
-      </a:minorFont>
-    </a:fontScheme>
-    <a:fmtScheme name="Office">
-      <a:fillStyleLst>
-        <a:solidFill>
-          <a:schemeClr val="phClr"/>
-        </a:solidFill>
-        <a:gradFill rotWithShape="1">
-          <a:gsLst>
-            <a:gs pos="0">
-              <a:schemeClr val="phClr">
-                <a:tint val="50000"/>
-                <a:satMod val="300000"/>
-              </a:schemeClr>
-            </a:gs>
-            <a:gs pos="35000">
-              <a:schemeClr val="phClr">
-                <a:tint val="37000"/>
-                <a:satMod val="300000"/>
-              </a:schemeClr>
-            </a:gs>
-            <a:gs pos="100000">
-              <a:schemeClr val="phClr">
-                <a:tint val="15000"/>
-                <a:satMod val="350000"/>
-              </a:schemeClr>
-            </a:gs>
-          </a:gsLst>
-          <a:lin ang="16200000" scaled="1"/>
-        </a:gradFill>
-        <a:gradFill rotWithShape="1">
-          <a:gsLst>
-            <a:gs pos="0">
-              <a:schemeClr val="phClr">
-                <a:tint val="100000"/>
-                <a:shade val="100000"/>
-                <a:satMod val="130000"/>
-              </a:schemeClr>
-            </a:gs>
-            <a:gs pos="100000">
-              <a:schemeClr val="phClr">
-                <a:tint val="50000"/>
-                <a:shade val="100000"/>
-                <a:satMod val="350000"/>
-              </a:schemeClr>
-            </a:gs>
-          </a:gsLst>
-          <a:lin ang="16200000" scaled="0"/>
-        </a:gradFill>
-      </a:fillStyleLst>
-      <a:lnStyleLst>
-        <a:ln w="9525" cap="flat" cmpd="sng" algn="ctr">
-          <a:solidFill>
-            <a:schemeClr val="phClr">
-              <a:shade val="95000"/>
-              <a:satMod val="105000"/>
-            </a:schemeClr>
-          </a:solidFill>
-          <a:prstDash val="solid"/>
-        </a:ln>
-        <a:ln w="25400" cap="flat" cmpd="sng" algn="ctr">
-          <a:solidFill>
-            <a:schemeClr val="phClr"/>
-          </a:solidFill>
-          <a:prstDash val="solid"/>
-        </a:ln>
-        <a:ln w="38100" cap="flat" cmpd="sng" algn="ctr">
-          <a:solidFill>
-            <a:schemeClr val="phClr"/>
-          </a:solidFill>
-          <a:prstDash val="solid"/>
-        </a:ln>
-      </a:lnStyleLst>
-      <a:effectStyleLst>
-        <a:effectStyle>
-          <a:effectLst>
-            <a:outerShdw blurRad="40000" dist="20000" dir="5400000" rotWithShape="0">
-              <a:srgbClr val="000000">
-                <a:alpha val="38000"/>
-              </a:srgbClr>
-            </a:outerShdw>
-          </a:effectLst>
-        </a:effectStyle>
-        <a:effectStyle>
-          <a:effectLst>
-            <a:outerShdw blurRad="40000" dist="23000" dir="5400000" rotWithShape="0">
-              <a:srgbClr val="000000">
-                <a:alpha val="35000"/>
-              </a:srgbClr>
-            </a:outerShdw>
-          </a:effectLst>
-        </a:effectStyle>
-        <a:effectStyle>
-          <a:effectLst>
-            <a:outerShdw blurRad="40000" dist="23000" dir="5400000" rotWithShape="0">
-              <a:srgbClr val="000000">
-                <a:alpha val="35000"/>
-              </a:srgbClr>
-            </a:outerShdw>
-          </a:effectLst>
-          <a:scene3d>
-            <a:camera prst="orthographicFront">
-              <a:rot lat="0" lon="0" rev="0"/>
-            </a:camera>
-            <a:lightRig rig="threePt" dir="t">
-              <a:rot lat="0" lon="0" rev="1200000"/>
-            </a:lightRig>
-          </a:scene3d>
-          <a:sp3d>
-            <a:bevelT w="63500" h="25400"/>
-          </a:sp3d>
-        </a:effectStyle>
-      </a:effectStyleLst>
-      <a:bgFillStyleLst>
-        <a:solidFill>
-          <a:schemeClr val="phClr"/>
-        </a:solidFill>
-        <a:gradFill rotWithShape="1">
-          <a:gsLst>
-            <a:gs pos="0">
-              <a:schemeClr val="phClr">
-                <a:tint val="40000"/>
-                <a:satMod val="350000"/>
-              </a:schemeClr>
-            </a:gs>
-            <a:gs pos="40000">
-              <a:schemeClr val="phClr">
-                <a:tint val="45000"/>
-                <a:shade val="99000"/>
-                <a:satMod val="350000"/>
-              </a:schemeClr>
-            </a:gs>
-            <a:gs pos="100000">
-              <a:schemeClr val="phClr">
-                <a:shade val="20000"/>
-                <a:satMod val="255000"/>
-              </a:schemeClr>
-            </a:gs>
-          </a:gsLst>
-          <a:path path="circle">
-            <a:fillToRect l="50000" t="-80000" r="50000" b="180000"/>
-          </a:path>
-        </a:gradFill>
-        <a:gradFill rotWithShape="1">
-          <a:gsLst>
-            <a:gs pos="0">
-              <a:schemeClr val="phClr">
-                <a:tint val="80000"/>
-                <a:satMod val="300000"/>
-              </a:schemeClr>
-            </a:gs>
-            <a:gs pos="100000">
-              <a:schemeClr val="phClr">
-                <a:shade val="30000"/>
-                <a:satMod val="200000"/>
-              </a:schemeClr>
-            </a:gs>
-          </a:gsLst>
-          <a:path path="circle">
-            <a:fillToRect l="50000" t="50000" r="50000" b="50000"/>
-          </a:path>
-        </a:gradFill>
-      </a:bgFillStyleLst>
-    </a:fmtScheme>
-  </a:themeElements>
+  <a:objectDefaults/>
+  <a:extraClrSchemeLst/>
 </a:theme>
 </file>